--- a/Capstone Presentation Format Ver 1.0.pptx
+++ b/Capstone Presentation Format Ver 1.0.pptx
@@ -7,18 +7,35 @@
   <p:sldIdLst>
     <p:sldId id="256" r:id="rId2"/>
     <p:sldId id="257" r:id="rId3"/>
-    <p:sldId id="258" r:id="rId4"/>
-    <p:sldId id="260" r:id="rId5"/>
-    <p:sldId id="261" r:id="rId6"/>
-    <p:sldId id="262" r:id="rId7"/>
-    <p:sldId id="263" r:id="rId8"/>
-    <p:sldId id="264" r:id="rId9"/>
-    <p:sldId id="265" r:id="rId10"/>
-    <p:sldId id="266" r:id="rId11"/>
-    <p:sldId id="267" r:id="rId12"/>
-    <p:sldId id="268" r:id="rId13"/>
-    <p:sldId id="269" r:id="rId14"/>
-    <p:sldId id="270" r:id="rId15"/>
+    <p:sldId id="272" r:id="rId4"/>
+    <p:sldId id="273" r:id="rId5"/>
+    <p:sldId id="276" r:id="rId6"/>
+    <p:sldId id="275" r:id="rId7"/>
+    <p:sldId id="277" r:id="rId8"/>
+    <p:sldId id="278" r:id="rId9"/>
+    <p:sldId id="279" r:id="rId10"/>
+    <p:sldId id="261" r:id="rId11"/>
+    <p:sldId id="280" r:id="rId12"/>
+    <p:sldId id="281" r:id="rId13"/>
+    <p:sldId id="282" r:id="rId14"/>
+    <p:sldId id="283" r:id="rId15"/>
+    <p:sldId id="263" r:id="rId16"/>
+    <p:sldId id="284" r:id="rId17"/>
+    <p:sldId id="264" r:id="rId18"/>
+    <p:sldId id="285" r:id="rId19"/>
+    <p:sldId id="286" r:id="rId20"/>
+    <p:sldId id="265" r:id="rId21"/>
+    <p:sldId id="287" r:id="rId22"/>
+    <p:sldId id="289" r:id="rId23"/>
+    <p:sldId id="266" r:id="rId24"/>
+    <p:sldId id="292" r:id="rId25"/>
+    <p:sldId id="293" r:id="rId26"/>
+    <p:sldId id="267" r:id="rId27"/>
+    <p:sldId id="268" r:id="rId28"/>
+    <p:sldId id="290" r:id="rId29"/>
+    <p:sldId id="269" r:id="rId30"/>
+    <p:sldId id="270" r:id="rId31"/>
+    <p:sldId id="291" r:id="rId32"/>
   </p:sldIdLst>
   <p:sldSz cx="12192000" cy="6858000"/>
   <p:notesSz cx="6858000" cy="9144000"/>
@@ -125,6 +142,46 @@
 </p:presentation>
 </file>
 
+<file path=ppt/commentAuthors.xml><?xml version="1.0" encoding="utf-8"?>
+<p:cmAuthorLst xmlns:a="http://schemas.openxmlformats.org/drawingml/2006/main" xmlns:r="http://schemas.openxmlformats.org/officeDocument/2006/relationships" xmlns:p="http://schemas.openxmlformats.org/presentationml/2006/main">
+  <p:cmAuthor id="1" name="naveen gilakattula" initials="ng" lastIdx="2" clrIdx="0">
+    <p:extLst>
+      <p:ext uri="{19B8F6BF-5375-455C-9EA6-DF929625EA0E}">
+        <p15:presenceInfo xmlns:p15="http://schemas.microsoft.com/office/powerpoint/2012/main" userId="856c5a6e35934ec9" providerId="Windows Live"/>
+      </p:ext>
+    </p:extLst>
+  </p:cmAuthor>
+</p:cmAuthorLst>
+</file>
+
+<file path=ppt/comments/comment1.xml><?xml version="1.0" encoding="utf-8"?>
+<p:cmLst xmlns:a="http://schemas.openxmlformats.org/drawingml/2006/main" xmlns:r="http://schemas.openxmlformats.org/officeDocument/2006/relationships" xmlns:p="http://schemas.openxmlformats.org/presentationml/2006/main">
+  <p:cm authorId="1" dt="2023-04-27T00:35:38.572" idx="1">
+    <p:pos x="10" y="10"/>
+    <p:text/>
+    <p:extLst>
+      <p:ext uri="{C676402C-5697-4E1C-873F-D02D1690AC5C}">
+        <p15:threadingInfo xmlns:p15="http://schemas.microsoft.com/office/powerpoint/2012/main" timeZoneBias="-330"/>
+      </p:ext>
+    </p:extLst>
+  </p:cm>
+</p:cmLst>
+</file>
+
+<file path=ppt/comments/comment2.xml><?xml version="1.0" encoding="utf-8"?>
+<p:cmLst xmlns:a="http://schemas.openxmlformats.org/drawingml/2006/main" xmlns:r="http://schemas.openxmlformats.org/officeDocument/2006/relationships" xmlns:p="http://schemas.openxmlformats.org/presentationml/2006/main">
+  <p:cm authorId="1" dt="2023-04-27T00:35:38.572" idx="2">
+    <p:pos x="10" y="10"/>
+    <p:text/>
+    <p:extLst>
+      <p:ext uri="{C676402C-5697-4E1C-873F-D02D1690AC5C}">
+        <p15:threadingInfo xmlns:p15="http://schemas.microsoft.com/office/powerpoint/2012/main" timeZoneBias="-330"/>
+      </p:ext>
+    </p:extLst>
+  </p:cm>
+</p:cmLst>
+</file>
+
 <file path=ppt/slideLayouts/slideLayout1.xml><?xml version="1.0" encoding="utf-8"?>
 <p:sldLayout xmlns:a="http://schemas.openxmlformats.org/drawingml/2006/main" xmlns:r="http://schemas.openxmlformats.org/officeDocument/2006/relationships" xmlns:p="http://schemas.openxmlformats.org/presentationml/2006/main" type="title" preserve="1">
   <p:cSld name="Title Slide">
@@ -274,7 +331,7 @@
           <a:p>
             <a:fld id="{6D3052E0-193B-4471-BAD0-B156ECCE0645}" type="datetimeFigureOut">
               <a:rPr lang="en-IN" smtClean="0"/>
-              <a:t>18-04-2023</a:t>
+              <a:t>26-04-2023</a:t>
             </a:fld>
             <a:endParaRPr lang="en-IN"/>
           </a:p>
@@ -474,7 +531,7 @@
           <a:p>
             <a:fld id="{6D3052E0-193B-4471-BAD0-B156ECCE0645}" type="datetimeFigureOut">
               <a:rPr lang="en-IN" smtClean="0"/>
-              <a:t>18-04-2023</a:t>
+              <a:t>26-04-2023</a:t>
             </a:fld>
             <a:endParaRPr lang="en-IN"/>
           </a:p>
@@ -684,7 +741,7 @@
           <a:p>
             <a:fld id="{6D3052E0-193B-4471-BAD0-B156ECCE0645}" type="datetimeFigureOut">
               <a:rPr lang="en-IN" smtClean="0"/>
-              <a:t>18-04-2023</a:t>
+              <a:t>26-04-2023</a:t>
             </a:fld>
             <a:endParaRPr lang="en-IN"/>
           </a:p>
@@ -884,7 +941,7 @@
           <a:p>
             <a:fld id="{6D3052E0-193B-4471-BAD0-B156ECCE0645}" type="datetimeFigureOut">
               <a:rPr lang="en-IN" smtClean="0"/>
-              <a:t>18-04-2023</a:t>
+              <a:t>26-04-2023</a:t>
             </a:fld>
             <a:endParaRPr lang="en-IN"/>
           </a:p>
@@ -1160,7 +1217,7 @@
           <a:p>
             <a:fld id="{6D3052E0-193B-4471-BAD0-B156ECCE0645}" type="datetimeFigureOut">
               <a:rPr lang="en-IN" smtClean="0"/>
-              <a:t>18-04-2023</a:t>
+              <a:t>26-04-2023</a:t>
             </a:fld>
             <a:endParaRPr lang="en-IN"/>
           </a:p>
@@ -1428,7 +1485,7 @@
           <a:p>
             <a:fld id="{6D3052E0-193B-4471-BAD0-B156ECCE0645}" type="datetimeFigureOut">
               <a:rPr lang="en-IN" smtClean="0"/>
-              <a:t>18-04-2023</a:t>
+              <a:t>26-04-2023</a:t>
             </a:fld>
             <a:endParaRPr lang="en-IN"/>
           </a:p>
@@ -1843,7 +1900,7 @@
           <a:p>
             <a:fld id="{6D3052E0-193B-4471-BAD0-B156ECCE0645}" type="datetimeFigureOut">
               <a:rPr lang="en-IN" smtClean="0"/>
-              <a:t>18-04-2023</a:t>
+              <a:t>26-04-2023</a:t>
             </a:fld>
             <a:endParaRPr lang="en-IN"/>
           </a:p>
@@ -1985,7 +2042,7 @@
           <a:p>
             <a:fld id="{6D3052E0-193B-4471-BAD0-B156ECCE0645}" type="datetimeFigureOut">
               <a:rPr lang="en-IN" smtClean="0"/>
-              <a:t>18-04-2023</a:t>
+              <a:t>26-04-2023</a:t>
             </a:fld>
             <a:endParaRPr lang="en-IN"/>
           </a:p>
@@ -2098,7 +2155,7 @@
           <a:p>
             <a:fld id="{6D3052E0-193B-4471-BAD0-B156ECCE0645}" type="datetimeFigureOut">
               <a:rPr lang="en-IN" smtClean="0"/>
-              <a:t>18-04-2023</a:t>
+              <a:t>26-04-2023</a:t>
             </a:fld>
             <a:endParaRPr lang="en-IN"/>
           </a:p>
@@ -2411,7 +2468,7 @@
           <a:p>
             <a:fld id="{6D3052E0-193B-4471-BAD0-B156ECCE0645}" type="datetimeFigureOut">
               <a:rPr lang="en-IN" smtClean="0"/>
-              <a:t>18-04-2023</a:t>
+              <a:t>26-04-2023</a:t>
             </a:fld>
             <a:endParaRPr lang="en-IN"/>
           </a:p>
@@ -2704,7 +2761,7 @@
           <a:p>
             <a:fld id="{6D3052E0-193B-4471-BAD0-B156ECCE0645}" type="datetimeFigureOut">
               <a:rPr lang="en-IN" smtClean="0"/>
-              <a:t>18-04-2023</a:t>
+              <a:t>26-04-2023</a:t>
             </a:fld>
             <a:endParaRPr lang="en-IN"/>
           </a:p>
@@ -2947,7 +3004,7 @@
           <a:p>
             <a:fld id="{6D3052E0-193B-4471-BAD0-B156ECCE0645}" type="datetimeFigureOut">
               <a:rPr lang="en-IN" smtClean="0"/>
-              <a:t>18-04-2023</a:t>
+              <a:t>26-04-2023</a:t>
             </a:fld>
             <a:endParaRPr lang="en-IN"/>
           </a:p>
@@ -3483,23 +3540,7 @@
               <a:rPr lang="en-IN" sz="2800" b="1" dirty="0">
                 <a:latin typeface="Times New Roman" panose="02020603050405020304" pitchFamily="18" charset="0"/>
               </a:rPr>
-              <a:t>Capstone</a:t>
-            </a:r>
-            <a:r>
-              <a:rPr lang="en-IN" sz="2800" dirty="0">
-                <a:effectLst/>
-                <a:latin typeface="Times New Roman" panose="02020603050405020304" pitchFamily="18" charset="0"/>
-                <a:ea typeface="Arial" panose="020B0604020202020204" pitchFamily="34" charset="0"/>
-              </a:rPr>
-              <a:t> </a:t>
-            </a:r>
-            <a:r>
-              <a:rPr lang="en-IN" sz="2800" b="1" dirty="0">
-                <a:effectLst/>
-                <a:latin typeface="Times New Roman" panose="02020603050405020304" pitchFamily="18" charset="0"/>
-                <a:ea typeface="Arial" panose="020B0604020202020204" pitchFamily="34" charset="0"/>
-              </a:rPr>
-              <a:t>Project</a:t>
+              <a:t>Employee Web Service</a:t>
             </a:r>
             <a:r>
               <a:rPr lang="en-IN" sz="2800" dirty="0">
@@ -3558,7 +3599,7 @@
                 <a:latin typeface="Times New Roman" panose="02020603050405020304" pitchFamily="18" charset="0"/>
                 <a:ea typeface="Arial" panose="020B0604020202020204" pitchFamily="34" charset="0"/>
               </a:rPr>
-              <a:t>Submitted by:</a:t>
+              <a:t>Submitted by: Bharath Kumar Palasa</a:t>
             </a:r>
             <a:endParaRPr lang="en-IN" sz="1050" b="1" dirty="0">
               <a:effectLst/>
@@ -3576,7 +3617,7 @@
               <a:rPr lang="en-IN" b="1" dirty="0">
                 <a:latin typeface="Times New Roman" panose="02020603050405020304" pitchFamily="18" charset="0"/>
               </a:rPr>
-              <a:t>Submission type : Individual/Group</a:t>
+              <a:t>Submission type : Individual</a:t>
             </a:r>
           </a:p>
           <a:p>
@@ -3591,7 +3632,7 @@
                 <a:latin typeface="Times New Roman" panose="02020603050405020304" pitchFamily="18" charset="0"/>
                 <a:ea typeface="Arial" panose="020B0604020202020204" pitchFamily="34" charset="0"/>
               </a:rPr>
-              <a:t>Name:	</a:t>
+              <a:t>Name: Bharath Kumar Palasa	</a:t>
             </a:r>
             <a:endParaRPr lang="en-IN" sz="1050" dirty="0">
               <a:effectLst/>
@@ -3611,7 +3652,7 @@
                 <a:latin typeface="Times New Roman" panose="02020603050405020304" pitchFamily="18" charset="0"/>
                 <a:ea typeface="Arial" panose="020B0604020202020204" pitchFamily="34" charset="0"/>
               </a:rPr>
-              <a:t>Batch :</a:t>
+              <a:t>Batch : HDFC API Developer Batch</a:t>
             </a:r>
             <a:endParaRPr lang="en-IN" sz="1050" dirty="0">
               <a:effectLst/>
@@ -3631,7 +3672,7 @@
                 <a:latin typeface="Times New Roman" panose="02020603050405020304" pitchFamily="18" charset="0"/>
                 <a:ea typeface="Arial" panose="020B0604020202020204" pitchFamily="34" charset="0"/>
               </a:rPr>
-              <a:t>LMS Id : </a:t>
+              <a:t>LMS Id :  bharathpalasa@gmail.com</a:t>
             </a:r>
             <a:endParaRPr lang="en-IN" sz="1050" dirty="0">
               <a:effectLst/>
@@ -3651,7 +3692,37 @@
                 <a:latin typeface="Times New Roman" panose="02020603050405020304" pitchFamily="18" charset="0"/>
                 <a:ea typeface="Arial" panose="020B0604020202020204" pitchFamily="34" charset="0"/>
               </a:rPr>
-              <a:t>Program :</a:t>
+              <a:t>Program : HDFC API </a:t>
+            </a:r>
+            <a:r>
+              <a:rPr lang="en-IN" b="1" dirty="0">
+                <a:latin typeface="Times New Roman" panose="02020603050405020304" pitchFamily="18" charset="0"/>
+                <a:ea typeface="Arial" panose="020B0604020202020204" pitchFamily="34" charset="0"/>
+              </a:rPr>
+              <a:t>D</a:t>
+            </a:r>
+            <a:r>
+              <a:rPr lang="en-IN" sz="1800" b="1" dirty="0">
+                <a:effectLst/>
+                <a:latin typeface="Times New Roman" panose="02020603050405020304" pitchFamily="18" charset="0"/>
+                <a:ea typeface="Arial" panose="020B0604020202020204" pitchFamily="34" charset="0"/>
+              </a:rPr>
+              <a:t>eveloper </a:t>
+            </a:r>
+            <a:r>
+              <a:rPr lang="en-IN" b="1" dirty="0">
+                <a:latin typeface="Times New Roman" panose="02020603050405020304" pitchFamily="18" charset="0"/>
+                <a:ea typeface="Arial" panose="020B0604020202020204" pitchFamily="34" charset="0"/>
+              </a:rPr>
+              <a:t>P</a:t>
+            </a:r>
+            <a:r>
+              <a:rPr lang="en-IN" sz="1800" b="1" dirty="0">
+                <a:effectLst/>
+                <a:latin typeface="Times New Roman" panose="02020603050405020304" pitchFamily="18" charset="0"/>
+                <a:ea typeface="Arial" panose="020B0604020202020204" pitchFamily="34" charset="0"/>
+              </a:rPr>
+              <a:t>rogram</a:t>
             </a:r>
             <a:endParaRPr lang="en-IN" sz="1050" dirty="0">
               <a:effectLst/>
@@ -3671,7 +3742,14 @@
                 <a:latin typeface="Times New Roman" panose="02020603050405020304" pitchFamily="18" charset="0"/>
                 <a:ea typeface="Arial" panose="020B0604020202020204" pitchFamily="34" charset="0"/>
               </a:rPr>
-              <a:t>Date: DD/MM/YYYY</a:t>
+              <a:t>Date: </a:t>
+            </a:r>
+            <a:r>
+              <a:rPr lang="en-IN" b="1" dirty="0">
+                <a:latin typeface="Times New Roman" panose="02020603050405020304" pitchFamily="18" charset="0"/>
+                <a:ea typeface="Arial" panose="020B0604020202020204" pitchFamily="34" charset="0"/>
+              </a:rPr>
+              <a:t>27/04/2023</a:t>
             </a:r>
             <a:endParaRPr lang="en-IN" sz="1050" dirty="0">
               <a:effectLst/>
@@ -3697,11 +3775,6 @@
 <file path=ppt/slides/slide10.xml><?xml version="1.0" encoding="utf-8"?>
 <p:sld xmlns:a="http://schemas.openxmlformats.org/drawingml/2006/main" xmlns:r="http://schemas.openxmlformats.org/officeDocument/2006/relationships" xmlns:p="http://schemas.openxmlformats.org/presentationml/2006/main">
   <p:cSld>
-    <p:bg>
-      <p:bgRef idx="1001">
-        <a:schemeClr val="bg1"/>
-      </p:bgRef>
-    </p:bg>
     <p:spTree>
       <p:nvGrpSpPr>
         <p:cNvPr id="1" name=""/>
@@ -3731,7 +3804,7 @@
           <p:nvPr/>
         </p:nvPicPr>
         <p:blipFill>
-          <a:blip r:embed="rId3" cstate="email">
+          <a:blip r:embed="rId2" cstate="email">
             <a:extLst>
               <a:ext uri="{28A0092B-C50C-407E-A947-70E740481C1C}">
                 <a14:useLocalDpi xmlns:a14="http://schemas.microsoft.com/office/drawing/2010/main"/>
@@ -3810,7 +3883,7 @@
           <p:nvPr/>
         </p:nvPicPr>
         <p:blipFill>
-          <a:blip r:embed="rId4">
+          <a:blip r:embed="rId3">
             <a:extLst>
               <a:ext uri="{28A0092B-C50C-407E-A947-70E740481C1C}">
                 <a14:useLocalDpi xmlns:a14="http://schemas.microsoft.com/office/drawing/2010/main" val="0"/>
@@ -3847,7 +3920,7 @@
         <p:spPr>
           <a:xfrm>
             <a:off x="2499360" y="383848"/>
-            <a:ext cx="8818879" cy="483017"/>
+            <a:ext cx="8818879" cy="461665"/>
           </a:xfrm>
           <a:prstGeom prst="rect">
             <a:avLst/>
@@ -3862,29 +3935,34 @@
           </a:bodyPr>
           <a:lstStyle/>
           <a:p>
-            <a:pPr>
-              <a:lnSpc>
-                <a:spcPct val="115000"/>
-              </a:lnSpc>
-            </a:pPr>
             <a:r>
               <a:rPr lang="en-IN" sz="2400" b="1" dirty="0">
                 <a:solidFill>
                   <a:schemeClr val="bg1"/>
                 </a:solidFill>
-                <a:latin typeface="Times New Roman" panose="02020603050405020304" pitchFamily="18" charset="0"/>
-              </a:rPr>
-              <a:t>Deployment</a:t>
-            </a:r>
+                <a:effectLst/>
+                <a:latin typeface="Times New Roman" panose="02020603050405020304" pitchFamily="18" charset="0"/>
+                <a:ea typeface="Arial" panose="020B0604020202020204" pitchFamily="34" charset="0"/>
+              </a:rPr>
+              <a:t>Architecture Design</a:t>
+            </a:r>
+            <a:endParaRPr lang="en-IN" sz="1400" dirty="0">
+              <a:solidFill>
+                <a:schemeClr val="bg1"/>
+              </a:solidFill>
+              <a:effectLst/>
+              <a:latin typeface="Arial" panose="020B0604020202020204" pitchFamily="34" charset="0"/>
+              <a:ea typeface="Arial" panose="020B0604020202020204" pitchFamily="34" charset="0"/>
+            </a:endParaRPr>
           </a:p>
         </p:txBody>
       </p:sp>
       <p:sp>
         <p:nvSpPr>
-          <p:cNvPr id="7" name="TextBox 6">
-            <a:extLst>
-              <a:ext uri="{FF2B5EF4-FFF2-40B4-BE49-F238E27FC236}">
-                <a16:creationId xmlns:a16="http://schemas.microsoft.com/office/drawing/2014/main" id="{4E34D14B-9278-1F90-25E3-1FABACE2AC59}"/>
+          <p:cNvPr id="10" name="TextBox 9">
+            <a:extLst>
+              <a:ext uri="{FF2B5EF4-FFF2-40B4-BE49-F238E27FC236}">
+                <a16:creationId xmlns:a16="http://schemas.microsoft.com/office/drawing/2014/main" id="{F71EEDC0-3CC6-66B5-D744-43E72A9CA66B}"/>
               </a:ext>
             </a:extLst>
           </p:cNvPr>
@@ -3894,7 +3972,7 @@
         <p:spPr>
           <a:xfrm>
             <a:off x="490220" y="1349647"/>
-            <a:ext cx="5026660" cy="1659237"/>
+            <a:ext cx="11368104" cy="4413003"/>
           </a:xfrm>
           <a:prstGeom prst="rect">
             <a:avLst/>
@@ -3907,23 +3985,197 @@
           </a:bodyPr>
           <a:lstStyle/>
           <a:p>
-            <a:pPr algn="just">
-              <a:lnSpc>
-                <a:spcPct val="115000"/>
-              </a:lnSpc>
-            </a:pPr>
-            <a:r>
-              <a:rPr lang="en-IN" sz="1800" dirty="0">
-                <a:effectLst/>
-                <a:latin typeface="Times New Roman" panose="02020603050405020304" pitchFamily="18" charset="0"/>
-                <a:ea typeface="Arial" panose="020B0604020202020204" pitchFamily="34" charset="0"/>
-              </a:rPr>
-              <a:t>This section explains the deployment process used to deploy the application to a production environment, including the hosting platform, the deployment process, and the configuration of the environment.</a:t>
-            </a:r>
-            <a:endParaRPr lang="en-IN" sz="1400" dirty="0">
-              <a:effectLst/>
-              <a:latin typeface="Arial" panose="020B0604020202020204" pitchFamily="34" charset="0"/>
-              <a:ea typeface="Arial" panose="020B0604020202020204" pitchFamily="34" charset="0"/>
+            <a:pPr algn="l"/>
+            <a:r>
+              <a:rPr lang="en-US" sz="2000" b="1" dirty="0">
+                <a:latin typeface="Times New Roman" panose="02020603050405020304" pitchFamily="18" charset="0"/>
+                <a:cs typeface="Times New Roman" panose="02020603050405020304" pitchFamily="18" charset="0"/>
+              </a:rPr>
+              <a:t>The architecture design of project can be divided into four main components</a:t>
+            </a:r>
+            <a:r>
+              <a:rPr lang="en-US" dirty="0">
+                <a:latin typeface="Times New Roman" panose="02020603050405020304" pitchFamily="18" charset="0"/>
+                <a:cs typeface="Times New Roman" panose="02020603050405020304" pitchFamily="18" charset="0"/>
+              </a:rPr>
+              <a:t>:</a:t>
+            </a:r>
+          </a:p>
+          <a:p>
+            <a:pPr algn="l"/>
+            <a:endParaRPr lang="en-US" dirty="0">
+              <a:latin typeface="Times New Roman" panose="02020603050405020304" pitchFamily="18" charset="0"/>
+              <a:cs typeface="Times New Roman" panose="02020603050405020304" pitchFamily="18" charset="0"/>
+            </a:endParaRPr>
+          </a:p>
+          <a:p>
+            <a:pPr algn="l">
+              <a:lnSpc>
+                <a:spcPct val="150000"/>
+              </a:lnSpc>
+              <a:buFont typeface="+mj-lt"/>
+              <a:buAutoNum type="arabicPeriod"/>
+            </a:pPr>
+            <a:r>
+              <a:rPr lang="en-US" dirty="0">
+                <a:latin typeface="Times New Roman" panose="02020603050405020304" pitchFamily="18" charset="0"/>
+                <a:cs typeface="Times New Roman" panose="02020603050405020304" pitchFamily="18" charset="0"/>
+              </a:rPr>
+              <a:t>Database</a:t>
+            </a:r>
+          </a:p>
+          <a:p>
+            <a:pPr algn="l">
+              <a:lnSpc>
+                <a:spcPct val="150000"/>
+              </a:lnSpc>
+              <a:buFont typeface="+mj-lt"/>
+              <a:buAutoNum type="arabicPeriod"/>
+            </a:pPr>
+            <a:r>
+              <a:rPr lang="en-US" dirty="0">
+                <a:latin typeface="Times New Roman" panose="02020603050405020304" pitchFamily="18" charset="0"/>
+                <a:cs typeface="Times New Roman" panose="02020603050405020304" pitchFamily="18" charset="0"/>
+              </a:rPr>
+              <a:t>Web Service</a:t>
+            </a:r>
+          </a:p>
+          <a:p>
+            <a:pPr algn="l">
+              <a:lnSpc>
+                <a:spcPct val="150000"/>
+              </a:lnSpc>
+              <a:buFont typeface="+mj-lt"/>
+              <a:buAutoNum type="arabicPeriod"/>
+            </a:pPr>
+            <a:r>
+              <a:rPr lang="en-US" dirty="0">
+                <a:latin typeface="Times New Roman" panose="02020603050405020304" pitchFamily="18" charset="0"/>
+                <a:cs typeface="Times New Roman" panose="02020603050405020304" pitchFamily="18" charset="0"/>
+              </a:rPr>
+              <a:t>Client Program</a:t>
+            </a:r>
+          </a:p>
+          <a:p>
+            <a:pPr algn="l">
+              <a:lnSpc>
+                <a:spcPct val="150000"/>
+              </a:lnSpc>
+              <a:buFont typeface="+mj-lt"/>
+              <a:buAutoNum type="arabicPeriod"/>
+            </a:pPr>
+            <a:r>
+              <a:rPr lang="en-US" dirty="0">
+                <a:latin typeface="Times New Roman" panose="02020603050405020304" pitchFamily="18" charset="0"/>
+                <a:cs typeface="Times New Roman" panose="02020603050405020304" pitchFamily="18" charset="0"/>
+              </a:rPr>
+              <a:t>Deployment</a:t>
+            </a:r>
+          </a:p>
+          <a:p>
+            <a:pPr algn="l">
+              <a:lnSpc>
+                <a:spcPct val="150000"/>
+              </a:lnSpc>
+            </a:pPr>
+            <a:endParaRPr lang="en-US" dirty="0">
+              <a:latin typeface="Times New Roman" panose="02020603050405020304" pitchFamily="18" charset="0"/>
+              <a:cs typeface="Times New Roman" panose="02020603050405020304" pitchFamily="18" charset="0"/>
+            </a:endParaRPr>
+          </a:p>
+          <a:p>
+            <a:pPr>
+              <a:lnSpc>
+                <a:spcPct val="150000"/>
+              </a:lnSpc>
+            </a:pPr>
+            <a:r>
+              <a:rPr lang="en-US" sz="2000" b="1" dirty="0">
+                <a:latin typeface="Times New Roman" panose="02020603050405020304" pitchFamily="18" charset="0"/>
+                <a:cs typeface="Times New Roman" panose="02020603050405020304" pitchFamily="18" charset="0"/>
+              </a:rPr>
+              <a:t> 1. Database</a:t>
+            </a:r>
+          </a:p>
+          <a:p>
+            <a:pPr>
+              <a:lnSpc>
+                <a:spcPct val="150000"/>
+              </a:lnSpc>
+            </a:pPr>
+            <a:r>
+              <a:rPr lang="en-US" dirty="0">
+                <a:latin typeface="Times New Roman" panose="02020603050405020304" pitchFamily="18" charset="0"/>
+                <a:cs typeface="Times New Roman" panose="02020603050405020304" pitchFamily="18" charset="0"/>
+              </a:rPr>
+              <a:t>The project requires a database to store employee data. MySQL is used for this project and a database is created.</a:t>
+            </a:r>
+          </a:p>
+          <a:p>
+            <a:pPr>
+              <a:lnSpc>
+                <a:spcPct val="150000"/>
+              </a:lnSpc>
+            </a:pPr>
+            <a:r>
+              <a:rPr lang="en-US" dirty="0">
+                <a:latin typeface="Times New Roman" panose="02020603050405020304" pitchFamily="18" charset="0"/>
+                <a:cs typeface="Times New Roman" panose="02020603050405020304" pitchFamily="18" charset="0"/>
+              </a:rPr>
+              <a:t>An Employee table is created in the database with 3 columns </a:t>
+            </a:r>
+            <a:r>
+              <a:rPr lang="en-US" dirty="0" err="1">
+                <a:latin typeface="Times New Roman" panose="02020603050405020304" pitchFamily="18" charset="0"/>
+                <a:cs typeface="Times New Roman" panose="02020603050405020304" pitchFamily="18" charset="0"/>
+              </a:rPr>
+              <a:t>employee_id</a:t>
+            </a:r>
+            <a:r>
+              <a:rPr lang="en-US" dirty="0">
+                <a:latin typeface="Times New Roman" panose="02020603050405020304" pitchFamily="18" charset="0"/>
+                <a:cs typeface="Times New Roman" panose="02020603050405020304" pitchFamily="18" charset="0"/>
+              </a:rPr>
+              <a:t>, </a:t>
+            </a:r>
+            <a:r>
+              <a:rPr lang="en-US" dirty="0" err="1">
+                <a:latin typeface="Times New Roman" panose="02020603050405020304" pitchFamily="18" charset="0"/>
+                <a:cs typeface="Times New Roman" panose="02020603050405020304" pitchFamily="18" charset="0"/>
+              </a:rPr>
+              <a:t>employee_name</a:t>
+            </a:r>
+            <a:r>
+              <a:rPr lang="en-US" dirty="0">
+                <a:latin typeface="Times New Roman" panose="02020603050405020304" pitchFamily="18" charset="0"/>
+                <a:cs typeface="Times New Roman" panose="02020603050405020304" pitchFamily="18" charset="0"/>
+              </a:rPr>
+              <a:t> and </a:t>
+            </a:r>
+            <a:r>
+              <a:rPr lang="en-US" dirty="0" err="1">
+                <a:latin typeface="Times New Roman" panose="02020603050405020304" pitchFamily="18" charset="0"/>
+                <a:cs typeface="Times New Roman" panose="02020603050405020304" pitchFamily="18" charset="0"/>
+              </a:rPr>
+              <a:t>date_of_birth</a:t>
+            </a:r>
+            <a:r>
+              <a:rPr lang="en-US" dirty="0">
+                <a:latin typeface="Times New Roman" panose="02020603050405020304" pitchFamily="18" charset="0"/>
+                <a:cs typeface="Times New Roman" panose="02020603050405020304" pitchFamily="18" charset="0"/>
+              </a:rPr>
+              <a:t>.</a:t>
+            </a:r>
+          </a:p>
+          <a:p>
+            <a:pPr algn="l">
+              <a:lnSpc>
+                <a:spcPct val="150000"/>
+              </a:lnSpc>
+            </a:pPr>
+            <a:endParaRPr lang="en-US" dirty="0">
+              <a:latin typeface="Times New Roman" panose="02020603050405020304" pitchFamily="18" charset="0"/>
+              <a:cs typeface="Times New Roman" panose="02020603050405020304" pitchFamily="18" charset="0"/>
             </a:endParaRPr>
           </a:p>
         </p:txBody>
@@ -3931,12 +4183,12 @@
     </p:spTree>
     <p:extLst>
       <p:ext uri="{BB962C8B-B14F-4D97-AF65-F5344CB8AC3E}">
-        <p14:creationId xmlns:p14="http://schemas.microsoft.com/office/powerpoint/2010/main" val="294745817"/>
+        <p14:creationId xmlns:p14="http://schemas.microsoft.com/office/powerpoint/2010/main" val="503207019"/>
       </p:ext>
     </p:extLst>
   </p:cSld>
   <p:clrMapOvr>
-    <a:overrideClrMapping bg1="lt1" tx1="dk1" bg2="lt2" tx2="dk2" accent1="accent1" accent2="accent2" accent3="accent3" accent4="accent4" accent5="accent5" accent6="accent6" hlink="hlink" folHlink="folHlink"/>
+    <a:masterClrMapping/>
   </p:clrMapOvr>
 </p:sld>
 </file>
@@ -4089,7 +4341,7 @@
         <p:spPr>
           <a:xfrm>
             <a:off x="2499360" y="383848"/>
-            <a:ext cx="8818879" cy="483017"/>
+            <a:ext cx="8818879" cy="461665"/>
           </a:xfrm>
           <a:prstGeom prst="rect">
             <a:avLst/>
@@ -4104,29 +4356,34 @@
           </a:bodyPr>
           <a:lstStyle/>
           <a:p>
-            <a:pPr>
-              <a:lnSpc>
-                <a:spcPct val="115000"/>
-              </a:lnSpc>
-            </a:pPr>
             <a:r>
               <a:rPr lang="en-IN" sz="2400" b="1" dirty="0">
                 <a:solidFill>
                   <a:schemeClr val="bg1"/>
                 </a:solidFill>
-                <a:latin typeface="Times New Roman" panose="02020603050405020304" pitchFamily="18" charset="0"/>
-              </a:rPr>
-              <a:t>Conclusion</a:t>
-            </a:r>
+                <a:effectLst/>
+                <a:latin typeface="Times New Roman" panose="02020603050405020304" pitchFamily="18" charset="0"/>
+                <a:ea typeface="Arial" panose="020B0604020202020204" pitchFamily="34" charset="0"/>
+              </a:rPr>
+              <a:t>Architecture Design</a:t>
+            </a:r>
+            <a:endParaRPr lang="en-IN" sz="1400" dirty="0">
+              <a:solidFill>
+                <a:schemeClr val="bg1"/>
+              </a:solidFill>
+              <a:effectLst/>
+              <a:latin typeface="Arial" panose="020B0604020202020204" pitchFamily="34" charset="0"/>
+              <a:ea typeface="Arial" panose="020B0604020202020204" pitchFamily="34" charset="0"/>
+            </a:endParaRPr>
           </a:p>
         </p:txBody>
       </p:sp>
       <p:sp>
         <p:nvSpPr>
-          <p:cNvPr id="7" name="TextBox 6">
-            <a:extLst>
-              <a:ext uri="{FF2B5EF4-FFF2-40B4-BE49-F238E27FC236}">
-                <a16:creationId xmlns:a16="http://schemas.microsoft.com/office/drawing/2014/main" id="{B4E07FE1-E878-E386-9DF4-34E931415690}"/>
+          <p:cNvPr id="10" name="TextBox 9">
+            <a:extLst>
+              <a:ext uri="{FF2B5EF4-FFF2-40B4-BE49-F238E27FC236}">
+                <a16:creationId xmlns:a16="http://schemas.microsoft.com/office/drawing/2014/main" id="{F71EEDC0-3CC6-66B5-D744-43E72A9CA66B}"/>
               </a:ext>
             </a:extLst>
           </p:cNvPr>
@@ -4135,8 +4392,8 @@
         </p:nvSpPr>
         <p:spPr>
           <a:xfrm>
-            <a:off x="490220" y="1349647"/>
-            <a:ext cx="5026660" cy="1659237"/>
+            <a:off x="490219" y="1349647"/>
+            <a:ext cx="11098595" cy="1335237"/>
           </a:xfrm>
           <a:prstGeom prst="rect">
             <a:avLst/>
@@ -4149,31 +4406,124 @@
           </a:bodyPr>
           <a:lstStyle/>
           <a:p>
-            <a:pPr algn="just">
-              <a:lnSpc>
-                <a:spcPct val="115000"/>
-              </a:lnSpc>
-            </a:pPr>
-            <a:r>
-              <a:rPr lang="en-IN" sz="1800" dirty="0">
-                <a:effectLst/>
-                <a:latin typeface="Times New Roman" panose="02020603050405020304" pitchFamily="18" charset="0"/>
-                <a:ea typeface="Arial" panose="020B0604020202020204" pitchFamily="34" charset="0"/>
-              </a:rPr>
-              <a:t>This section summarizes the project, including the main features, functionality, and technology stack used. It should also discuss the challenges faced during the development process and how they were overcome.</a:t>
-            </a:r>
-            <a:endParaRPr lang="en-IN" sz="1400" dirty="0">
-              <a:effectLst/>
-              <a:latin typeface="Arial" panose="020B0604020202020204" pitchFamily="34" charset="0"/>
-              <a:ea typeface="Arial" panose="020B0604020202020204" pitchFamily="34" charset="0"/>
-            </a:endParaRPr>
+            <a:pPr>
+              <a:lnSpc>
+                <a:spcPct val="150000"/>
+              </a:lnSpc>
+            </a:pPr>
+            <a:r>
+              <a:rPr lang="en-US" sz="2000" b="1" dirty="0">
+                <a:latin typeface="Times New Roman" panose="02020603050405020304" pitchFamily="18" charset="0"/>
+                <a:cs typeface="Times New Roman" panose="02020603050405020304" pitchFamily="18" charset="0"/>
+              </a:rPr>
+              <a:t> 1. Database</a:t>
+            </a:r>
+          </a:p>
+          <a:p>
+            <a:pPr>
+              <a:lnSpc>
+                <a:spcPct val="150000"/>
+              </a:lnSpc>
+            </a:pPr>
+            <a:r>
+              <a:rPr lang="en-US" dirty="0">
+                <a:latin typeface="Times New Roman" panose="02020603050405020304" pitchFamily="18" charset="0"/>
+                <a:cs typeface="Times New Roman" panose="02020603050405020304" pitchFamily="18" charset="0"/>
+              </a:rPr>
+              <a:t>The project requires a database to store employee data. MySQL is used for this project and a database is created.</a:t>
+            </a:r>
+          </a:p>
+          <a:p>
+            <a:pPr>
+              <a:lnSpc>
+                <a:spcPct val="150000"/>
+              </a:lnSpc>
+            </a:pPr>
+            <a:r>
+              <a:rPr lang="en-US" dirty="0">
+                <a:latin typeface="Times New Roman" panose="02020603050405020304" pitchFamily="18" charset="0"/>
+                <a:cs typeface="Times New Roman" panose="02020603050405020304" pitchFamily="18" charset="0"/>
+              </a:rPr>
+              <a:t>An Employee table is created in the database with 3 columns </a:t>
+            </a:r>
+            <a:r>
+              <a:rPr lang="en-US" dirty="0" err="1">
+                <a:latin typeface="Times New Roman" panose="02020603050405020304" pitchFamily="18" charset="0"/>
+                <a:cs typeface="Times New Roman" panose="02020603050405020304" pitchFamily="18" charset="0"/>
+              </a:rPr>
+              <a:t>employee_id</a:t>
+            </a:r>
+            <a:r>
+              <a:rPr lang="en-US" dirty="0">
+                <a:latin typeface="Times New Roman" panose="02020603050405020304" pitchFamily="18" charset="0"/>
+                <a:cs typeface="Times New Roman" panose="02020603050405020304" pitchFamily="18" charset="0"/>
+              </a:rPr>
+              <a:t>, </a:t>
+            </a:r>
+            <a:r>
+              <a:rPr lang="en-US" dirty="0" err="1">
+                <a:latin typeface="Times New Roman" panose="02020603050405020304" pitchFamily="18" charset="0"/>
+                <a:cs typeface="Times New Roman" panose="02020603050405020304" pitchFamily="18" charset="0"/>
+              </a:rPr>
+              <a:t>employee_name</a:t>
+            </a:r>
+            <a:r>
+              <a:rPr lang="en-US" dirty="0">
+                <a:latin typeface="Times New Roman" panose="02020603050405020304" pitchFamily="18" charset="0"/>
+                <a:cs typeface="Times New Roman" panose="02020603050405020304" pitchFamily="18" charset="0"/>
+              </a:rPr>
+              <a:t> and </a:t>
+            </a:r>
+            <a:r>
+              <a:rPr lang="en-US" dirty="0" err="1">
+                <a:latin typeface="Times New Roman" panose="02020603050405020304" pitchFamily="18" charset="0"/>
+                <a:cs typeface="Times New Roman" panose="02020603050405020304" pitchFamily="18" charset="0"/>
+              </a:rPr>
+              <a:t>date_of_birth</a:t>
+            </a:r>
+            <a:r>
+              <a:rPr lang="en-US" dirty="0">
+                <a:latin typeface="Times New Roman" panose="02020603050405020304" pitchFamily="18" charset="0"/>
+                <a:cs typeface="Times New Roman" panose="02020603050405020304" pitchFamily="18" charset="0"/>
+              </a:rPr>
+              <a:t>.</a:t>
+            </a:r>
           </a:p>
         </p:txBody>
       </p:sp>
+      <p:pic>
+        <p:nvPicPr>
+          <p:cNvPr id="9" name="Picture 8">
+            <a:extLst>
+              <a:ext uri="{FF2B5EF4-FFF2-40B4-BE49-F238E27FC236}">
+                <a16:creationId xmlns:a16="http://schemas.microsoft.com/office/drawing/2014/main" id="{E2E9EB2C-ED86-30DA-07FC-F445F4F8DFFE}"/>
+              </a:ext>
+            </a:extLst>
+          </p:cNvPr>
+          <p:cNvPicPr>
+            <a:picLocks noChangeAspect="1"/>
+          </p:cNvPicPr>
+          <p:nvPr/>
+        </p:nvPicPr>
+        <p:blipFill rotWithShape="1">
+          <a:blip r:embed="rId4"/>
+          <a:srcRect l="125" t="-103" r="-125" b="62942"/>
+          <a:stretch/>
+        </p:blipFill>
+        <p:spPr>
+          <a:xfrm>
+            <a:off x="1424538" y="3428999"/>
+            <a:ext cx="6756936" cy="2259531"/>
+          </a:xfrm>
+          <a:prstGeom prst="rect">
+            <a:avLst/>
+          </a:prstGeom>
+        </p:spPr>
+      </p:pic>
     </p:spTree>
     <p:extLst>
       <p:ext uri="{BB962C8B-B14F-4D97-AF65-F5344CB8AC3E}">
-        <p14:creationId xmlns:p14="http://schemas.microsoft.com/office/powerpoint/2010/main" val="984102935"/>
+        <p14:creationId xmlns:p14="http://schemas.microsoft.com/office/powerpoint/2010/main" val="1909188269"/>
       </p:ext>
     </p:extLst>
   </p:cSld>
@@ -4331,7 +4681,7 @@
         <p:spPr>
           <a:xfrm>
             <a:off x="2499360" y="383848"/>
-            <a:ext cx="8818879" cy="483017"/>
+            <a:ext cx="8818879" cy="461665"/>
           </a:xfrm>
           <a:prstGeom prst="rect">
             <a:avLst/>
@@ -4346,29 +4696,34 @@
           </a:bodyPr>
           <a:lstStyle/>
           <a:p>
-            <a:pPr>
-              <a:lnSpc>
-                <a:spcPct val="115000"/>
-              </a:lnSpc>
-            </a:pPr>
             <a:r>
               <a:rPr lang="en-IN" sz="2400" b="1" dirty="0">
                 <a:solidFill>
                   <a:schemeClr val="bg1"/>
                 </a:solidFill>
-                <a:latin typeface="Times New Roman" panose="02020603050405020304" pitchFamily="18" charset="0"/>
-              </a:rPr>
-              <a:t>Future Work</a:t>
-            </a:r>
+                <a:effectLst/>
+                <a:latin typeface="Times New Roman" panose="02020603050405020304" pitchFamily="18" charset="0"/>
+                <a:ea typeface="Arial" panose="020B0604020202020204" pitchFamily="34" charset="0"/>
+              </a:rPr>
+              <a:t>Architecture Design</a:t>
+            </a:r>
+            <a:endParaRPr lang="en-IN" sz="1400" dirty="0">
+              <a:solidFill>
+                <a:schemeClr val="bg1"/>
+              </a:solidFill>
+              <a:effectLst/>
+              <a:latin typeface="Arial" panose="020B0604020202020204" pitchFamily="34" charset="0"/>
+              <a:ea typeface="Arial" panose="020B0604020202020204" pitchFamily="34" charset="0"/>
+            </a:endParaRPr>
           </a:p>
         </p:txBody>
       </p:sp>
       <p:sp>
         <p:nvSpPr>
-          <p:cNvPr id="3" name="TextBox 2">
-            <a:extLst>
-              <a:ext uri="{FF2B5EF4-FFF2-40B4-BE49-F238E27FC236}">
-                <a16:creationId xmlns:a16="http://schemas.microsoft.com/office/drawing/2014/main" id="{0619899A-31DA-FCDF-48CA-B2A307298A93}"/>
+          <p:cNvPr id="10" name="TextBox 9">
+            <a:extLst>
+              <a:ext uri="{FF2B5EF4-FFF2-40B4-BE49-F238E27FC236}">
+                <a16:creationId xmlns:a16="http://schemas.microsoft.com/office/drawing/2014/main" id="{F71EEDC0-3CC6-66B5-D744-43E72A9CA66B}"/>
               </a:ext>
             </a:extLst>
           </p:cNvPr>
@@ -4377,8 +4732,8 @@
         </p:nvSpPr>
         <p:spPr>
           <a:xfrm>
-            <a:off x="490220" y="1349647"/>
-            <a:ext cx="5026660" cy="1022139"/>
+            <a:off x="464887" y="1197589"/>
+            <a:ext cx="11262225" cy="5304978"/>
           </a:xfrm>
           <a:prstGeom prst="rect">
             <a:avLst/>
@@ -4393,17 +4748,163 @@
           <a:p>
             <a:pPr algn="just">
               <a:lnSpc>
+                <a:spcPct val="150000"/>
+              </a:lnSpc>
+            </a:pPr>
+            <a:r>
+              <a:rPr lang="en-IN" sz="2000" b="1" i="0" dirty="0">
+                <a:effectLst/>
+                <a:latin typeface="Times New Roman" panose="02020603050405020304" pitchFamily="18" charset="0"/>
+                <a:cs typeface="Times New Roman" panose="02020603050405020304" pitchFamily="18" charset="0"/>
+              </a:rPr>
+              <a:t>2. Web Service</a:t>
+            </a:r>
+          </a:p>
+          <a:p>
+            <a:pPr algn="l">
+              <a:lnSpc>
+                <a:spcPct val="150000"/>
+              </a:lnSpc>
+            </a:pPr>
+            <a:r>
+              <a:rPr lang="en-US" dirty="0">
+                <a:latin typeface="Times New Roman" panose="02020603050405020304" pitchFamily="18" charset="0"/>
+                <a:cs typeface="Times New Roman" panose="02020603050405020304" pitchFamily="18" charset="0"/>
+              </a:rPr>
+              <a:t>The web service is the primary component of the project, responsible for retrieving employee data from the database and returning it to the client program. The web service is implemented using Java and Spring Boot, and can be accessed through an HTTP request that takes an </a:t>
+            </a:r>
+            <a:r>
+              <a:rPr lang="en-US" dirty="0" err="1">
+                <a:latin typeface="Times New Roman" panose="02020603050405020304" pitchFamily="18" charset="0"/>
+                <a:cs typeface="Times New Roman" panose="02020603050405020304" pitchFamily="18" charset="0"/>
+              </a:rPr>
+              <a:t>EmployeeID</a:t>
+            </a:r>
+            <a:r>
+              <a:rPr lang="en-US" dirty="0">
+                <a:latin typeface="Times New Roman" panose="02020603050405020304" pitchFamily="18" charset="0"/>
+                <a:cs typeface="Times New Roman" panose="02020603050405020304" pitchFamily="18" charset="0"/>
+              </a:rPr>
+              <a:t> as a parameter and returns the corresponding </a:t>
+            </a:r>
+            <a:r>
+              <a:rPr lang="en-US" dirty="0" err="1">
+                <a:latin typeface="Times New Roman" panose="02020603050405020304" pitchFamily="18" charset="0"/>
+                <a:cs typeface="Times New Roman" panose="02020603050405020304" pitchFamily="18" charset="0"/>
+              </a:rPr>
+              <a:t>EmployeeName</a:t>
+            </a:r>
+            <a:r>
+              <a:rPr lang="en-US" dirty="0">
+                <a:latin typeface="Times New Roman" panose="02020603050405020304" pitchFamily="18" charset="0"/>
+                <a:cs typeface="Times New Roman" panose="02020603050405020304" pitchFamily="18" charset="0"/>
+              </a:rPr>
+              <a:t> and </a:t>
+            </a:r>
+            <a:r>
+              <a:rPr lang="en-US" dirty="0" err="1">
+                <a:latin typeface="Times New Roman" panose="02020603050405020304" pitchFamily="18" charset="0"/>
+                <a:cs typeface="Times New Roman" panose="02020603050405020304" pitchFamily="18" charset="0"/>
+              </a:rPr>
+              <a:t>DateOfBirth</a:t>
+            </a:r>
+            <a:r>
+              <a:rPr lang="en-US" dirty="0">
+                <a:latin typeface="Times New Roman" panose="02020603050405020304" pitchFamily="18" charset="0"/>
+                <a:cs typeface="Times New Roman" panose="02020603050405020304" pitchFamily="18" charset="0"/>
+              </a:rPr>
+              <a:t>.</a:t>
+            </a:r>
+          </a:p>
+          <a:p>
+            <a:pPr algn="l">
+              <a:lnSpc>
+                <a:spcPct val="150000"/>
+              </a:lnSpc>
+            </a:pPr>
+            <a:r>
+              <a:rPr lang="en-US" b="1" dirty="0">
+                <a:latin typeface="Times New Roman" panose="02020603050405020304" pitchFamily="18" charset="0"/>
+                <a:cs typeface="Times New Roman" panose="02020603050405020304" pitchFamily="18" charset="0"/>
+              </a:rPr>
+              <a:t>The web service consists of several components:</a:t>
+            </a:r>
+          </a:p>
+          <a:p>
+            <a:pPr marL="285750" indent="-285750" algn="l">
+              <a:lnSpc>
+                <a:spcPct val="150000"/>
+              </a:lnSpc>
+              <a:buFont typeface="Wingdings" panose="05000000000000000000" pitchFamily="2" charset="2"/>
+              <a:buChar char="Ø"/>
+            </a:pPr>
+            <a:r>
+              <a:rPr lang="en-US" b="1" dirty="0">
+                <a:latin typeface="Times New Roman" panose="02020603050405020304" pitchFamily="18" charset="0"/>
+                <a:cs typeface="Times New Roman" panose="02020603050405020304" pitchFamily="18" charset="0"/>
+              </a:rPr>
+              <a:t>Controller</a:t>
+            </a:r>
+            <a:r>
+              <a:rPr lang="en-US" dirty="0">
+                <a:latin typeface="Times New Roman" panose="02020603050405020304" pitchFamily="18" charset="0"/>
+                <a:cs typeface="Times New Roman" panose="02020603050405020304" pitchFamily="18" charset="0"/>
+              </a:rPr>
+              <a:t>: The controller receives incoming HTTP requests, retrieves the requested data from the database, and returns the data to the client program.</a:t>
+            </a:r>
+          </a:p>
+          <a:p>
+            <a:pPr marL="285750" indent="-285750" algn="l">
+              <a:lnSpc>
+                <a:spcPct val="150000"/>
+              </a:lnSpc>
+              <a:buFont typeface="Wingdings" panose="05000000000000000000" pitchFamily="2" charset="2"/>
+              <a:buChar char="Ø"/>
+            </a:pPr>
+            <a:r>
+              <a:rPr lang="en-US" b="1" dirty="0">
+                <a:latin typeface="Times New Roman" panose="02020603050405020304" pitchFamily="18" charset="0"/>
+                <a:cs typeface="Times New Roman" panose="02020603050405020304" pitchFamily="18" charset="0"/>
+              </a:rPr>
+              <a:t>Service</a:t>
+            </a:r>
+            <a:r>
+              <a:rPr lang="en-US" dirty="0">
+                <a:latin typeface="Times New Roman" panose="02020603050405020304" pitchFamily="18" charset="0"/>
+                <a:cs typeface="Times New Roman" panose="02020603050405020304" pitchFamily="18" charset="0"/>
+              </a:rPr>
+              <a:t>: The service layer encapsulates the business logic of the application and interacts with the database through a DAO (Data Access Object) layer.</a:t>
+            </a:r>
+          </a:p>
+          <a:p>
+            <a:pPr marL="285750" indent="-285750" algn="l">
+              <a:lnSpc>
+                <a:spcPct val="150000"/>
+              </a:lnSpc>
+              <a:buFont typeface="Wingdings" panose="05000000000000000000" pitchFamily="2" charset="2"/>
+              <a:buChar char="Ø"/>
+            </a:pPr>
+            <a:r>
+              <a:rPr lang="en-US" b="1" dirty="0">
+                <a:latin typeface="Times New Roman" panose="02020603050405020304" pitchFamily="18" charset="0"/>
+                <a:cs typeface="Times New Roman" panose="02020603050405020304" pitchFamily="18" charset="0"/>
+              </a:rPr>
+              <a:t>DAO</a:t>
+            </a:r>
+            <a:r>
+              <a:rPr lang="en-US" dirty="0">
+                <a:latin typeface="Times New Roman" panose="02020603050405020304" pitchFamily="18" charset="0"/>
+                <a:cs typeface="Times New Roman" panose="02020603050405020304" pitchFamily="18" charset="0"/>
+              </a:rPr>
+              <a:t>: The DAO layer interacts directly with the database and performs CRUD (Create, Read, Update, Delete) operations on the Employee table.</a:t>
+            </a:r>
+          </a:p>
+          <a:p>
+            <a:pPr algn="just">
+              <a:lnSpc>
                 <a:spcPct val="115000"/>
               </a:lnSpc>
             </a:pPr>
-            <a:r>
-              <a:rPr lang="en-IN" sz="1800" dirty="0">
-                <a:effectLst/>
-                <a:latin typeface="Times New Roman" panose="02020603050405020304" pitchFamily="18" charset="0"/>
-                <a:ea typeface="Arial" panose="020B0604020202020204" pitchFamily="34" charset="0"/>
-              </a:rPr>
-              <a:t>This section discusses future work that can be done to improve the application, including additional features, enhancements, and optimizations.</a:t>
-            </a:r>
             <a:endParaRPr lang="en-IN" sz="1400" dirty="0">
               <a:effectLst/>
               <a:latin typeface="Arial" panose="020B0604020202020204" pitchFamily="34" charset="0"/>
@@ -4415,7 +4916,7 @@
     </p:spTree>
     <p:extLst>
       <p:ext uri="{BB962C8B-B14F-4D97-AF65-F5344CB8AC3E}">
-        <p14:creationId xmlns:p14="http://schemas.microsoft.com/office/powerpoint/2010/main" val="2343796108"/>
+        <p14:creationId xmlns:p14="http://schemas.microsoft.com/office/powerpoint/2010/main" val="3903522632"/>
       </p:ext>
     </p:extLst>
   </p:cSld>
@@ -4573,7 +5074,7 @@
         <p:spPr>
           <a:xfrm>
             <a:off x="2499360" y="383848"/>
-            <a:ext cx="8818879" cy="483017"/>
+            <a:ext cx="8818879" cy="461665"/>
           </a:xfrm>
           <a:prstGeom prst="rect">
             <a:avLst/>
@@ -4588,20 +5089,25 @@
           </a:bodyPr>
           <a:lstStyle/>
           <a:p>
-            <a:pPr>
-              <a:lnSpc>
-                <a:spcPct val="115000"/>
-              </a:lnSpc>
-            </a:pPr>
             <a:r>
               <a:rPr lang="en-IN" sz="2400" b="1" dirty="0">
                 <a:solidFill>
                   <a:schemeClr val="bg1"/>
                 </a:solidFill>
-                <a:latin typeface="Times New Roman" panose="02020603050405020304" pitchFamily="18" charset="0"/>
-              </a:rPr>
-              <a:t>References</a:t>
-            </a:r>
+                <a:effectLst/>
+                <a:latin typeface="Times New Roman" panose="02020603050405020304" pitchFamily="18" charset="0"/>
+                <a:ea typeface="Arial" panose="020B0604020202020204" pitchFamily="34" charset="0"/>
+              </a:rPr>
+              <a:t>Architecture Design</a:t>
+            </a:r>
+            <a:endParaRPr lang="en-IN" sz="1400" dirty="0">
+              <a:solidFill>
+                <a:schemeClr val="bg1"/>
+              </a:solidFill>
+              <a:effectLst/>
+              <a:latin typeface="Arial" panose="020B0604020202020204" pitchFamily="34" charset="0"/>
+              <a:ea typeface="Arial" panose="020B0604020202020204" pitchFamily="34" charset="0"/>
+            </a:endParaRPr>
           </a:p>
         </p:txBody>
       </p:sp>
@@ -4610,7 +5116,7 @@
           <p:cNvPr id="10" name="TextBox 9">
             <a:extLst>
               <a:ext uri="{FF2B5EF4-FFF2-40B4-BE49-F238E27FC236}">
-                <a16:creationId xmlns:a16="http://schemas.microsoft.com/office/drawing/2014/main" id="{61206C2F-BDF5-071B-EC7C-A93066E34658}"/>
+                <a16:creationId xmlns:a16="http://schemas.microsoft.com/office/drawing/2014/main" id="{F71EEDC0-3CC6-66B5-D744-43E72A9CA66B}"/>
               </a:ext>
             </a:extLst>
           </p:cNvPr>
@@ -4619,8 +5125,8 @@
         </p:nvSpPr>
         <p:spPr>
           <a:xfrm>
-            <a:off x="490220" y="1349647"/>
-            <a:ext cx="5026660" cy="1022139"/>
+            <a:off x="653850" y="1197589"/>
+            <a:ext cx="5026660" cy="417550"/>
           </a:xfrm>
           <a:prstGeom prst="rect">
             <a:avLst/>
@@ -4639,14 +5145,14 @@
               </a:lnSpc>
             </a:pPr>
             <a:r>
-              <a:rPr lang="en-IN" sz="1800" dirty="0">
+              <a:rPr lang="en-IN" sz="2000" b="1" dirty="0">
                 <a:effectLst/>
                 <a:latin typeface="Times New Roman" panose="02020603050405020304" pitchFamily="18" charset="0"/>
                 <a:ea typeface="Arial" panose="020B0604020202020204" pitchFamily="34" charset="0"/>
               </a:rPr>
-              <a:t>This section lists all the sources used in the project, including the documentation for any third-party libraries or frameworks used.</a:t>
-            </a:r>
-            <a:endParaRPr lang="en-IN" sz="1400" dirty="0">
+              <a:t>Web service architecture</a:t>
+            </a:r>
+            <a:endParaRPr lang="en-IN" sz="1600" b="1" dirty="0">
               <a:effectLst/>
               <a:latin typeface="Arial" panose="020B0604020202020204" pitchFamily="34" charset="0"/>
               <a:ea typeface="Arial" panose="020B0604020202020204" pitchFamily="34" charset="0"/>
@@ -4654,10 +5160,40 @@
           </a:p>
         </p:txBody>
       </p:sp>
+      <p:pic>
+        <p:nvPicPr>
+          <p:cNvPr id="3" name="Picture 2">
+            <a:extLst>
+              <a:ext uri="{FF2B5EF4-FFF2-40B4-BE49-F238E27FC236}">
+                <a16:creationId xmlns:a16="http://schemas.microsoft.com/office/drawing/2014/main" id="{44D2ACFA-AFDE-A81C-3033-D78031E7A451}"/>
+              </a:ext>
+            </a:extLst>
+          </p:cNvPr>
+          <p:cNvPicPr>
+            <a:picLocks noChangeAspect="1"/>
+          </p:cNvPicPr>
+          <p:nvPr/>
+        </p:nvPicPr>
+        <p:blipFill>
+          <a:blip r:embed="rId4"/>
+          <a:stretch>
+            <a:fillRect/>
+          </a:stretch>
+        </p:blipFill>
+        <p:spPr>
+          <a:xfrm>
+            <a:off x="968275" y="2115485"/>
+            <a:ext cx="9706142" cy="3823302"/>
+          </a:xfrm>
+          <a:prstGeom prst="rect">
+            <a:avLst/>
+          </a:prstGeom>
+        </p:spPr>
+      </p:pic>
     </p:spTree>
     <p:extLst>
       <p:ext uri="{BB962C8B-B14F-4D97-AF65-F5344CB8AC3E}">
-        <p14:creationId xmlns:p14="http://schemas.microsoft.com/office/powerpoint/2010/main" val="1694362061"/>
+        <p14:creationId xmlns:p14="http://schemas.microsoft.com/office/powerpoint/2010/main" val="397073896"/>
       </p:ext>
     </p:extLst>
   </p:cSld>
@@ -4815,7 +5351,7 @@
         <p:spPr>
           <a:xfrm>
             <a:off x="2499360" y="383848"/>
-            <a:ext cx="8818879" cy="483017"/>
+            <a:ext cx="8818879" cy="461665"/>
           </a:xfrm>
           <a:prstGeom prst="rect">
             <a:avLst/>
@@ -4830,20 +5366,25 @@
           </a:bodyPr>
           <a:lstStyle/>
           <a:p>
-            <a:pPr>
-              <a:lnSpc>
-                <a:spcPct val="115000"/>
-              </a:lnSpc>
-            </a:pPr>
             <a:r>
               <a:rPr lang="en-IN" sz="2400" b="1" dirty="0">
                 <a:solidFill>
                   <a:schemeClr val="bg1"/>
                 </a:solidFill>
-                <a:latin typeface="Times New Roman" panose="02020603050405020304" pitchFamily="18" charset="0"/>
-              </a:rPr>
-              <a:t>Appendices</a:t>
-            </a:r>
+                <a:effectLst/>
+                <a:latin typeface="Times New Roman" panose="02020603050405020304" pitchFamily="18" charset="0"/>
+                <a:ea typeface="Arial" panose="020B0604020202020204" pitchFamily="34" charset="0"/>
+              </a:rPr>
+              <a:t>Architecture Design</a:t>
+            </a:r>
+            <a:endParaRPr lang="en-IN" sz="1400" dirty="0">
+              <a:solidFill>
+                <a:schemeClr val="bg1"/>
+              </a:solidFill>
+              <a:effectLst/>
+              <a:latin typeface="Arial" panose="020B0604020202020204" pitchFamily="34" charset="0"/>
+              <a:ea typeface="Arial" panose="020B0604020202020204" pitchFamily="34" charset="0"/>
+            </a:endParaRPr>
           </a:p>
         </p:txBody>
       </p:sp>
@@ -4852,7 +5393,7 @@
           <p:cNvPr id="7" name="TextBox 6">
             <a:extLst>
               <a:ext uri="{FF2B5EF4-FFF2-40B4-BE49-F238E27FC236}">
-                <a16:creationId xmlns:a16="http://schemas.microsoft.com/office/drawing/2014/main" id="{1A521886-A1DC-C1EC-6392-5263384F6C69}"/>
+                <a16:creationId xmlns:a16="http://schemas.microsoft.com/office/drawing/2014/main" id="{665F3BBB-36FE-E6E4-6217-C50A5E5EF88B}"/>
               </a:ext>
             </a:extLst>
           </p:cNvPr>
@@ -4861,8 +5402,8 @@
         </p:nvSpPr>
         <p:spPr>
           <a:xfrm>
-            <a:off x="490220" y="1349647"/>
-            <a:ext cx="5026660" cy="1022139"/>
+            <a:off x="490219" y="1349647"/>
+            <a:ext cx="11464357" cy="4935647"/>
           </a:xfrm>
           <a:prstGeom prst="rect">
             <a:avLst/>
@@ -4875,19 +5416,214 @@
           </a:bodyPr>
           <a:lstStyle/>
           <a:p>
-            <a:pPr algn="just">
+            <a:pPr>
+              <a:lnSpc>
+                <a:spcPct val="150000"/>
+              </a:lnSpc>
+            </a:pPr>
+            <a:r>
+              <a:rPr lang="en-IN" sz="2000" b="1" dirty="0">
+                <a:latin typeface="Times New Roman" panose="02020603050405020304" pitchFamily="18" charset="0"/>
+                <a:cs typeface="Times New Roman" panose="02020603050405020304" pitchFamily="18" charset="0"/>
+              </a:rPr>
+              <a:t>3. Client Program</a:t>
+            </a:r>
+          </a:p>
+          <a:p>
+            <a:pPr algn="l">
+              <a:lnSpc>
+                <a:spcPct val="150000"/>
+              </a:lnSpc>
+            </a:pPr>
+            <a:r>
+              <a:rPr lang="en-US" dirty="0">
+                <a:latin typeface="Times New Roman" panose="02020603050405020304" pitchFamily="18" charset="0"/>
+                <a:cs typeface="Times New Roman" panose="02020603050405020304" pitchFamily="18" charset="0"/>
+              </a:rPr>
+              <a:t>The client program is a separate Java application that calls the web service to retrieve employee data. The client program takes an </a:t>
+            </a:r>
+            <a:r>
+              <a:rPr lang="en-US" dirty="0" err="1">
+                <a:latin typeface="Times New Roman" panose="02020603050405020304" pitchFamily="18" charset="0"/>
+                <a:cs typeface="Times New Roman" panose="02020603050405020304" pitchFamily="18" charset="0"/>
+              </a:rPr>
+              <a:t>EmployeeID</a:t>
+            </a:r>
+            <a:r>
+              <a:rPr lang="en-US" dirty="0">
+                <a:latin typeface="Times New Roman" panose="02020603050405020304" pitchFamily="18" charset="0"/>
+                <a:cs typeface="Times New Roman" panose="02020603050405020304" pitchFamily="18" charset="0"/>
+              </a:rPr>
+              <a:t> as input and displays the corresponding </a:t>
+            </a:r>
+            <a:r>
+              <a:rPr lang="en-US" dirty="0" err="1">
+                <a:latin typeface="Times New Roman" panose="02020603050405020304" pitchFamily="18" charset="0"/>
+                <a:cs typeface="Times New Roman" panose="02020603050405020304" pitchFamily="18" charset="0"/>
+              </a:rPr>
+              <a:t>EmployeeName</a:t>
+            </a:r>
+            <a:r>
+              <a:rPr lang="en-US" dirty="0">
+                <a:latin typeface="Times New Roman" panose="02020603050405020304" pitchFamily="18" charset="0"/>
+                <a:cs typeface="Times New Roman" panose="02020603050405020304" pitchFamily="18" charset="0"/>
+              </a:rPr>
+              <a:t> and </a:t>
+            </a:r>
+            <a:r>
+              <a:rPr lang="en-US" dirty="0" err="1">
+                <a:latin typeface="Times New Roman" panose="02020603050405020304" pitchFamily="18" charset="0"/>
+                <a:cs typeface="Times New Roman" panose="02020603050405020304" pitchFamily="18" charset="0"/>
+              </a:rPr>
+              <a:t>DateOfBirth</a:t>
+            </a:r>
+            <a:r>
+              <a:rPr lang="en-US" dirty="0">
+                <a:latin typeface="Times New Roman" panose="02020603050405020304" pitchFamily="18" charset="0"/>
+                <a:cs typeface="Times New Roman" panose="02020603050405020304" pitchFamily="18" charset="0"/>
+              </a:rPr>
+              <a:t> to the user.</a:t>
+            </a:r>
+          </a:p>
+          <a:p>
+            <a:pPr algn="l">
+              <a:lnSpc>
+                <a:spcPct val="150000"/>
+              </a:lnSpc>
+            </a:pPr>
+            <a:endParaRPr lang="en-US" dirty="0">
+              <a:latin typeface="Times New Roman" panose="02020603050405020304" pitchFamily="18" charset="0"/>
+              <a:cs typeface="Times New Roman" panose="02020603050405020304" pitchFamily="18" charset="0"/>
+            </a:endParaRPr>
+          </a:p>
+          <a:p>
+            <a:pPr algn="l">
+              <a:lnSpc>
+                <a:spcPct val="150000"/>
+              </a:lnSpc>
+            </a:pPr>
+            <a:r>
+              <a:rPr lang="en-US" b="1" dirty="0">
+                <a:latin typeface="Times New Roman" panose="02020603050405020304" pitchFamily="18" charset="0"/>
+                <a:cs typeface="Times New Roman" panose="02020603050405020304" pitchFamily="18" charset="0"/>
+              </a:rPr>
+              <a:t>The client program consists of two components</a:t>
+            </a:r>
+            <a:r>
+              <a:rPr lang="en-US" dirty="0">
+                <a:latin typeface="Times New Roman" panose="02020603050405020304" pitchFamily="18" charset="0"/>
+                <a:cs typeface="Times New Roman" panose="02020603050405020304" pitchFamily="18" charset="0"/>
+              </a:rPr>
+              <a:t>:</a:t>
+            </a:r>
+          </a:p>
+          <a:p>
+            <a:pPr marL="285750" indent="-285750" algn="l">
+              <a:lnSpc>
+                <a:spcPct val="150000"/>
+              </a:lnSpc>
+              <a:buFont typeface="Arial" panose="020B0604020202020204" pitchFamily="34" charset="0"/>
+              <a:buChar char="•"/>
+            </a:pPr>
+            <a:r>
+              <a:rPr lang="en-US" b="1" dirty="0">
+                <a:latin typeface="Times New Roman" panose="02020603050405020304" pitchFamily="18" charset="0"/>
+                <a:cs typeface="Times New Roman" panose="02020603050405020304" pitchFamily="18" charset="0"/>
+              </a:rPr>
+              <a:t>Controller</a:t>
+            </a:r>
+            <a:r>
+              <a:rPr lang="en-US" dirty="0">
+                <a:latin typeface="Times New Roman" panose="02020603050405020304" pitchFamily="18" charset="0"/>
+                <a:cs typeface="Times New Roman" panose="02020603050405020304" pitchFamily="18" charset="0"/>
+              </a:rPr>
+              <a:t>: The controller sends an HTTP request to the web service, passing the </a:t>
+            </a:r>
+            <a:r>
+              <a:rPr lang="en-US" dirty="0" err="1">
+                <a:latin typeface="Times New Roman" panose="02020603050405020304" pitchFamily="18" charset="0"/>
+                <a:cs typeface="Times New Roman" panose="02020603050405020304" pitchFamily="18" charset="0"/>
+              </a:rPr>
+              <a:t>EmployeeID</a:t>
+            </a:r>
+            <a:r>
+              <a:rPr lang="en-US" dirty="0">
+                <a:latin typeface="Times New Roman" panose="02020603050405020304" pitchFamily="18" charset="0"/>
+                <a:cs typeface="Times New Roman" panose="02020603050405020304" pitchFamily="18" charset="0"/>
+              </a:rPr>
+              <a:t> as a parameter, and receives the response containing the requested data.</a:t>
+            </a:r>
+          </a:p>
+          <a:p>
+            <a:pPr marL="285750" indent="-285750" algn="l">
+              <a:lnSpc>
+                <a:spcPct val="150000"/>
+              </a:lnSpc>
+              <a:buFont typeface="Arial" panose="020B0604020202020204" pitchFamily="34" charset="0"/>
+              <a:buChar char="•"/>
+            </a:pPr>
+            <a:r>
+              <a:rPr lang="en-US" b="1" dirty="0">
+                <a:latin typeface="Times New Roman" panose="02020603050405020304" pitchFamily="18" charset="0"/>
+                <a:cs typeface="Times New Roman" panose="02020603050405020304" pitchFamily="18" charset="0"/>
+              </a:rPr>
+              <a:t>Service</a:t>
+            </a:r>
+            <a:r>
+              <a:rPr lang="en-US" dirty="0">
+                <a:latin typeface="Times New Roman" panose="02020603050405020304" pitchFamily="18" charset="0"/>
+                <a:cs typeface="Times New Roman" panose="02020603050405020304" pitchFamily="18" charset="0"/>
+              </a:rPr>
+              <a:t>: The service layer encapsulates the business logic of the application and interacts with the web service through a REST (Representational State Transfer) client.</a:t>
+            </a:r>
+          </a:p>
+          <a:p>
+            <a:pPr marL="285750" indent="-285750" algn="l">
+              <a:lnSpc>
+                <a:spcPct val="150000"/>
+              </a:lnSpc>
+              <a:buFont typeface="Arial" panose="020B0604020202020204" pitchFamily="34" charset="0"/>
+              <a:buChar char="•"/>
+            </a:pPr>
+            <a:endParaRPr lang="en-US" dirty="0">
+              <a:latin typeface="Times New Roman" panose="02020603050405020304" pitchFamily="18" charset="0"/>
+              <a:cs typeface="Times New Roman" panose="02020603050405020304" pitchFamily="18" charset="0"/>
+            </a:endParaRPr>
+          </a:p>
+          <a:p>
+            <a:pPr algn="l">
+              <a:lnSpc>
+                <a:spcPct val="150000"/>
+              </a:lnSpc>
+            </a:pPr>
+            <a:r>
+              <a:rPr lang="en-US" dirty="0">
+                <a:latin typeface="Times New Roman" panose="02020603050405020304" pitchFamily="18" charset="0"/>
+                <a:cs typeface="Times New Roman" panose="02020603050405020304" pitchFamily="18" charset="0"/>
+              </a:rPr>
+              <a:t>The client program also includes functionality for decrypting the encrypted </a:t>
+            </a:r>
+            <a:r>
+              <a:rPr lang="en-US" dirty="0" err="1">
+                <a:latin typeface="Times New Roman" panose="02020603050405020304" pitchFamily="18" charset="0"/>
+                <a:cs typeface="Times New Roman" panose="02020603050405020304" pitchFamily="18" charset="0"/>
+              </a:rPr>
+              <a:t>DateOfBirth</a:t>
+            </a:r>
+            <a:r>
+              <a:rPr lang="en-US" dirty="0">
+                <a:latin typeface="Times New Roman" panose="02020603050405020304" pitchFamily="18" charset="0"/>
+                <a:cs typeface="Times New Roman" panose="02020603050405020304" pitchFamily="18" charset="0"/>
+              </a:rPr>
+              <a:t> field returned by the web service.</a:t>
+            </a:r>
+          </a:p>
+          <a:p>
+            <a:pPr>
               <a:lnSpc>
                 <a:spcPct val="115000"/>
               </a:lnSpc>
             </a:pPr>
-            <a:r>
-              <a:rPr lang="en-IN" sz="1800" dirty="0">
-                <a:effectLst/>
-                <a:latin typeface="Times New Roman" panose="02020603050405020304" pitchFamily="18" charset="0"/>
-                <a:ea typeface="Arial" panose="020B0604020202020204" pitchFamily="34" charset="0"/>
-              </a:rPr>
-              <a:t>This section includes any additional materials that support the project, such as screenshots, code snippets, or diagrams.</a:t>
-            </a:r>
             <a:endParaRPr lang="en-IN" sz="1400" dirty="0">
               <a:effectLst/>
               <a:latin typeface="Arial" panose="020B0604020202020204" pitchFamily="34" charset="0"/>
@@ -4899,7 +5635,1851 @@
     </p:spTree>
     <p:extLst>
       <p:ext uri="{BB962C8B-B14F-4D97-AF65-F5344CB8AC3E}">
-        <p14:creationId xmlns:p14="http://schemas.microsoft.com/office/powerpoint/2010/main" val="2714149063"/>
+        <p14:creationId xmlns:p14="http://schemas.microsoft.com/office/powerpoint/2010/main" val="3723948691"/>
+      </p:ext>
+    </p:extLst>
+  </p:cSld>
+  <p:clrMapOvr>
+    <a:masterClrMapping/>
+  </p:clrMapOvr>
+</p:sld>
+</file>
+
+<file path=ppt/slides/slide15.xml><?xml version="1.0" encoding="utf-8"?>
+<p:sld xmlns:a="http://schemas.openxmlformats.org/drawingml/2006/main" xmlns:r="http://schemas.openxmlformats.org/officeDocument/2006/relationships" xmlns:p="http://schemas.openxmlformats.org/presentationml/2006/main">
+  <p:cSld>
+    <p:spTree>
+      <p:nvGrpSpPr>
+        <p:cNvPr id="1" name=""/>
+        <p:cNvGrpSpPr/>
+        <p:nvPr/>
+      </p:nvGrpSpPr>
+      <p:grpSpPr>
+        <a:xfrm>
+          <a:off x="0" y="0"/>
+          <a:ext cx="0" cy="0"/>
+          <a:chOff x="0" y="0"/>
+          <a:chExt cx="0" cy="0"/>
+        </a:xfrm>
+      </p:grpSpPr>
+      <p:pic>
+        <p:nvPicPr>
+          <p:cNvPr id="4" name="Picture 3">
+            <a:extLst>
+              <a:ext uri="{FF2B5EF4-FFF2-40B4-BE49-F238E27FC236}">
+                <a16:creationId xmlns:a16="http://schemas.microsoft.com/office/drawing/2014/main" id="{3893C3C6-E6B4-0EAA-6168-B66B664B265B}"/>
+              </a:ext>
+            </a:extLst>
+          </p:cNvPr>
+          <p:cNvPicPr>
+            <a:picLocks noGrp="1" noRot="1" noChangeAspect="1" noMove="1" noResize="1" noEditPoints="1" noAdjustHandles="1" noChangeArrowheads="1" noChangeShapeType="1" noCrop="1"/>
+          </p:cNvPicPr>
+          <p:nvPr/>
+        </p:nvPicPr>
+        <p:blipFill>
+          <a:blip r:embed="rId2" cstate="email">
+            <a:extLst>
+              <a:ext uri="{28A0092B-C50C-407E-A947-70E740481C1C}">
+                <a14:useLocalDpi xmlns:a14="http://schemas.microsoft.com/office/drawing/2010/main"/>
+              </a:ext>
+            </a:extLst>
+          </a:blip>
+          <a:stretch>
+            <a:fillRect/>
+          </a:stretch>
+        </p:blipFill>
+        <p:spPr>
+          <a:xfrm flipH="1">
+            <a:off x="0" y="18088"/>
+            <a:ext cx="12192000" cy="6858000"/>
+          </a:xfrm>
+          <a:prstGeom prst="rect">
+            <a:avLst/>
+          </a:prstGeom>
+        </p:spPr>
+      </p:pic>
+      <p:cxnSp>
+        <p:nvCxnSpPr>
+          <p:cNvPr id="5" name="Straight Connector 4">
+            <a:extLst>
+              <a:ext uri="{FF2B5EF4-FFF2-40B4-BE49-F238E27FC236}">
+                <a16:creationId xmlns:a16="http://schemas.microsoft.com/office/drawing/2014/main" id="{6317BEF4-F659-05B0-B884-5FBC9950BC38}"/>
+              </a:ext>
+            </a:extLst>
+          </p:cNvPr>
+          <p:cNvCxnSpPr>
+            <a:cxnSpLocks/>
+          </p:cNvCxnSpPr>
+          <p:nvPr/>
+        </p:nvCxnSpPr>
+        <p:spPr>
+          <a:xfrm>
+            <a:off x="2404113" y="383848"/>
+            <a:ext cx="0" cy="429893"/>
+          </a:xfrm>
+          <a:prstGeom prst="line">
+            <a:avLst/>
+          </a:prstGeom>
+          <a:ln w="12700">
+            <a:solidFill>
+              <a:srgbClr val="DD4F22"/>
+            </a:solidFill>
+          </a:ln>
+        </p:spPr>
+        <p:style>
+          <a:lnRef idx="1">
+            <a:schemeClr val="accent1"/>
+          </a:lnRef>
+          <a:fillRef idx="0">
+            <a:schemeClr val="accent1"/>
+          </a:fillRef>
+          <a:effectRef idx="0">
+            <a:schemeClr val="accent1"/>
+          </a:effectRef>
+          <a:fontRef idx="minor">
+            <a:schemeClr val="tx1"/>
+          </a:fontRef>
+        </p:style>
+      </p:cxnSp>
+      <p:pic>
+        <p:nvPicPr>
+          <p:cNvPr id="6" name="Picture 5">
+            <a:extLst>
+              <a:ext uri="{FF2B5EF4-FFF2-40B4-BE49-F238E27FC236}">
+                <a16:creationId xmlns:a16="http://schemas.microsoft.com/office/drawing/2014/main" id="{4C8E9BB0-02EA-460A-EDCE-9CB013DFF909}"/>
+              </a:ext>
+            </a:extLst>
+          </p:cNvPr>
+          <p:cNvPicPr>
+            <a:picLocks noGrp="1" noRot="1" noChangeAspect="1" noMove="1" noResize="1" noEditPoints="1" noAdjustHandles="1" noChangeArrowheads="1" noChangeShapeType="1" noCrop="1"/>
+          </p:cNvPicPr>
+          <p:nvPr/>
+        </p:nvPicPr>
+        <p:blipFill>
+          <a:blip r:embed="rId3">
+            <a:extLst>
+              <a:ext uri="{28A0092B-C50C-407E-A947-70E740481C1C}">
+                <a14:useLocalDpi xmlns:a14="http://schemas.microsoft.com/office/drawing/2010/main" val="0"/>
+              </a:ext>
+            </a:extLst>
+          </a:blip>
+          <a:srcRect/>
+          <a:stretch/>
+        </p:blipFill>
+        <p:spPr>
+          <a:xfrm>
+            <a:off x="217505" y="338023"/>
+            <a:ext cx="1963465" cy="521544"/>
+          </a:xfrm>
+          <a:prstGeom prst="rect">
+            <a:avLst/>
+          </a:prstGeom>
+        </p:spPr>
+      </p:pic>
+      <p:sp>
+        <p:nvSpPr>
+          <p:cNvPr id="8" name="TextBox 7">
+            <a:extLst>
+              <a:ext uri="{FF2B5EF4-FFF2-40B4-BE49-F238E27FC236}">
+                <a16:creationId xmlns:a16="http://schemas.microsoft.com/office/drawing/2014/main" id="{83A5D50A-7BF5-47B2-27E6-96AA33171B2B}"/>
+              </a:ext>
+            </a:extLst>
+          </p:cNvPr>
+          <p:cNvSpPr txBox="1">
+            <a:spLocks noGrp="1" noRot="1" noMove="1" noResize="1" noEditPoints="1" noAdjustHandles="1" noChangeArrowheads="1" noChangeShapeType="1"/>
+          </p:cNvSpPr>
+          <p:nvPr/>
+        </p:nvSpPr>
+        <p:spPr>
+          <a:xfrm>
+            <a:off x="2499360" y="383848"/>
+            <a:ext cx="8818879" cy="461665"/>
+          </a:xfrm>
+          <a:prstGeom prst="rect">
+            <a:avLst/>
+          </a:prstGeom>
+          <a:solidFill>
+            <a:srgbClr val="FF6709"/>
+          </a:solidFill>
+        </p:spPr>
+        <p:txBody>
+          <a:bodyPr wrap="square" rtlCol="0">
+            <a:spAutoFit/>
+          </a:bodyPr>
+          <a:lstStyle/>
+          <a:p>
+            <a:r>
+              <a:rPr lang="en-IN" sz="2400" b="1" dirty="0">
+                <a:solidFill>
+                  <a:schemeClr val="bg1"/>
+                </a:solidFill>
+                <a:effectLst/>
+                <a:latin typeface="Times New Roman" panose="02020603050405020304" pitchFamily="18" charset="0"/>
+                <a:ea typeface="Arial" panose="020B0604020202020204" pitchFamily="34" charset="0"/>
+              </a:rPr>
+              <a:t>Architecture Design</a:t>
+            </a:r>
+            <a:endParaRPr lang="en-IN" sz="1400" dirty="0">
+              <a:solidFill>
+                <a:schemeClr val="bg1"/>
+              </a:solidFill>
+              <a:effectLst/>
+              <a:latin typeface="Arial" panose="020B0604020202020204" pitchFamily="34" charset="0"/>
+              <a:ea typeface="Arial" panose="020B0604020202020204" pitchFamily="34" charset="0"/>
+            </a:endParaRPr>
+          </a:p>
+        </p:txBody>
+      </p:sp>
+      <p:sp>
+        <p:nvSpPr>
+          <p:cNvPr id="7" name="TextBox 6">
+            <a:extLst>
+              <a:ext uri="{FF2B5EF4-FFF2-40B4-BE49-F238E27FC236}">
+                <a16:creationId xmlns:a16="http://schemas.microsoft.com/office/drawing/2014/main" id="{02FB6A81-F334-0D76-10FC-F69162C07E4E}"/>
+              </a:ext>
+            </a:extLst>
+          </p:cNvPr>
+          <p:cNvSpPr txBox="1"/>
+          <p:nvPr/>
+        </p:nvSpPr>
+        <p:spPr>
+          <a:xfrm>
+            <a:off x="509469" y="1349647"/>
+            <a:ext cx="11233347" cy="5181868"/>
+          </a:xfrm>
+          <a:prstGeom prst="rect">
+            <a:avLst/>
+          </a:prstGeom>
+          <a:noFill/>
+        </p:spPr>
+        <p:txBody>
+          <a:bodyPr wrap="square">
+            <a:spAutoFit/>
+          </a:bodyPr>
+          <a:lstStyle/>
+          <a:p>
+            <a:pPr algn="just">
+              <a:lnSpc>
+                <a:spcPct val="115000"/>
+              </a:lnSpc>
+            </a:pPr>
+            <a:r>
+              <a:rPr lang="en-IN" sz="2000" b="1" i="0" dirty="0">
+                <a:effectLst/>
+                <a:latin typeface="Söhne"/>
+              </a:rPr>
+              <a:t>4. Deployment</a:t>
+            </a:r>
+          </a:p>
+          <a:p>
+            <a:pPr algn="just">
+              <a:lnSpc>
+                <a:spcPct val="115000"/>
+              </a:lnSpc>
+            </a:pPr>
+            <a:endParaRPr lang="en-IN" sz="2000" b="1" i="0" dirty="0">
+              <a:effectLst/>
+              <a:latin typeface="Söhne"/>
+            </a:endParaRPr>
+          </a:p>
+          <a:p>
+            <a:pPr marL="285750" indent="-285750" algn="l">
+              <a:lnSpc>
+                <a:spcPct val="150000"/>
+              </a:lnSpc>
+              <a:buFont typeface="Arial" panose="020B0604020202020204" pitchFamily="34" charset="0"/>
+              <a:buChar char="•"/>
+            </a:pPr>
+            <a:r>
+              <a:rPr lang="en-US" dirty="0">
+                <a:latin typeface="Times New Roman" panose="02020603050405020304" pitchFamily="18" charset="0"/>
+                <a:cs typeface="Times New Roman" panose="02020603050405020304" pitchFamily="18" charset="0"/>
+              </a:rPr>
+              <a:t>The project can be deployed using Docker and Kubernetes. The web service and database can be containerized using Docker and deployed on a Kubernetes cluster. Kubernetes provides features for scaling and managing containers, ensuring that the web service remains available and responsive to user requests.</a:t>
+            </a:r>
+          </a:p>
+          <a:p>
+            <a:pPr marL="285750" indent="-285750" algn="l">
+              <a:lnSpc>
+                <a:spcPct val="150000"/>
+              </a:lnSpc>
+              <a:buFont typeface="Arial" panose="020B0604020202020204" pitchFamily="34" charset="0"/>
+              <a:buChar char="•"/>
+            </a:pPr>
+            <a:endParaRPr lang="en-US" dirty="0">
+              <a:latin typeface="Times New Roman" panose="02020603050405020304" pitchFamily="18" charset="0"/>
+              <a:cs typeface="Times New Roman" panose="02020603050405020304" pitchFamily="18" charset="0"/>
+            </a:endParaRPr>
+          </a:p>
+          <a:p>
+            <a:pPr marL="285750" indent="-285750" algn="l">
+              <a:lnSpc>
+                <a:spcPct val="150000"/>
+              </a:lnSpc>
+              <a:buFont typeface="Arial" panose="020B0604020202020204" pitchFamily="34" charset="0"/>
+              <a:buChar char="•"/>
+            </a:pPr>
+            <a:r>
+              <a:rPr lang="en-US" dirty="0">
+                <a:latin typeface="Times New Roman" panose="02020603050405020304" pitchFamily="18" charset="0"/>
+                <a:cs typeface="Times New Roman" panose="02020603050405020304" pitchFamily="18" charset="0"/>
+              </a:rPr>
+              <a:t>Jenkins can be used for continuous integration and deployment, automating the process of building, testing, and deploying the web service and client program to the Kubernetes cluster.</a:t>
+            </a:r>
+          </a:p>
+          <a:p>
+            <a:pPr marL="285750" indent="-285750" algn="l">
+              <a:lnSpc>
+                <a:spcPct val="150000"/>
+              </a:lnSpc>
+              <a:buFont typeface="Arial" panose="020B0604020202020204" pitchFamily="34" charset="0"/>
+              <a:buChar char="•"/>
+            </a:pPr>
+            <a:endParaRPr lang="en-US" dirty="0">
+              <a:latin typeface="Times New Roman" panose="02020603050405020304" pitchFamily="18" charset="0"/>
+              <a:cs typeface="Times New Roman" panose="02020603050405020304" pitchFamily="18" charset="0"/>
+            </a:endParaRPr>
+          </a:p>
+          <a:p>
+            <a:pPr algn="l">
+              <a:lnSpc>
+                <a:spcPct val="150000"/>
+              </a:lnSpc>
+            </a:pPr>
+            <a:r>
+              <a:rPr lang="en-US" dirty="0">
+                <a:latin typeface="Times New Roman" panose="02020603050405020304" pitchFamily="18" charset="0"/>
+                <a:cs typeface="Times New Roman" panose="02020603050405020304" pitchFamily="18" charset="0"/>
+              </a:rPr>
+              <a:t>Overall, the architecture design for the project uses a layered approach, separating the business logic, data access, and presentation layers of the web service and client program. The use of Docker and Kubernetes provides scalability and manageability, while Jenkins automates the process of deployment and testing.</a:t>
+            </a:r>
+          </a:p>
+          <a:p>
+            <a:pPr algn="just">
+              <a:lnSpc>
+                <a:spcPct val="115000"/>
+              </a:lnSpc>
+            </a:pPr>
+            <a:endParaRPr lang="en-IN" sz="1400" dirty="0">
+              <a:effectLst/>
+              <a:latin typeface="Arial" panose="020B0604020202020204" pitchFamily="34" charset="0"/>
+              <a:ea typeface="Arial" panose="020B0604020202020204" pitchFamily="34" charset="0"/>
+            </a:endParaRPr>
+          </a:p>
+        </p:txBody>
+      </p:sp>
+    </p:spTree>
+    <p:extLst>
+      <p:ext uri="{BB962C8B-B14F-4D97-AF65-F5344CB8AC3E}">
+        <p14:creationId xmlns:p14="http://schemas.microsoft.com/office/powerpoint/2010/main" val="41928864"/>
+      </p:ext>
+    </p:extLst>
+  </p:cSld>
+  <p:clrMapOvr>
+    <a:masterClrMapping/>
+  </p:clrMapOvr>
+</p:sld>
+</file>
+
+<file path=ppt/slides/slide16.xml><?xml version="1.0" encoding="utf-8"?>
+<p:sld xmlns:a="http://schemas.openxmlformats.org/drawingml/2006/main" xmlns:r="http://schemas.openxmlformats.org/officeDocument/2006/relationships" xmlns:p="http://schemas.openxmlformats.org/presentationml/2006/main">
+  <p:cSld>
+    <p:spTree>
+      <p:nvGrpSpPr>
+        <p:cNvPr id="1" name=""/>
+        <p:cNvGrpSpPr/>
+        <p:nvPr/>
+      </p:nvGrpSpPr>
+      <p:grpSpPr>
+        <a:xfrm>
+          <a:off x="0" y="0"/>
+          <a:ext cx="0" cy="0"/>
+          <a:chOff x="0" y="0"/>
+          <a:chExt cx="0" cy="0"/>
+        </a:xfrm>
+      </p:grpSpPr>
+      <p:pic>
+        <p:nvPicPr>
+          <p:cNvPr id="4" name="Picture 3">
+            <a:extLst>
+              <a:ext uri="{FF2B5EF4-FFF2-40B4-BE49-F238E27FC236}">
+                <a16:creationId xmlns:a16="http://schemas.microsoft.com/office/drawing/2014/main" id="{3893C3C6-E6B4-0EAA-6168-B66B664B265B}"/>
+              </a:ext>
+            </a:extLst>
+          </p:cNvPr>
+          <p:cNvPicPr>
+            <a:picLocks noGrp="1" noRot="1" noChangeAspect="1" noMove="1" noResize="1" noEditPoints="1" noAdjustHandles="1" noChangeArrowheads="1" noChangeShapeType="1" noCrop="1"/>
+          </p:cNvPicPr>
+          <p:nvPr/>
+        </p:nvPicPr>
+        <p:blipFill>
+          <a:blip r:embed="rId2" cstate="email">
+            <a:extLst>
+              <a:ext uri="{28A0092B-C50C-407E-A947-70E740481C1C}">
+                <a14:useLocalDpi xmlns:a14="http://schemas.microsoft.com/office/drawing/2010/main"/>
+              </a:ext>
+            </a:extLst>
+          </a:blip>
+          <a:stretch>
+            <a:fillRect/>
+          </a:stretch>
+        </p:blipFill>
+        <p:spPr>
+          <a:xfrm flipH="1">
+            <a:off x="0" y="18088"/>
+            <a:ext cx="12192000" cy="6858000"/>
+          </a:xfrm>
+          <a:prstGeom prst="rect">
+            <a:avLst/>
+          </a:prstGeom>
+        </p:spPr>
+      </p:pic>
+      <p:cxnSp>
+        <p:nvCxnSpPr>
+          <p:cNvPr id="5" name="Straight Connector 4">
+            <a:extLst>
+              <a:ext uri="{FF2B5EF4-FFF2-40B4-BE49-F238E27FC236}">
+                <a16:creationId xmlns:a16="http://schemas.microsoft.com/office/drawing/2014/main" id="{6317BEF4-F659-05B0-B884-5FBC9950BC38}"/>
+              </a:ext>
+            </a:extLst>
+          </p:cNvPr>
+          <p:cNvCxnSpPr>
+            <a:cxnSpLocks/>
+          </p:cNvCxnSpPr>
+          <p:nvPr/>
+        </p:nvCxnSpPr>
+        <p:spPr>
+          <a:xfrm>
+            <a:off x="2404113" y="383848"/>
+            <a:ext cx="0" cy="429893"/>
+          </a:xfrm>
+          <a:prstGeom prst="line">
+            <a:avLst/>
+          </a:prstGeom>
+          <a:ln w="12700">
+            <a:solidFill>
+              <a:srgbClr val="DD4F22"/>
+            </a:solidFill>
+          </a:ln>
+        </p:spPr>
+        <p:style>
+          <a:lnRef idx="1">
+            <a:schemeClr val="accent1"/>
+          </a:lnRef>
+          <a:fillRef idx="0">
+            <a:schemeClr val="accent1"/>
+          </a:fillRef>
+          <a:effectRef idx="0">
+            <a:schemeClr val="accent1"/>
+          </a:effectRef>
+          <a:fontRef idx="minor">
+            <a:schemeClr val="tx1"/>
+          </a:fontRef>
+        </p:style>
+      </p:cxnSp>
+      <p:pic>
+        <p:nvPicPr>
+          <p:cNvPr id="6" name="Picture 5">
+            <a:extLst>
+              <a:ext uri="{FF2B5EF4-FFF2-40B4-BE49-F238E27FC236}">
+                <a16:creationId xmlns:a16="http://schemas.microsoft.com/office/drawing/2014/main" id="{4C8E9BB0-02EA-460A-EDCE-9CB013DFF909}"/>
+              </a:ext>
+            </a:extLst>
+          </p:cNvPr>
+          <p:cNvPicPr>
+            <a:picLocks noGrp="1" noRot="1" noChangeAspect="1" noMove="1" noResize="1" noEditPoints="1" noAdjustHandles="1" noChangeArrowheads="1" noChangeShapeType="1" noCrop="1"/>
+          </p:cNvPicPr>
+          <p:nvPr/>
+        </p:nvPicPr>
+        <p:blipFill>
+          <a:blip r:embed="rId3">
+            <a:extLst>
+              <a:ext uri="{28A0092B-C50C-407E-A947-70E740481C1C}">
+                <a14:useLocalDpi xmlns:a14="http://schemas.microsoft.com/office/drawing/2010/main" val="0"/>
+              </a:ext>
+            </a:extLst>
+          </a:blip>
+          <a:srcRect/>
+          <a:stretch/>
+        </p:blipFill>
+        <p:spPr>
+          <a:xfrm>
+            <a:off x="217505" y="338023"/>
+            <a:ext cx="1963465" cy="521544"/>
+          </a:xfrm>
+          <a:prstGeom prst="rect">
+            <a:avLst/>
+          </a:prstGeom>
+        </p:spPr>
+      </p:pic>
+      <p:sp>
+        <p:nvSpPr>
+          <p:cNvPr id="8" name="TextBox 7">
+            <a:extLst>
+              <a:ext uri="{FF2B5EF4-FFF2-40B4-BE49-F238E27FC236}">
+                <a16:creationId xmlns:a16="http://schemas.microsoft.com/office/drawing/2014/main" id="{83A5D50A-7BF5-47B2-27E6-96AA33171B2B}"/>
+              </a:ext>
+            </a:extLst>
+          </p:cNvPr>
+          <p:cNvSpPr txBox="1">
+            <a:spLocks noGrp="1" noRot="1" noMove="1" noResize="1" noEditPoints="1" noAdjustHandles="1" noChangeArrowheads="1" noChangeShapeType="1"/>
+          </p:cNvSpPr>
+          <p:nvPr/>
+        </p:nvSpPr>
+        <p:spPr>
+          <a:xfrm>
+            <a:off x="2499360" y="383848"/>
+            <a:ext cx="8818879" cy="461665"/>
+          </a:xfrm>
+          <a:prstGeom prst="rect">
+            <a:avLst/>
+          </a:prstGeom>
+          <a:solidFill>
+            <a:srgbClr val="FF6709"/>
+          </a:solidFill>
+        </p:spPr>
+        <p:txBody>
+          <a:bodyPr wrap="square" rtlCol="0">
+            <a:spAutoFit/>
+          </a:bodyPr>
+          <a:lstStyle/>
+          <a:p>
+            <a:r>
+              <a:rPr lang="en-IN" sz="2400" b="1" dirty="0">
+                <a:solidFill>
+                  <a:schemeClr val="bg1"/>
+                </a:solidFill>
+                <a:effectLst/>
+                <a:latin typeface="Times New Roman" panose="02020603050405020304" pitchFamily="18" charset="0"/>
+                <a:ea typeface="Arial" panose="020B0604020202020204" pitchFamily="34" charset="0"/>
+              </a:rPr>
+              <a:t>Architecture Design</a:t>
+            </a:r>
+            <a:endParaRPr lang="en-IN" sz="1400" dirty="0">
+              <a:solidFill>
+                <a:schemeClr val="bg1"/>
+              </a:solidFill>
+              <a:effectLst/>
+              <a:latin typeface="Arial" panose="020B0604020202020204" pitchFamily="34" charset="0"/>
+              <a:ea typeface="Arial" panose="020B0604020202020204" pitchFamily="34" charset="0"/>
+            </a:endParaRPr>
+          </a:p>
+        </p:txBody>
+      </p:sp>
+      <p:sp>
+        <p:nvSpPr>
+          <p:cNvPr id="7" name="TextBox 6">
+            <a:extLst>
+              <a:ext uri="{FF2B5EF4-FFF2-40B4-BE49-F238E27FC236}">
+                <a16:creationId xmlns:a16="http://schemas.microsoft.com/office/drawing/2014/main" id="{02FB6A81-F334-0D76-10FC-F69162C07E4E}"/>
+              </a:ext>
+            </a:extLst>
+          </p:cNvPr>
+          <p:cNvSpPr txBox="1"/>
+          <p:nvPr/>
+        </p:nvSpPr>
+        <p:spPr>
+          <a:xfrm>
+            <a:off x="519094" y="1349647"/>
+            <a:ext cx="11233347" cy="1026884"/>
+          </a:xfrm>
+          <a:prstGeom prst="rect">
+            <a:avLst/>
+          </a:prstGeom>
+          <a:noFill/>
+        </p:spPr>
+        <p:txBody>
+          <a:bodyPr wrap="square">
+            <a:spAutoFit/>
+          </a:bodyPr>
+          <a:lstStyle/>
+          <a:p>
+            <a:pPr algn="just">
+              <a:lnSpc>
+                <a:spcPct val="115000"/>
+              </a:lnSpc>
+            </a:pPr>
+            <a:r>
+              <a:rPr lang="en-IN" sz="2000" b="1" i="0" dirty="0">
+                <a:effectLst/>
+                <a:latin typeface="Söhne"/>
+              </a:rPr>
+              <a:t>Deployment architecture</a:t>
+            </a:r>
+          </a:p>
+          <a:p>
+            <a:pPr algn="just">
+              <a:lnSpc>
+                <a:spcPct val="115000"/>
+              </a:lnSpc>
+            </a:pPr>
+            <a:endParaRPr lang="en-IN" sz="2000" b="1" i="0" dirty="0">
+              <a:effectLst/>
+              <a:latin typeface="Söhne"/>
+            </a:endParaRPr>
+          </a:p>
+          <a:p>
+            <a:pPr algn="just">
+              <a:lnSpc>
+                <a:spcPct val="115000"/>
+              </a:lnSpc>
+            </a:pPr>
+            <a:endParaRPr lang="en-IN" sz="1400" dirty="0">
+              <a:effectLst/>
+              <a:latin typeface="Arial" panose="020B0604020202020204" pitchFamily="34" charset="0"/>
+              <a:ea typeface="Arial" panose="020B0604020202020204" pitchFamily="34" charset="0"/>
+            </a:endParaRPr>
+          </a:p>
+        </p:txBody>
+      </p:sp>
+      <p:pic>
+        <p:nvPicPr>
+          <p:cNvPr id="3" name="Picture 2">
+            <a:extLst>
+              <a:ext uri="{FF2B5EF4-FFF2-40B4-BE49-F238E27FC236}">
+                <a16:creationId xmlns:a16="http://schemas.microsoft.com/office/drawing/2014/main" id="{93CD53F0-3478-AEFA-0076-9E2FDCE0C634}"/>
+              </a:ext>
+            </a:extLst>
+          </p:cNvPr>
+          <p:cNvPicPr>
+            <a:picLocks noChangeAspect="1"/>
+          </p:cNvPicPr>
+          <p:nvPr/>
+        </p:nvPicPr>
+        <p:blipFill rotWithShape="1">
+          <a:blip r:embed="rId4"/>
+          <a:srcRect t="1025"/>
+          <a:stretch/>
+        </p:blipFill>
+        <p:spPr>
+          <a:xfrm>
+            <a:off x="1199237" y="2002055"/>
+            <a:ext cx="9083040" cy="4646161"/>
+          </a:xfrm>
+          <a:prstGeom prst="rect">
+            <a:avLst/>
+          </a:prstGeom>
+        </p:spPr>
+      </p:pic>
+    </p:spTree>
+    <p:extLst>
+      <p:ext uri="{BB962C8B-B14F-4D97-AF65-F5344CB8AC3E}">
+        <p14:creationId xmlns:p14="http://schemas.microsoft.com/office/powerpoint/2010/main" val="1210334771"/>
+      </p:ext>
+    </p:extLst>
+  </p:cSld>
+  <p:clrMapOvr>
+    <a:masterClrMapping/>
+  </p:clrMapOvr>
+</p:sld>
+</file>
+
+<file path=ppt/slides/slide17.xml><?xml version="1.0" encoding="utf-8"?>
+<p:sld xmlns:a="http://schemas.openxmlformats.org/drawingml/2006/main" xmlns:r="http://schemas.openxmlformats.org/officeDocument/2006/relationships" xmlns:p="http://schemas.openxmlformats.org/presentationml/2006/main">
+  <p:cSld>
+    <p:spTree>
+      <p:nvGrpSpPr>
+        <p:cNvPr id="1" name=""/>
+        <p:cNvGrpSpPr/>
+        <p:nvPr/>
+      </p:nvGrpSpPr>
+      <p:grpSpPr>
+        <a:xfrm>
+          <a:off x="0" y="0"/>
+          <a:ext cx="0" cy="0"/>
+          <a:chOff x="0" y="0"/>
+          <a:chExt cx="0" cy="0"/>
+        </a:xfrm>
+      </p:grpSpPr>
+      <p:pic>
+        <p:nvPicPr>
+          <p:cNvPr id="4" name="Picture 3">
+            <a:extLst>
+              <a:ext uri="{FF2B5EF4-FFF2-40B4-BE49-F238E27FC236}">
+                <a16:creationId xmlns:a16="http://schemas.microsoft.com/office/drawing/2014/main" id="{3893C3C6-E6B4-0EAA-6168-B66B664B265B}"/>
+              </a:ext>
+            </a:extLst>
+          </p:cNvPr>
+          <p:cNvPicPr>
+            <a:picLocks noGrp="1" noRot="1" noChangeAspect="1" noMove="1" noResize="1" noEditPoints="1" noAdjustHandles="1" noChangeArrowheads="1" noChangeShapeType="1" noCrop="1"/>
+          </p:cNvPicPr>
+          <p:nvPr/>
+        </p:nvPicPr>
+        <p:blipFill>
+          <a:blip r:embed="rId2" cstate="email">
+            <a:extLst>
+              <a:ext uri="{28A0092B-C50C-407E-A947-70E740481C1C}">
+                <a14:useLocalDpi xmlns:a14="http://schemas.microsoft.com/office/drawing/2010/main"/>
+              </a:ext>
+            </a:extLst>
+          </a:blip>
+          <a:stretch>
+            <a:fillRect/>
+          </a:stretch>
+        </p:blipFill>
+        <p:spPr>
+          <a:xfrm flipH="1">
+            <a:off x="0" y="0"/>
+            <a:ext cx="12192000" cy="6858000"/>
+          </a:xfrm>
+          <a:prstGeom prst="rect">
+            <a:avLst/>
+          </a:prstGeom>
+        </p:spPr>
+      </p:pic>
+      <p:cxnSp>
+        <p:nvCxnSpPr>
+          <p:cNvPr id="5" name="Straight Connector 4">
+            <a:extLst>
+              <a:ext uri="{FF2B5EF4-FFF2-40B4-BE49-F238E27FC236}">
+                <a16:creationId xmlns:a16="http://schemas.microsoft.com/office/drawing/2014/main" id="{6317BEF4-F659-05B0-B884-5FBC9950BC38}"/>
+              </a:ext>
+            </a:extLst>
+          </p:cNvPr>
+          <p:cNvCxnSpPr>
+            <a:cxnSpLocks/>
+          </p:cNvCxnSpPr>
+          <p:nvPr/>
+        </p:nvCxnSpPr>
+        <p:spPr>
+          <a:xfrm>
+            <a:off x="2404113" y="383848"/>
+            <a:ext cx="0" cy="429893"/>
+          </a:xfrm>
+          <a:prstGeom prst="line">
+            <a:avLst/>
+          </a:prstGeom>
+          <a:ln w="12700">
+            <a:solidFill>
+              <a:srgbClr val="DD4F22"/>
+            </a:solidFill>
+          </a:ln>
+        </p:spPr>
+        <p:style>
+          <a:lnRef idx="1">
+            <a:schemeClr val="accent1"/>
+          </a:lnRef>
+          <a:fillRef idx="0">
+            <a:schemeClr val="accent1"/>
+          </a:fillRef>
+          <a:effectRef idx="0">
+            <a:schemeClr val="accent1"/>
+          </a:effectRef>
+          <a:fontRef idx="minor">
+            <a:schemeClr val="tx1"/>
+          </a:fontRef>
+        </p:style>
+      </p:cxnSp>
+      <p:pic>
+        <p:nvPicPr>
+          <p:cNvPr id="6" name="Picture 5">
+            <a:extLst>
+              <a:ext uri="{FF2B5EF4-FFF2-40B4-BE49-F238E27FC236}">
+                <a16:creationId xmlns:a16="http://schemas.microsoft.com/office/drawing/2014/main" id="{4C8E9BB0-02EA-460A-EDCE-9CB013DFF909}"/>
+              </a:ext>
+            </a:extLst>
+          </p:cNvPr>
+          <p:cNvPicPr>
+            <a:picLocks noGrp="1" noRot="1" noChangeAspect="1" noMove="1" noResize="1" noEditPoints="1" noAdjustHandles="1" noChangeArrowheads="1" noChangeShapeType="1" noCrop="1"/>
+          </p:cNvPicPr>
+          <p:nvPr/>
+        </p:nvPicPr>
+        <p:blipFill>
+          <a:blip r:embed="rId3">
+            <a:extLst>
+              <a:ext uri="{28A0092B-C50C-407E-A947-70E740481C1C}">
+                <a14:useLocalDpi xmlns:a14="http://schemas.microsoft.com/office/drawing/2010/main" val="0"/>
+              </a:ext>
+            </a:extLst>
+          </a:blip>
+          <a:srcRect/>
+          <a:stretch/>
+        </p:blipFill>
+        <p:spPr>
+          <a:xfrm>
+            <a:off x="217505" y="338023"/>
+            <a:ext cx="1963465" cy="521544"/>
+          </a:xfrm>
+          <a:prstGeom prst="rect">
+            <a:avLst/>
+          </a:prstGeom>
+        </p:spPr>
+      </p:pic>
+      <p:sp>
+        <p:nvSpPr>
+          <p:cNvPr id="8" name="TextBox 7">
+            <a:extLst>
+              <a:ext uri="{FF2B5EF4-FFF2-40B4-BE49-F238E27FC236}">
+                <a16:creationId xmlns:a16="http://schemas.microsoft.com/office/drawing/2014/main" id="{83A5D50A-7BF5-47B2-27E6-96AA33171B2B}"/>
+              </a:ext>
+            </a:extLst>
+          </p:cNvPr>
+          <p:cNvSpPr txBox="1">
+            <a:spLocks noGrp="1" noRot="1" noMove="1" noResize="1" noEditPoints="1" noAdjustHandles="1" noChangeArrowheads="1" noChangeShapeType="1"/>
+          </p:cNvSpPr>
+          <p:nvPr/>
+        </p:nvSpPr>
+        <p:spPr>
+          <a:xfrm>
+            <a:off x="2499360" y="383848"/>
+            <a:ext cx="8818879" cy="483017"/>
+          </a:xfrm>
+          <a:prstGeom prst="rect">
+            <a:avLst/>
+          </a:prstGeom>
+          <a:solidFill>
+            <a:srgbClr val="FF6709"/>
+          </a:solidFill>
+        </p:spPr>
+        <p:txBody>
+          <a:bodyPr wrap="square" rtlCol="0">
+            <a:spAutoFit/>
+          </a:bodyPr>
+          <a:lstStyle/>
+          <a:p>
+            <a:pPr>
+              <a:lnSpc>
+                <a:spcPct val="115000"/>
+              </a:lnSpc>
+            </a:pPr>
+            <a:r>
+              <a:rPr lang="en-IN" sz="2400" b="1" dirty="0">
+                <a:solidFill>
+                  <a:schemeClr val="bg1"/>
+                </a:solidFill>
+                <a:latin typeface="Times New Roman" panose="02020603050405020304" pitchFamily="18" charset="0"/>
+                <a:ea typeface="Arial" panose="020B0604020202020204" pitchFamily="34" charset="0"/>
+              </a:rPr>
+              <a:t>Back</a:t>
+            </a:r>
+            <a:r>
+              <a:rPr lang="en-IN" sz="2400" b="1" dirty="0">
+                <a:solidFill>
+                  <a:schemeClr val="bg1"/>
+                </a:solidFill>
+                <a:effectLst/>
+                <a:latin typeface="Times New Roman" panose="02020603050405020304" pitchFamily="18" charset="0"/>
+                <a:ea typeface="Arial" panose="020B0604020202020204" pitchFamily="34" charset="0"/>
+              </a:rPr>
+              <a:t>-end Development</a:t>
+            </a:r>
+            <a:r>
+              <a:rPr lang="en-IN" sz="1400" dirty="0">
+                <a:solidFill>
+                  <a:schemeClr val="bg1"/>
+                </a:solidFill>
+                <a:effectLst/>
+                <a:latin typeface="Arial" panose="020B0604020202020204" pitchFamily="34" charset="0"/>
+                <a:ea typeface="Arial" panose="020B0604020202020204" pitchFamily="34" charset="0"/>
+              </a:rPr>
+              <a:t> </a:t>
+            </a:r>
+          </a:p>
+        </p:txBody>
+      </p:sp>
+      <p:sp>
+        <p:nvSpPr>
+          <p:cNvPr id="7" name="TextBox 6">
+            <a:extLst>
+              <a:ext uri="{FF2B5EF4-FFF2-40B4-BE49-F238E27FC236}">
+                <a16:creationId xmlns:a16="http://schemas.microsoft.com/office/drawing/2014/main" id="{42C9D8A8-1C42-C2FD-EA56-C22FFDE8AF0E}"/>
+              </a:ext>
+            </a:extLst>
+          </p:cNvPr>
+          <p:cNvSpPr txBox="1"/>
+          <p:nvPr/>
+        </p:nvSpPr>
+        <p:spPr>
+          <a:xfrm>
+            <a:off x="490219" y="1349647"/>
+            <a:ext cx="11396979" cy="5403852"/>
+          </a:xfrm>
+          <a:prstGeom prst="rect">
+            <a:avLst/>
+          </a:prstGeom>
+          <a:noFill/>
+        </p:spPr>
+        <p:txBody>
+          <a:bodyPr wrap="square">
+            <a:spAutoFit/>
+          </a:bodyPr>
+          <a:lstStyle/>
+          <a:p>
+            <a:pPr algn="just">
+              <a:lnSpc>
+                <a:spcPct val="150000"/>
+              </a:lnSpc>
+            </a:pPr>
+            <a:r>
+              <a:rPr lang="en-US" dirty="0">
+                <a:latin typeface="Times New Roman" panose="02020603050405020304" pitchFamily="18" charset="0"/>
+                <a:cs typeface="Times New Roman" panose="02020603050405020304" pitchFamily="18" charset="0"/>
+              </a:rPr>
+              <a:t>Backend development for the above project involves creating the web service and implementing the necessary functionality to retrieve employee data from the database and expose it through a REST API. The following steps provide an overview of the backend development process:</a:t>
+            </a:r>
+          </a:p>
+          <a:p>
+            <a:pPr algn="just">
+              <a:lnSpc>
+                <a:spcPct val="150000"/>
+              </a:lnSpc>
+            </a:pPr>
+            <a:endParaRPr lang="en-US" dirty="0">
+              <a:latin typeface="Times New Roman" panose="02020603050405020304" pitchFamily="18" charset="0"/>
+              <a:cs typeface="Times New Roman" panose="02020603050405020304" pitchFamily="18" charset="0"/>
+            </a:endParaRPr>
+          </a:p>
+          <a:p>
+            <a:pPr marL="285750" indent="-285750" algn="l">
+              <a:lnSpc>
+                <a:spcPct val="150000"/>
+              </a:lnSpc>
+              <a:buFont typeface="Wingdings" panose="05000000000000000000" pitchFamily="2" charset="2"/>
+              <a:buChar char="Ø"/>
+            </a:pPr>
+            <a:r>
+              <a:rPr lang="en-US" b="1" dirty="0">
+                <a:latin typeface="Times New Roman" panose="02020603050405020304" pitchFamily="18" charset="0"/>
+                <a:cs typeface="Times New Roman" panose="02020603050405020304" pitchFamily="18" charset="0"/>
+              </a:rPr>
+              <a:t>Set up the development environment</a:t>
+            </a:r>
+            <a:r>
+              <a:rPr lang="en-US" dirty="0">
+                <a:latin typeface="Times New Roman" panose="02020603050405020304" pitchFamily="18" charset="0"/>
+                <a:cs typeface="Times New Roman" panose="02020603050405020304" pitchFamily="18" charset="0"/>
+              </a:rPr>
+              <a:t>: Install and configure the necessary software and tools for development, including a Java Development Kit (JDK), an Integrated Development Environment (IDE) such as  Eclipse, and a database management system.</a:t>
+            </a:r>
+          </a:p>
+          <a:p>
+            <a:pPr marL="285750" indent="-285750" algn="l">
+              <a:lnSpc>
+                <a:spcPct val="150000"/>
+              </a:lnSpc>
+              <a:buFont typeface="Wingdings" panose="05000000000000000000" pitchFamily="2" charset="2"/>
+              <a:buChar char="Ø"/>
+            </a:pPr>
+            <a:r>
+              <a:rPr lang="en-US" b="1" dirty="0">
+                <a:latin typeface="Times New Roman" panose="02020603050405020304" pitchFamily="18" charset="0"/>
+                <a:cs typeface="Times New Roman" panose="02020603050405020304" pitchFamily="18" charset="0"/>
+              </a:rPr>
+              <a:t>Create the database schema</a:t>
+            </a:r>
+            <a:r>
+              <a:rPr lang="en-US" dirty="0">
+                <a:latin typeface="Times New Roman" panose="02020603050405020304" pitchFamily="18" charset="0"/>
+                <a:cs typeface="Times New Roman" panose="02020603050405020304" pitchFamily="18" charset="0"/>
+              </a:rPr>
+              <a:t>: Define the structure of the Employee table, including the </a:t>
+            </a:r>
+            <a:r>
+              <a:rPr lang="en-US" dirty="0" err="1">
+                <a:latin typeface="Times New Roman" panose="02020603050405020304" pitchFamily="18" charset="0"/>
+                <a:cs typeface="Times New Roman" panose="02020603050405020304" pitchFamily="18" charset="0"/>
+              </a:rPr>
+              <a:t>EmployeeID</a:t>
+            </a:r>
+            <a:r>
+              <a:rPr lang="en-US" dirty="0">
+                <a:latin typeface="Times New Roman" panose="02020603050405020304" pitchFamily="18" charset="0"/>
+                <a:cs typeface="Times New Roman" panose="02020603050405020304" pitchFamily="18" charset="0"/>
+              </a:rPr>
+              <a:t>, </a:t>
+            </a:r>
+            <a:r>
+              <a:rPr lang="en-US" dirty="0" err="1">
+                <a:latin typeface="Times New Roman" panose="02020603050405020304" pitchFamily="18" charset="0"/>
+                <a:cs typeface="Times New Roman" panose="02020603050405020304" pitchFamily="18" charset="0"/>
+              </a:rPr>
+              <a:t>EmployeeName</a:t>
+            </a:r>
+            <a:r>
+              <a:rPr lang="en-US" dirty="0">
+                <a:latin typeface="Times New Roman" panose="02020603050405020304" pitchFamily="18" charset="0"/>
+                <a:cs typeface="Times New Roman" panose="02020603050405020304" pitchFamily="18" charset="0"/>
+              </a:rPr>
+              <a:t>, and </a:t>
+            </a:r>
+            <a:r>
+              <a:rPr lang="en-US" dirty="0" err="1">
+                <a:latin typeface="Times New Roman" panose="02020603050405020304" pitchFamily="18" charset="0"/>
+                <a:cs typeface="Times New Roman" panose="02020603050405020304" pitchFamily="18" charset="0"/>
+              </a:rPr>
+              <a:t>DateOfBirth</a:t>
+            </a:r>
+            <a:r>
+              <a:rPr lang="en-US" dirty="0">
+                <a:latin typeface="Times New Roman" panose="02020603050405020304" pitchFamily="18" charset="0"/>
+                <a:cs typeface="Times New Roman" panose="02020603050405020304" pitchFamily="18" charset="0"/>
+              </a:rPr>
+              <a:t> columns. Use a tool such as SQL Workbench or </a:t>
+            </a:r>
+            <a:r>
+              <a:rPr lang="en-US" dirty="0" err="1">
+                <a:latin typeface="Times New Roman" panose="02020603050405020304" pitchFamily="18" charset="0"/>
+                <a:cs typeface="Times New Roman" panose="02020603050405020304" pitchFamily="18" charset="0"/>
+              </a:rPr>
+              <a:t>pgAdmin</a:t>
+            </a:r>
+            <a:r>
+              <a:rPr lang="en-US" dirty="0">
+                <a:latin typeface="Times New Roman" panose="02020603050405020304" pitchFamily="18" charset="0"/>
+                <a:cs typeface="Times New Roman" panose="02020603050405020304" pitchFamily="18" charset="0"/>
+              </a:rPr>
+              <a:t> to create the table.</a:t>
+            </a:r>
+          </a:p>
+          <a:p>
+            <a:pPr marL="285750" indent="-285750" algn="l">
+              <a:lnSpc>
+                <a:spcPct val="150000"/>
+              </a:lnSpc>
+              <a:buFont typeface="Wingdings" panose="05000000000000000000" pitchFamily="2" charset="2"/>
+              <a:buChar char="Ø"/>
+            </a:pPr>
+            <a:r>
+              <a:rPr lang="en-US" b="1" dirty="0">
+                <a:latin typeface="Times New Roman" panose="02020603050405020304" pitchFamily="18" charset="0"/>
+                <a:cs typeface="Times New Roman" panose="02020603050405020304" pitchFamily="18" charset="0"/>
+              </a:rPr>
+              <a:t>Create the Spring Boot project: </a:t>
+            </a:r>
+            <a:r>
+              <a:rPr lang="en-US" dirty="0">
+                <a:latin typeface="Times New Roman" panose="02020603050405020304" pitchFamily="18" charset="0"/>
+                <a:cs typeface="Times New Roman" panose="02020603050405020304" pitchFamily="18" charset="0"/>
+              </a:rPr>
+              <a:t>Use the Spring </a:t>
+            </a:r>
+            <a:r>
+              <a:rPr lang="en-US" dirty="0" err="1">
+                <a:latin typeface="Times New Roman" panose="02020603050405020304" pitchFamily="18" charset="0"/>
+                <a:cs typeface="Times New Roman" panose="02020603050405020304" pitchFamily="18" charset="0"/>
+              </a:rPr>
+              <a:t>Initializr</a:t>
+            </a:r>
+            <a:r>
+              <a:rPr lang="en-US" dirty="0">
+                <a:latin typeface="Times New Roman" panose="02020603050405020304" pitchFamily="18" charset="0"/>
+                <a:cs typeface="Times New Roman" panose="02020603050405020304" pitchFamily="18" charset="0"/>
+              </a:rPr>
+              <a:t> to generate a new Spring Boot project with the necessary dependencies, including Spring Web, Spring Data JPA, and a database driver</a:t>
+            </a:r>
+          </a:p>
+          <a:p>
+            <a:pPr algn="just">
+              <a:lnSpc>
+                <a:spcPct val="150000"/>
+              </a:lnSpc>
+            </a:pPr>
+            <a:endParaRPr lang="en-US" dirty="0">
+              <a:latin typeface="Times New Roman" panose="02020603050405020304" pitchFamily="18" charset="0"/>
+              <a:cs typeface="Times New Roman" panose="02020603050405020304" pitchFamily="18" charset="0"/>
+            </a:endParaRPr>
+          </a:p>
+          <a:p>
+            <a:pPr algn="just">
+              <a:lnSpc>
+                <a:spcPct val="115000"/>
+              </a:lnSpc>
+            </a:pPr>
+            <a:endParaRPr lang="en-IN" sz="2000" dirty="0">
+              <a:latin typeface="Times New Roman" panose="02020603050405020304" pitchFamily="18" charset="0"/>
+              <a:cs typeface="Times New Roman" panose="02020603050405020304" pitchFamily="18" charset="0"/>
+            </a:endParaRPr>
+          </a:p>
+        </p:txBody>
+      </p:sp>
+    </p:spTree>
+    <p:extLst>
+      <p:ext uri="{BB962C8B-B14F-4D97-AF65-F5344CB8AC3E}">
+        <p14:creationId xmlns:p14="http://schemas.microsoft.com/office/powerpoint/2010/main" val="3755091390"/>
+      </p:ext>
+    </p:extLst>
+  </p:cSld>
+  <p:clrMapOvr>
+    <a:masterClrMapping/>
+  </p:clrMapOvr>
+</p:sld>
+</file>
+
+<file path=ppt/slides/slide18.xml><?xml version="1.0" encoding="utf-8"?>
+<p:sld xmlns:a="http://schemas.openxmlformats.org/drawingml/2006/main" xmlns:r="http://schemas.openxmlformats.org/officeDocument/2006/relationships" xmlns:p="http://schemas.openxmlformats.org/presentationml/2006/main">
+  <p:cSld>
+    <p:spTree>
+      <p:nvGrpSpPr>
+        <p:cNvPr id="1" name=""/>
+        <p:cNvGrpSpPr/>
+        <p:nvPr/>
+      </p:nvGrpSpPr>
+      <p:grpSpPr>
+        <a:xfrm>
+          <a:off x="0" y="0"/>
+          <a:ext cx="0" cy="0"/>
+          <a:chOff x="0" y="0"/>
+          <a:chExt cx="0" cy="0"/>
+        </a:xfrm>
+      </p:grpSpPr>
+      <p:pic>
+        <p:nvPicPr>
+          <p:cNvPr id="4" name="Picture 3">
+            <a:extLst>
+              <a:ext uri="{FF2B5EF4-FFF2-40B4-BE49-F238E27FC236}">
+                <a16:creationId xmlns:a16="http://schemas.microsoft.com/office/drawing/2014/main" id="{3893C3C6-E6B4-0EAA-6168-B66B664B265B}"/>
+              </a:ext>
+            </a:extLst>
+          </p:cNvPr>
+          <p:cNvPicPr>
+            <a:picLocks noGrp="1" noRot="1" noChangeAspect="1" noMove="1" noResize="1" noEditPoints="1" noAdjustHandles="1" noChangeArrowheads="1" noChangeShapeType="1" noCrop="1"/>
+          </p:cNvPicPr>
+          <p:nvPr/>
+        </p:nvPicPr>
+        <p:blipFill>
+          <a:blip r:embed="rId2" cstate="email">
+            <a:extLst>
+              <a:ext uri="{28A0092B-C50C-407E-A947-70E740481C1C}">
+                <a14:useLocalDpi xmlns:a14="http://schemas.microsoft.com/office/drawing/2010/main"/>
+              </a:ext>
+            </a:extLst>
+          </a:blip>
+          <a:stretch>
+            <a:fillRect/>
+          </a:stretch>
+        </p:blipFill>
+        <p:spPr>
+          <a:xfrm flipH="1">
+            <a:off x="0" y="0"/>
+            <a:ext cx="12192000" cy="6858000"/>
+          </a:xfrm>
+          <a:prstGeom prst="rect">
+            <a:avLst/>
+          </a:prstGeom>
+        </p:spPr>
+      </p:pic>
+      <p:cxnSp>
+        <p:nvCxnSpPr>
+          <p:cNvPr id="5" name="Straight Connector 4">
+            <a:extLst>
+              <a:ext uri="{FF2B5EF4-FFF2-40B4-BE49-F238E27FC236}">
+                <a16:creationId xmlns:a16="http://schemas.microsoft.com/office/drawing/2014/main" id="{6317BEF4-F659-05B0-B884-5FBC9950BC38}"/>
+              </a:ext>
+            </a:extLst>
+          </p:cNvPr>
+          <p:cNvCxnSpPr>
+            <a:cxnSpLocks/>
+          </p:cNvCxnSpPr>
+          <p:nvPr/>
+        </p:nvCxnSpPr>
+        <p:spPr>
+          <a:xfrm>
+            <a:off x="2404113" y="383848"/>
+            <a:ext cx="0" cy="429893"/>
+          </a:xfrm>
+          <a:prstGeom prst="line">
+            <a:avLst/>
+          </a:prstGeom>
+          <a:ln w="12700">
+            <a:solidFill>
+              <a:srgbClr val="DD4F22"/>
+            </a:solidFill>
+          </a:ln>
+        </p:spPr>
+        <p:style>
+          <a:lnRef idx="1">
+            <a:schemeClr val="accent1"/>
+          </a:lnRef>
+          <a:fillRef idx="0">
+            <a:schemeClr val="accent1"/>
+          </a:fillRef>
+          <a:effectRef idx="0">
+            <a:schemeClr val="accent1"/>
+          </a:effectRef>
+          <a:fontRef idx="minor">
+            <a:schemeClr val="tx1"/>
+          </a:fontRef>
+        </p:style>
+      </p:cxnSp>
+      <p:pic>
+        <p:nvPicPr>
+          <p:cNvPr id="6" name="Picture 5">
+            <a:extLst>
+              <a:ext uri="{FF2B5EF4-FFF2-40B4-BE49-F238E27FC236}">
+                <a16:creationId xmlns:a16="http://schemas.microsoft.com/office/drawing/2014/main" id="{4C8E9BB0-02EA-460A-EDCE-9CB013DFF909}"/>
+              </a:ext>
+            </a:extLst>
+          </p:cNvPr>
+          <p:cNvPicPr>
+            <a:picLocks noGrp="1" noRot="1" noChangeAspect="1" noMove="1" noResize="1" noEditPoints="1" noAdjustHandles="1" noChangeArrowheads="1" noChangeShapeType="1" noCrop="1"/>
+          </p:cNvPicPr>
+          <p:nvPr/>
+        </p:nvPicPr>
+        <p:blipFill>
+          <a:blip r:embed="rId3">
+            <a:extLst>
+              <a:ext uri="{28A0092B-C50C-407E-A947-70E740481C1C}">
+                <a14:useLocalDpi xmlns:a14="http://schemas.microsoft.com/office/drawing/2010/main" val="0"/>
+              </a:ext>
+            </a:extLst>
+          </a:blip>
+          <a:srcRect/>
+          <a:stretch/>
+        </p:blipFill>
+        <p:spPr>
+          <a:xfrm>
+            <a:off x="217505" y="338023"/>
+            <a:ext cx="1963465" cy="521544"/>
+          </a:xfrm>
+          <a:prstGeom prst="rect">
+            <a:avLst/>
+          </a:prstGeom>
+        </p:spPr>
+      </p:pic>
+      <p:sp>
+        <p:nvSpPr>
+          <p:cNvPr id="8" name="TextBox 7">
+            <a:extLst>
+              <a:ext uri="{FF2B5EF4-FFF2-40B4-BE49-F238E27FC236}">
+                <a16:creationId xmlns:a16="http://schemas.microsoft.com/office/drawing/2014/main" id="{83A5D50A-7BF5-47B2-27E6-96AA33171B2B}"/>
+              </a:ext>
+            </a:extLst>
+          </p:cNvPr>
+          <p:cNvSpPr txBox="1">
+            <a:spLocks noGrp="1" noRot="1" noMove="1" noResize="1" noEditPoints="1" noAdjustHandles="1" noChangeArrowheads="1" noChangeShapeType="1"/>
+          </p:cNvSpPr>
+          <p:nvPr/>
+        </p:nvSpPr>
+        <p:spPr>
+          <a:xfrm>
+            <a:off x="2499360" y="383848"/>
+            <a:ext cx="8818879" cy="483017"/>
+          </a:xfrm>
+          <a:prstGeom prst="rect">
+            <a:avLst/>
+          </a:prstGeom>
+          <a:solidFill>
+            <a:srgbClr val="FF6709"/>
+          </a:solidFill>
+        </p:spPr>
+        <p:txBody>
+          <a:bodyPr wrap="square" rtlCol="0">
+            <a:spAutoFit/>
+          </a:bodyPr>
+          <a:lstStyle/>
+          <a:p>
+            <a:pPr>
+              <a:lnSpc>
+                <a:spcPct val="115000"/>
+              </a:lnSpc>
+            </a:pPr>
+            <a:r>
+              <a:rPr lang="en-IN" sz="2400" b="1" dirty="0">
+                <a:solidFill>
+                  <a:schemeClr val="bg1"/>
+                </a:solidFill>
+                <a:effectLst/>
+                <a:latin typeface="Times New Roman" panose="02020603050405020304" pitchFamily="18" charset="0"/>
+                <a:ea typeface="Arial" panose="020B0604020202020204" pitchFamily="34" charset="0"/>
+              </a:rPr>
+              <a:t>Back-end Development</a:t>
+            </a:r>
+            <a:r>
+              <a:rPr lang="en-IN" sz="1400" dirty="0">
+                <a:solidFill>
+                  <a:schemeClr val="bg1"/>
+                </a:solidFill>
+                <a:effectLst/>
+                <a:latin typeface="Arial" panose="020B0604020202020204" pitchFamily="34" charset="0"/>
+                <a:ea typeface="Arial" panose="020B0604020202020204" pitchFamily="34" charset="0"/>
+              </a:rPr>
+              <a:t> </a:t>
+            </a:r>
+          </a:p>
+        </p:txBody>
+      </p:sp>
+      <p:sp>
+        <p:nvSpPr>
+          <p:cNvPr id="7" name="TextBox 6">
+            <a:extLst>
+              <a:ext uri="{FF2B5EF4-FFF2-40B4-BE49-F238E27FC236}">
+                <a16:creationId xmlns:a16="http://schemas.microsoft.com/office/drawing/2014/main" id="{42C9D8A8-1C42-C2FD-EA56-C22FFDE8AF0E}"/>
+              </a:ext>
+            </a:extLst>
+          </p:cNvPr>
+          <p:cNvSpPr txBox="1"/>
+          <p:nvPr/>
+        </p:nvSpPr>
+        <p:spPr>
+          <a:xfrm>
+            <a:off x="431200" y="1197589"/>
+            <a:ext cx="11329599" cy="5859553"/>
+          </a:xfrm>
+          <a:prstGeom prst="rect">
+            <a:avLst/>
+          </a:prstGeom>
+          <a:noFill/>
+        </p:spPr>
+        <p:txBody>
+          <a:bodyPr wrap="square">
+            <a:spAutoFit/>
+          </a:bodyPr>
+          <a:lstStyle/>
+          <a:p>
+            <a:pPr marL="285750" indent="-285750" algn="l">
+              <a:lnSpc>
+                <a:spcPct val="150000"/>
+              </a:lnSpc>
+              <a:buFont typeface="Wingdings" panose="05000000000000000000" pitchFamily="2" charset="2"/>
+              <a:buChar char="Ø"/>
+            </a:pPr>
+            <a:r>
+              <a:rPr lang="en-US" b="1" dirty="0">
+                <a:latin typeface="Times New Roman" panose="02020603050405020304" pitchFamily="18" charset="0"/>
+                <a:cs typeface="Times New Roman" panose="02020603050405020304" pitchFamily="18" charset="0"/>
+              </a:rPr>
+              <a:t>Implement the Employee entity</a:t>
+            </a:r>
+            <a:r>
+              <a:rPr lang="en-US" dirty="0">
+                <a:latin typeface="Times New Roman" panose="02020603050405020304" pitchFamily="18" charset="0"/>
+                <a:cs typeface="Times New Roman" panose="02020603050405020304" pitchFamily="18" charset="0"/>
+              </a:rPr>
+              <a:t>: Create a Java class that represents the Employee table in the database, including the three columns as properties.</a:t>
+            </a:r>
+          </a:p>
+          <a:p>
+            <a:pPr marL="285750" indent="-285750" algn="l">
+              <a:lnSpc>
+                <a:spcPct val="150000"/>
+              </a:lnSpc>
+              <a:buFont typeface="Wingdings" panose="05000000000000000000" pitchFamily="2" charset="2"/>
+              <a:buChar char="Ø"/>
+            </a:pPr>
+            <a:r>
+              <a:rPr lang="en-US" b="1" dirty="0">
+                <a:latin typeface="Times New Roman" panose="02020603050405020304" pitchFamily="18" charset="0"/>
+                <a:cs typeface="Times New Roman" panose="02020603050405020304" pitchFamily="18" charset="0"/>
+              </a:rPr>
+              <a:t>Implement the DAO layer</a:t>
+            </a:r>
+            <a:r>
+              <a:rPr lang="en-US" dirty="0">
+                <a:latin typeface="Times New Roman" panose="02020603050405020304" pitchFamily="18" charset="0"/>
+                <a:cs typeface="Times New Roman" panose="02020603050405020304" pitchFamily="18" charset="0"/>
+              </a:rPr>
+              <a:t>: Create a Java interface that defines the CRUD operations for the Employee entity, using Spring Data JPA to interact with the database.</a:t>
+            </a:r>
+          </a:p>
+          <a:p>
+            <a:pPr marL="285750" indent="-285750" algn="l">
+              <a:lnSpc>
+                <a:spcPct val="150000"/>
+              </a:lnSpc>
+              <a:buFont typeface="Wingdings" panose="05000000000000000000" pitchFamily="2" charset="2"/>
+              <a:buChar char="Ø"/>
+            </a:pPr>
+            <a:r>
+              <a:rPr lang="en-US" b="1" dirty="0">
+                <a:latin typeface="Times New Roman" panose="02020603050405020304" pitchFamily="18" charset="0"/>
+                <a:cs typeface="Times New Roman" panose="02020603050405020304" pitchFamily="18" charset="0"/>
+              </a:rPr>
+              <a:t>Implement the Service layer</a:t>
+            </a:r>
+            <a:r>
+              <a:rPr lang="en-US" dirty="0">
+                <a:latin typeface="Times New Roman" panose="02020603050405020304" pitchFamily="18" charset="0"/>
+                <a:cs typeface="Times New Roman" panose="02020603050405020304" pitchFamily="18" charset="0"/>
+              </a:rPr>
+              <a:t>: Create a Java class that encapsulates the business logic of the application, retrieving data from the DAO layer and transforming it as necessary.</a:t>
+            </a:r>
+          </a:p>
+          <a:p>
+            <a:pPr marL="285750" indent="-285750" algn="l">
+              <a:lnSpc>
+                <a:spcPct val="150000"/>
+              </a:lnSpc>
+              <a:buFont typeface="Wingdings" panose="05000000000000000000" pitchFamily="2" charset="2"/>
+              <a:buChar char="Ø"/>
+            </a:pPr>
+            <a:r>
+              <a:rPr lang="en-US" b="1" dirty="0">
+                <a:latin typeface="Times New Roman" panose="02020603050405020304" pitchFamily="18" charset="0"/>
+                <a:cs typeface="Times New Roman" panose="02020603050405020304" pitchFamily="18" charset="0"/>
+              </a:rPr>
+              <a:t>Implement the Controller layer</a:t>
+            </a:r>
+            <a:r>
+              <a:rPr lang="en-US" dirty="0">
+                <a:latin typeface="Times New Roman" panose="02020603050405020304" pitchFamily="18" charset="0"/>
+                <a:cs typeface="Times New Roman" panose="02020603050405020304" pitchFamily="18" charset="0"/>
+              </a:rPr>
+              <a:t>: Create a Java class that handles incoming HTTP requests, calling the appropriate method in the Service layer to retrieve the requested employee data.</a:t>
+            </a:r>
+          </a:p>
+          <a:p>
+            <a:pPr marL="285750" indent="-285750">
+              <a:lnSpc>
+                <a:spcPct val="150000"/>
+              </a:lnSpc>
+              <a:buFont typeface="Wingdings" panose="05000000000000000000" pitchFamily="2" charset="2"/>
+              <a:buChar char="Ø"/>
+            </a:pPr>
+            <a:r>
+              <a:rPr lang="en-US" b="1" dirty="0">
+                <a:latin typeface="Times New Roman" panose="02020603050405020304" pitchFamily="18" charset="0"/>
+                <a:cs typeface="Times New Roman" panose="02020603050405020304" pitchFamily="18" charset="0"/>
+              </a:rPr>
+              <a:t>Add encryption and decryption functionality</a:t>
+            </a:r>
+            <a:r>
+              <a:rPr lang="en-US" dirty="0">
+                <a:latin typeface="Times New Roman" panose="02020603050405020304" pitchFamily="18" charset="0"/>
+                <a:cs typeface="Times New Roman" panose="02020603050405020304" pitchFamily="18" charset="0"/>
+              </a:rPr>
+              <a:t>: Implement AES-256 encryption and decryption functionality for the </a:t>
+            </a:r>
+            <a:r>
+              <a:rPr lang="en-US" dirty="0" err="1">
+                <a:latin typeface="Times New Roman" panose="02020603050405020304" pitchFamily="18" charset="0"/>
+                <a:cs typeface="Times New Roman" panose="02020603050405020304" pitchFamily="18" charset="0"/>
+              </a:rPr>
+              <a:t>DateOfBirth</a:t>
+            </a:r>
+            <a:r>
+              <a:rPr lang="en-US" dirty="0">
+                <a:latin typeface="Times New Roman" panose="02020603050405020304" pitchFamily="18" charset="0"/>
+                <a:cs typeface="Times New Roman" panose="02020603050405020304" pitchFamily="18" charset="0"/>
+              </a:rPr>
+              <a:t> field using a library such as Bouncy Castle.</a:t>
+            </a:r>
+          </a:p>
+          <a:p>
+            <a:pPr marL="285750" indent="-285750">
+              <a:lnSpc>
+                <a:spcPct val="150000"/>
+              </a:lnSpc>
+              <a:buFont typeface="Wingdings" panose="05000000000000000000" pitchFamily="2" charset="2"/>
+              <a:buChar char="Ø"/>
+            </a:pPr>
+            <a:r>
+              <a:rPr lang="en-US" b="1" dirty="0">
+                <a:latin typeface="Times New Roman" panose="02020603050405020304" pitchFamily="18" charset="0"/>
+                <a:cs typeface="Times New Roman" panose="02020603050405020304" pitchFamily="18" charset="0"/>
+              </a:rPr>
+              <a:t>Add logging functionality</a:t>
+            </a:r>
+            <a:r>
+              <a:rPr lang="en-US" dirty="0">
+                <a:latin typeface="Times New Roman" panose="02020603050405020304" pitchFamily="18" charset="0"/>
+                <a:cs typeface="Times New Roman" panose="02020603050405020304" pitchFamily="18" charset="0"/>
+              </a:rPr>
+              <a:t>: Use a logging library such as Log4j to log access to the web service, including the </a:t>
+            </a:r>
+            <a:r>
+              <a:rPr lang="en-US" dirty="0" err="1">
+                <a:latin typeface="Times New Roman" panose="02020603050405020304" pitchFamily="18" charset="0"/>
+                <a:cs typeface="Times New Roman" panose="02020603050405020304" pitchFamily="18" charset="0"/>
+              </a:rPr>
+              <a:t>EmployeeID</a:t>
+            </a:r>
+            <a:r>
+              <a:rPr lang="en-US" dirty="0">
+                <a:latin typeface="Times New Roman" panose="02020603050405020304" pitchFamily="18" charset="0"/>
+                <a:cs typeface="Times New Roman" panose="02020603050405020304" pitchFamily="18" charset="0"/>
+              </a:rPr>
+              <a:t> and timestamp.</a:t>
+            </a:r>
+          </a:p>
+          <a:p>
+            <a:pPr marL="285750" indent="-285750" algn="l">
+              <a:lnSpc>
+                <a:spcPct val="150000"/>
+              </a:lnSpc>
+              <a:buFont typeface="Wingdings" panose="05000000000000000000" pitchFamily="2" charset="2"/>
+              <a:buChar char="Ø"/>
+            </a:pPr>
+            <a:endParaRPr lang="en-US" dirty="0">
+              <a:latin typeface="Times New Roman" panose="02020603050405020304" pitchFamily="18" charset="0"/>
+              <a:cs typeface="Times New Roman" panose="02020603050405020304" pitchFamily="18" charset="0"/>
+            </a:endParaRPr>
+          </a:p>
+          <a:p>
+            <a:pPr marL="285750" indent="-285750" algn="l">
+              <a:lnSpc>
+                <a:spcPct val="150000"/>
+              </a:lnSpc>
+              <a:buFont typeface="Wingdings" panose="05000000000000000000" pitchFamily="2" charset="2"/>
+              <a:buChar char="Ø"/>
+            </a:pPr>
+            <a:endParaRPr lang="en-US" dirty="0">
+              <a:latin typeface="Times New Roman" panose="02020603050405020304" pitchFamily="18" charset="0"/>
+              <a:cs typeface="Times New Roman" panose="02020603050405020304" pitchFamily="18" charset="0"/>
+            </a:endParaRPr>
+          </a:p>
+        </p:txBody>
+      </p:sp>
+    </p:spTree>
+    <p:extLst>
+      <p:ext uri="{BB962C8B-B14F-4D97-AF65-F5344CB8AC3E}">
+        <p14:creationId xmlns:p14="http://schemas.microsoft.com/office/powerpoint/2010/main" val="209451887"/>
+      </p:ext>
+    </p:extLst>
+  </p:cSld>
+  <p:clrMapOvr>
+    <a:masterClrMapping/>
+  </p:clrMapOvr>
+</p:sld>
+</file>
+
+<file path=ppt/slides/slide19.xml><?xml version="1.0" encoding="utf-8"?>
+<p:sld xmlns:a="http://schemas.openxmlformats.org/drawingml/2006/main" xmlns:r="http://schemas.openxmlformats.org/officeDocument/2006/relationships" xmlns:p="http://schemas.openxmlformats.org/presentationml/2006/main">
+  <p:cSld>
+    <p:spTree>
+      <p:nvGrpSpPr>
+        <p:cNvPr id="1" name=""/>
+        <p:cNvGrpSpPr/>
+        <p:nvPr/>
+      </p:nvGrpSpPr>
+      <p:grpSpPr>
+        <a:xfrm>
+          <a:off x="0" y="0"/>
+          <a:ext cx="0" cy="0"/>
+          <a:chOff x="0" y="0"/>
+          <a:chExt cx="0" cy="0"/>
+        </a:xfrm>
+      </p:grpSpPr>
+      <p:pic>
+        <p:nvPicPr>
+          <p:cNvPr id="4" name="Picture 3">
+            <a:extLst>
+              <a:ext uri="{FF2B5EF4-FFF2-40B4-BE49-F238E27FC236}">
+                <a16:creationId xmlns:a16="http://schemas.microsoft.com/office/drawing/2014/main" id="{3893C3C6-E6B4-0EAA-6168-B66B664B265B}"/>
+              </a:ext>
+            </a:extLst>
+          </p:cNvPr>
+          <p:cNvPicPr>
+            <a:picLocks noGrp="1" noRot="1" noChangeAspect="1" noMove="1" noResize="1" noEditPoints="1" noAdjustHandles="1" noChangeArrowheads="1" noChangeShapeType="1" noCrop="1"/>
+          </p:cNvPicPr>
+          <p:nvPr/>
+        </p:nvPicPr>
+        <p:blipFill>
+          <a:blip r:embed="rId2" cstate="email">
+            <a:extLst>
+              <a:ext uri="{28A0092B-C50C-407E-A947-70E740481C1C}">
+                <a14:useLocalDpi xmlns:a14="http://schemas.microsoft.com/office/drawing/2010/main"/>
+              </a:ext>
+            </a:extLst>
+          </a:blip>
+          <a:stretch>
+            <a:fillRect/>
+          </a:stretch>
+        </p:blipFill>
+        <p:spPr>
+          <a:xfrm flipH="1">
+            <a:off x="0" y="0"/>
+            <a:ext cx="12192000" cy="6858000"/>
+          </a:xfrm>
+          <a:prstGeom prst="rect">
+            <a:avLst/>
+          </a:prstGeom>
+        </p:spPr>
+      </p:pic>
+      <p:cxnSp>
+        <p:nvCxnSpPr>
+          <p:cNvPr id="5" name="Straight Connector 4">
+            <a:extLst>
+              <a:ext uri="{FF2B5EF4-FFF2-40B4-BE49-F238E27FC236}">
+                <a16:creationId xmlns:a16="http://schemas.microsoft.com/office/drawing/2014/main" id="{6317BEF4-F659-05B0-B884-5FBC9950BC38}"/>
+              </a:ext>
+            </a:extLst>
+          </p:cNvPr>
+          <p:cNvCxnSpPr>
+            <a:cxnSpLocks/>
+          </p:cNvCxnSpPr>
+          <p:nvPr/>
+        </p:nvCxnSpPr>
+        <p:spPr>
+          <a:xfrm>
+            <a:off x="2404113" y="383848"/>
+            <a:ext cx="0" cy="429893"/>
+          </a:xfrm>
+          <a:prstGeom prst="line">
+            <a:avLst/>
+          </a:prstGeom>
+          <a:ln w="12700">
+            <a:solidFill>
+              <a:srgbClr val="DD4F22"/>
+            </a:solidFill>
+          </a:ln>
+        </p:spPr>
+        <p:style>
+          <a:lnRef idx="1">
+            <a:schemeClr val="accent1"/>
+          </a:lnRef>
+          <a:fillRef idx="0">
+            <a:schemeClr val="accent1"/>
+          </a:fillRef>
+          <a:effectRef idx="0">
+            <a:schemeClr val="accent1"/>
+          </a:effectRef>
+          <a:fontRef idx="minor">
+            <a:schemeClr val="tx1"/>
+          </a:fontRef>
+        </p:style>
+      </p:cxnSp>
+      <p:pic>
+        <p:nvPicPr>
+          <p:cNvPr id="6" name="Picture 5">
+            <a:extLst>
+              <a:ext uri="{FF2B5EF4-FFF2-40B4-BE49-F238E27FC236}">
+                <a16:creationId xmlns:a16="http://schemas.microsoft.com/office/drawing/2014/main" id="{4C8E9BB0-02EA-460A-EDCE-9CB013DFF909}"/>
+              </a:ext>
+            </a:extLst>
+          </p:cNvPr>
+          <p:cNvPicPr>
+            <a:picLocks noGrp="1" noRot="1" noChangeAspect="1" noMove="1" noResize="1" noEditPoints="1" noAdjustHandles="1" noChangeArrowheads="1" noChangeShapeType="1" noCrop="1"/>
+          </p:cNvPicPr>
+          <p:nvPr/>
+        </p:nvPicPr>
+        <p:blipFill>
+          <a:blip r:embed="rId3">
+            <a:extLst>
+              <a:ext uri="{28A0092B-C50C-407E-A947-70E740481C1C}">
+                <a14:useLocalDpi xmlns:a14="http://schemas.microsoft.com/office/drawing/2010/main" val="0"/>
+              </a:ext>
+            </a:extLst>
+          </a:blip>
+          <a:srcRect/>
+          <a:stretch/>
+        </p:blipFill>
+        <p:spPr>
+          <a:xfrm>
+            <a:off x="217505" y="338023"/>
+            <a:ext cx="1963465" cy="521544"/>
+          </a:xfrm>
+          <a:prstGeom prst="rect">
+            <a:avLst/>
+          </a:prstGeom>
+        </p:spPr>
+      </p:pic>
+      <p:sp>
+        <p:nvSpPr>
+          <p:cNvPr id="8" name="TextBox 7">
+            <a:extLst>
+              <a:ext uri="{FF2B5EF4-FFF2-40B4-BE49-F238E27FC236}">
+                <a16:creationId xmlns:a16="http://schemas.microsoft.com/office/drawing/2014/main" id="{83A5D50A-7BF5-47B2-27E6-96AA33171B2B}"/>
+              </a:ext>
+            </a:extLst>
+          </p:cNvPr>
+          <p:cNvSpPr txBox="1">
+            <a:spLocks noGrp="1" noRot="1" noMove="1" noResize="1" noEditPoints="1" noAdjustHandles="1" noChangeArrowheads="1" noChangeShapeType="1"/>
+          </p:cNvSpPr>
+          <p:nvPr/>
+        </p:nvSpPr>
+        <p:spPr>
+          <a:xfrm>
+            <a:off x="2499360" y="383848"/>
+            <a:ext cx="8818879" cy="483017"/>
+          </a:xfrm>
+          <a:prstGeom prst="rect">
+            <a:avLst/>
+          </a:prstGeom>
+          <a:solidFill>
+            <a:srgbClr val="FF6709"/>
+          </a:solidFill>
+        </p:spPr>
+        <p:txBody>
+          <a:bodyPr wrap="square" rtlCol="0">
+            <a:spAutoFit/>
+          </a:bodyPr>
+          <a:lstStyle/>
+          <a:p>
+            <a:pPr>
+              <a:lnSpc>
+                <a:spcPct val="115000"/>
+              </a:lnSpc>
+            </a:pPr>
+            <a:r>
+              <a:rPr lang="en-IN" sz="2400" b="1" dirty="0">
+                <a:solidFill>
+                  <a:schemeClr val="bg1"/>
+                </a:solidFill>
+                <a:effectLst/>
+                <a:latin typeface="Times New Roman" panose="02020603050405020304" pitchFamily="18" charset="0"/>
+                <a:ea typeface="Arial" panose="020B0604020202020204" pitchFamily="34" charset="0"/>
+              </a:rPr>
+              <a:t>Back-end Development</a:t>
+            </a:r>
+            <a:r>
+              <a:rPr lang="en-IN" sz="1400" dirty="0">
+                <a:solidFill>
+                  <a:schemeClr val="bg1"/>
+                </a:solidFill>
+                <a:effectLst/>
+                <a:latin typeface="Arial" panose="020B0604020202020204" pitchFamily="34" charset="0"/>
+                <a:ea typeface="Arial" panose="020B0604020202020204" pitchFamily="34" charset="0"/>
+              </a:rPr>
+              <a:t> </a:t>
+            </a:r>
+          </a:p>
+        </p:txBody>
+      </p:sp>
+      <p:sp>
+        <p:nvSpPr>
+          <p:cNvPr id="7" name="TextBox 6">
+            <a:extLst>
+              <a:ext uri="{FF2B5EF4-FFF2-40B4-BE49-F238E27FC236}">
+                <a16:creationId xmlns:a16="http://schemas.microsoft.com/office/drawing/2014/main" id="{42C9D8A8-1C42-C2FD-EA56-C22FFDE8AF0E}"/>
+              </a:ext>
+            </a:extLst>
+          </p:cNvPr>
+          <p:cNvSpPr txBox="1"/>
+          <p:nvPr/>
+        </p:nvSpPr>
+        <p:spPr>
+          <a:xfrm>
+            <a:off x="490219" y="1349647"/>
+            <a:ext cx="11223725" cy="3782061"/>
+          </a:xfrm>
+          <a:prstGeom prst="rect">
+            <a:avLst/>
+          </a:prstGeom>
+          <a:noFill/>
+        </p:spPr>
+        <p:txBody>
+          <a:bodyPr wrap="square">
+            <a:spAutoFit/>
+          </a:bodyPr>
+          <a:lstStyle/>
+          <a:p>
+            <a:pPr marL="285750" indent="-285750" algn="l">
+              <a:lnSpc>
+                <a:spcPct val="150000"/>
+              </a:lnSpc>
+              <a:buFont typeface="Wingdings" panose="05000000000000000000" pitchFamily="2" charset="2"/>
+              <a:buChar char="Ø"/>
+            </a:pPr>
+            <a:r>
+              <a:rPr lang="en-US" b="1" dirty="0">
+                <a:latin typeface="Times New Roman" panose="02020603050405020304" pitchFamily="18" charset="0"/>
+                <a:cs typeface="Times New Roman" panose="02020603050405020304" pitchFamily="18" charset="0"/>
+              </a:rPr>
+              <a:t>Secure the web service</a:t>
+            </a:r>
+            <a:r>
+              <a:rPr lang="en-US" dirty="0">
+                <a:latin typeface="Times New Roman" panose="02020603050405020304" pitchFamily="18" charset="0"/>
+                <a:cs typeface="Times New Roman" panose="02020603050405020304" pitchFamily="18" charset="0"/>
+              </a:rPr>
+              <a:t>: Configure the web service to use HTTPS for secure transmission of data over the network, using a self-signed certificate.</a:t>
+            </a:r>
+          </a:p>
+          <a:p>
+            <a:pPr marL="285750" indent="-285750" algn="l">
+              <a:lnSpc>
+                <a:spcPct val="150000"/>
+              </a:lnSpc>
+              <a:buFont typeface="Wingdings" panose="05000000000000000000" pitchFamily="2" charset="2"/>
+              <a:buChar char="Ø"/>
+            </a:pPr>
+            <a:r>
+              <a:rPr lang="en-US" b="1" dirty="0">
+                <a:latin typeface="Times New Roman" panose="02020603050405020304" pitchFamily="18" charset="0"/>
+                <a:cs typeface="Times New Roman" panose="02020603050405020304" pitchFamily="18" charset="0"/>
+              </a:rPr>
+              <a:t>Test the web service</a:t>
+            </a:r>
+            <a:r>
+              <a:rPr lang="en-US" dirty="0">
+                <a:latin typeface="Times New Roman" panose="02020603050405020304" pitchFamily="18" charset="0"/>
+                <a:cs typeface="Times New Roman" panose="02020603050405020304" pitchFamily="18" charset="0"/>
+              </a:rPr>
+              <a:t>: Use a testing framework such as JUnit to test the functionality of the web service, including testing for invalid </a:t>
+            </a:r>
+            <a:r>
+              <a:rPr lang="en-US" dirty="0" err="1">
+                <a:latin typeface="Times New Roman" panose="02020603050405020304" pitchFamily="18" charset="0"/>
+                <a:cs typeface="Times New Roman" panose="02020603050405020304" pitchFamily="18" charset="0"/>
+              </a:rPr>
+              <a:t>EmployeeID</a:t>
+            </a:r>
+            <a:r>
+              <a:rPr lang="en-US" dirty="0">
+                <a:latin typeface="Times New Roman" panose="02020603050405020304" pitchFamily="18" charset="0"/>
+                <a:cs typeface="Times New Roman" panose="02020603050405020304" pitchFamily="18" charset="0"/>
+              </a:rPr>
+              <a:t> input and encrypted/decrypted </a:t>
+            </a:r>
+            <a:r>
+              <a:rPr lang="en-US" dirty="0" err="1">
+                <a:latin typeface="Times New Roman" panose="02020603050405020304" pitchFamily="18" charset="0"/>
+                <a:cs typeface="Times New Roman" panose="02020603050405020304" pitchFamily="18" charset="0"/>
+              </a:rPr>
+              <a:t>DateOfBirth</a:t>
+            </a:r>
+            <a:r>
+              <a:rPr lang="en-US" dirty="0">
+                <a:latin typeface="Times New Roman" panose="02020603050405020304" pitchFamily="18" charset="0"/>
+                <a:cs typeface="Times New Roman" panose="02020603050405020304" pitchFamily="18" charset="0"/>
+              </a:rPr>
+              <a:t> data.</a:t>
+            </a:r>
+          </a:p>
+          <a:p>
+            <a:pPr marL="285750" indent="-285750" algn="l">
+              <a:lnSpc>
+                <a:spcPct val="150000"/>
+              </a:lnSpc>
+              <a:buFont typeface="Wingdings" panose="05000000000000000000" pitchFamily="2" charset="2"/>
+              <a:buChar char="Ø"/>
+            </a:pPr>
+            <a:r>
+              <a:rPr lang="en-US" b="1" dirty="0">
+                <a:latin typeface="Times New Roman" panose="02020603050405020304" pitchFamily="18" charset="0"/>
+                <a:cs typeface="Times New Roman" panose="02020603050405020304" pitchFamily="18" charset="0"/>
+              </a:rPr>
+              <a:t>Deploy the web service</a:t>
+            </a:r>
+            <a:r>
+              <a:rPr lang="en-US" dirty="0">
+                <a:latin typeface="Times New Roman" panose="02020603050405020304" pitchFamily="18" charset="0"/>
+                <a:cs typeface="Times New Roman" panose="02020603050405020304" pitchFamily="18" charset="0"/>
+              </a:rPr>
+              <a:t>: Containerize the web service using Docker and deploy it on a Kubernetes cluster, using Jenkins for continuous integration and deployment.</a:t>
+            </a:r>
+          </a:p>
+          <a:p>
+            <a:pPr algn="l">
+              <a:lnSpc>
+                <a:spcPct val="150000"/>
+              </a:lnSpc>
+            </a:pPr>
+            <a:endParaRPr lang="en-US" dirty="0">
+              <a:latin typeface="Times New Roman" panose="02020603050405020304" pitchFamily="18" charset="0"/>
+              <a:cs typeface="Times New Roman" panose="02020603050405020304" pitchFamily="18" charset="0"/>
+            </a:endParaRPr>
+          </a:p>
+          <a:p>
+            <a:pPr>
+              <a:lnSpc>
+                <a:spcPct val="150000"/>
+              </a:lnSpc>
+            </a:pPr>
+            <a:r>
+              <a:rPr lang="en-US" dirty="0">
+                <a:latin typeface="Times New Roman" panose="02020603050405020304" pitchFamily="18" charset="0"/>
+                <a:cs typeface="Times New Roman" panose="02020603050405020304" pitchFamily="18" charset="0"/>
+              </a:rPr>
+              <a:t>Backend development for the project requires a strong understanding of Java programming, Spring Boot, and database management. It also requires knowledge of encryption, logging, and secure communication protocols.</a:t>
+            </a:r>
+          </a:p>
+        </p:txBody>
+      </p:sp>
+    </p:spTree>
+    <p:extLst>
+      <p:ext uri="{BB962C8B-B14F-4D97-AF65-F5344CB8AC3E}">
+        <p14:creationId xmlns:p14="http://schemas.microsoft.com/office/powerpoint/2010/main" val="4124300850"/>
       </p:ext>
     </p:extLst>
   </p:cSld>
@@ -5057,7 +7637,7 @@
         <p:spPr>
           <a:xfrm>
             <a:off x="697940" y="1503679"/>
-            <a:ext cx="10061497" cy="4265783"/>
+            <a:ext cx="10061497" cy="3711785"/>
           </a:xfrm>
           <a:prstGeom prst="rect">
             <a:avLst/>
@@ -5145,7 +7725,7 @@
               <a:rPr lang="en-IN" b="1" dirty="0">
                 <a:latin typeface="Times New Roman" panose="02020603050405020304" pitchFamily="18" charset="0"/>
               </a:rPr>
-              <a:t>Architecture Design </a:t>
+              <a:t>Architecture Design  </a:t>
             </a:r>
           </a:p>
           <a:p>
@@ -5158,33 +7738,7 @@
               <a:rPr lang="en-IN" b="1" dirty="0">
                 <a:latin typeface="Times New Roman" panose="02020603050405020304" pitchFamily="18" charset="0"/>
               </a:rPr>
-              <a:t>User Interface Design </a:t>
-            </a:r>
-          </a:p>
-          <a:p>
-            <a:pPr marL="342900" lvl="0" indent="-342900">
-              <a:buSzPts val="1400"/>
-              <a:buFont typeface="+mj-lt"/>
-              <a:buAutoNum type="arabicPeriod"/>
-            </a:pPr>
-            <a:r>
-              <a:rPr lang="en-IN" b="1" dirty="0">
-                <a:latin typeface="Times New Roman" panose="02020603050405020304" pitchFamily="18" charset="0"/>
-              </a:rPr>
               <a:t>Back-end Development </a:t>
-            </a:r>
-          </a:p>
-          <a:p>
-            <a:pPr marL="342900" lvl="0" indent="-342900">
-              <a:buSzPts val="1400"/>
-              <a:buFont typeface="+mj-lt"/>
-              <a:buAutoNum type="arabicPeriod"/>
-            </a:pPr>
-            <a:r>
-              <a:rPr lang="en-IN" b="1" dirty="0">
-                <a:latin typeface="Times New Roman" panose="02020603050405020304" pitchFamily="18" charset="0"/>
-              </a:rPr>
-              <a:t>Front-end Development</a:t>
             </a:r>
           </a:p>
           <a:p>
@@ -5285,6 +7839,3035 @@
     <p:extLst>
       <p:ext uri="{BB962C8B-B14F-4D97-AF65-F5344CB8AC3E}">
         <p14:creationId xmlns:p14="http://schemas.microsoft.com/office/powerpoint/2010/main" val="2907023693"/>
+      </p:ext>
+    </p:extLst>
+  </p:cSld>
+  <p:clrMapOvr>
+    <a:masterClrMapping/>
+  </p:clrMapOvr>
+</p:sld>
+</file>
+
+<file path=ppt/slides/slide20.xml><?xml version="1.0" encoding="utf-8"?>
+<p:sld xmlns:a="http://schemas.openxmlformats.org/drawingml/2006/main" xmlns:r="http://schemas.openxmlformats.org/officeDocument/2006/relationships" xmlns:p="http://schemas.openxmlformats.org/presentationml/2006/main">
+  <p:cSld>
+    <p:spTree>
+      <p:nvGrpSpPr>
+        <p:cNvPr id="1" name=""/>
+        <p:cNvGrpSpPr/>
+        <p:nvPr/>
+      </p:nvGrpSpPr>
+      <p:grpSpPr>
+        <a:xfrm>
+          <a:off x="0" y="0"/>
+          <a:ext cx="0" cy="0"/>
+          <a:chOff x="0" y="0"/>
+          <a:chExt cx="0" cy="0"/>
+        </a:xfrm>
+      </p:grpSpPr>
+      <p:pic>
+        <p:nvPicPr>
+          <p:cNvPr id="4" name="Picture 3">
+            <a:extLst>
+              <a:ext uri="{FF2B5EF4-FFF2-40B4-BE49-F238E27FC236}">
+                <a16:creationId xmlns:a16="http://schemas.microsoft.com/office/drawing/2014/main" id="{3893C3C6-E6B4-0EAA-6168-B66B664B265B}"/>
+              </a:ext>
+            </a:extLst>
+          </p:cNvPr>
+          <p:cNvPicPr>
+            <a:picLocks noGrp="1" noRot="1" noChangeAspect="1" noMove="1" noResize="1" noEditPoints="1" noAdjustHandles="1" noChangeArrowheads="1" noChangeShapeType="1" noCrop="1"/>
+          </p:cNvPicPr>
+          <p:nvPr/>
+        </p:nvPicPr>
+        <p:blipFill>
+          <a:blip r:embed="rId2" cstate="email">
+            <a:extLst>
+              <a:ext uri="{28A0092B-C50C-407E-A947-70E740481C1C}">
+                <a14:useLocalDpi xmlns:a14="http://schemas.microsoft.com/office/drawing/2010/main"/>
+              </a:ext>
+            </a:extLst>
+          </a:blip>
+          <a:stretch>
+            <a:fillRect/>
+          </a:stretch>
+        </p:blipFill>
+        <p:spPr>
+          <a:xfrm flipH="1">
+            <a:off x="0" y="-20320"/>
+            <a:ext cx="12192000" cy="6858000"/>
+          </a:xfrm>
+          <a:prstGeom prst="rect">
+            <a:avLst/>
+          </a:prstGeom>
+        </p:spPr>
+      </p:pic>
+      <p:cxnSp>
+        <p:nvCxnSpPr>
+          <p:cNvPr id="5" name="Straight Connector 4">
+            <a:extLst>
+              <a:ext uri="{FF2B5EF4-FFF2-40B4-BE49-F238E27FC236}">
+                <a16:creationId xmlns:a16="http://schemas.microsoft.com/office/drawing/2014/main" id="{6317BEF4-F659-05B0-B884-5FBC9950BC38}"/>
+              </a:ext>
+            </a:extLst>
+          </p:cNvPr>
+          <p:cNvCxnSpPr>
+            <a:cxnSpLocks/>
+          </p:cNvCxnSpPr>
+          <p:nvPr/>
+        </p:nvCxnSpPr>
+        <p:spPr>
+          <a:xfrm>
+            <a:off x="2404113" y="383848"/>
+            <a:ext cx="0" cy="429893"/>
+          </a:xfrm>
+          <a:prstGeom prst="line">
+            <a:avLst/>
+          </a:prstGeom>
+          <a:ln w="12700">
+            <a:solidFill>
+              <a:srgbClr val="DD4F22"/>
+            </a:solidFill>
+          </a:ln>
+        </p:spPr>
+        <p:style>
+          <a:lnRef idx="1">
+            <a:schemeClr val="accent1"/>
+          </a:lnRef>
+          <a:fillRef idx="0">
+            <a:schemeClr val="accent1"/>
+          </a:fillRef>
+          <a:effectRef idx="0">
+            <a:schemeClr val="accent1"/>
+          </a:effectRef>
+          <a:fontRef idx="minor">
+            <a:schemeClr val="tx1"/>
+          </a:fontRef>
+        </p:style>
+      </p:cxnSp>
+      <p:pic>
+        <p:nvPicPr>
+          <p:cNvPr id="6" name="Picture 5">
+            <a:extLst>
+              <a:ext uri="{FF2B5EF4-FFF2-40B4-BE49-F238E27FC236}">
+                <a16:creationId xmlns:a16="http://schemas.microsoft.com/office/drawing/2014/main" id="{4C8E9BB0-02EA-460A-EDCE-9CB013DFF909}"/>
+              </a:ext>
+            </a:extLst>
+          </p:cNvPr>
+          <p:cNvPicPr>
+            <a:picLocks noGrp="1" noRot="1" noChangeAspect="1" noMove="1" noResize="1" noEditPoints="1" noAdjustHandles="1" noChangeArrowheads="1" noChangeShapeType="1" noCrop="1"/>
+          </p:cNvPicPr>
+          <p:nvPr/>
+        </p:nvPicPr>
+        <p:blipFill>
+          <a:blip r:embed="rId3">
+            <a:extLst>
+              <a:ext uri="{28A0092B-C50C-407E-A947-70E740481C1C}">
+                <a14:useLocalDpi xmlns:a14="http://schemas.microsoft.com/office/drawing/2010/main" val="0"/>
+              </a:ext>
+            </a:extLst>
+          </a:blip>
+          <a:srcRect/>
+          <a:stretch/>
+        </p:blipFill>
+        <p:spPr>
+          <a:xfrm>
+            <a:off x="217505" y="338023"/>
+            <a:ext cx="1963465" cy="521544"/>
+          </a:xfrm>
+          <a:prstGeom prst="rect">
+            <a:avLst/>
+          </a:prstGeom>
+        </p:spPr>
+      </p:pic>
+      <p:sp>
+        <p:nvSpPr>
+          <p:cNvPr id="8" name="TextBox 7">
+            <a:extLst>
+              <a:ext uri="{FF2B5EF4-FFF2-40B4-BE49-F238E27FC236}">
+                <a16:creationId xmlns:a16="http://schemas.microsoft.com/office/drawing/2014/main" id="{83A5D50A-7BF5-47B2-27E6-96AA33171B2B}"/>
+              </a:ext>
+            </a:extLst>
+          </p:cNvPr>
+          <p:cNvSpPr txBox="1">
+            <a:spLocks noGrp="1" noRot="1" noMove="1" noResize="1" noEditPoints="1" noAdjustHandles="1" noChangeArrowheads="1" noChangeShapeType="1"/>
+          </p:cNvSpPr>
+          <p:nvPr/>
+        </p:nvSpPr>
+        <p:spPr>
+          <a:xfrm>
+            <a:off x="2499360" y="383848"/>
+            <a:ext cx="8818879" cy="483017"/>
+          </a:xfrm>
+          <a:prstGeom prst="rect">
+            <a:avLst/>
+          </a:prstGeom>
+          <a:solidFill>
+            <a:srgbClr val="FF6709"/>
+          </a:solidFill>
+        </p:spPr>
+        <p:txBody>
+          <a:bodyPr wrap="square" rtlCol="0">
+            <a:spAutoFit/>
+          </a:bodyPr>
+          <a:lstStyle/>
+          <a:p>
+            <a:pPr>
+              <a:lnSpc>
+                <a:spcPct val="115000"/>
+              </a:lnSpc>
+            </a:pPr>
+            <a:r>
+              <a:rPr lang="en-IN" sz="2400" b="1" dirty="0">
+                <a:solidFill>
+                  <a:schemeClr val="bg1"/>
+                </a:solidFill>
+                <a:latin typeface="Times New Roman" panose="02020603050405020304" pitchFamily="18" charset="0"/>
+              </a:rPr>
+              <a:t>Testing</a:t>
+            </a:r>
+          </a:p>
+        </p:txBody>
+      </p:sp>
+      <p:sp>
+        <p:nvSpPr>
+          <p:cNvPr id="7" name="TextBox 6">
+            <a:extLst>
+              <a:ext uri="{FF2B5EF4-FFF2-40B4-BE49-F238E27FC236}">
+                <a16:creationId xmlns:a16="http://schemas.microsoft.com/office/drawing/2014/main" id="{7A00B694-CE8C-1B3C-6470-234A7FE34C41}"/>
+              </a:ext>
+            </a:extLst>
+          </p:cNvPr>
+          <p:cNvSpPr txBox="1"/>
+          <p:nvPr/>
+        </p:nvSpPr>
+        <p:spPr>
+          <a:xfrm>
+            <a:off x="580390" y="1368897"/>
+            <a:ext cx="11031220" cy="400110"/>
+          </a:xfrm>
+          <a:prstGeom prst="rect">
+            <a:avLst/>
+          </a:prstGeom>
+          <a:noFill/>
+        </p:spPr>
+        <p:txBody>
+          <a:bodyPr wrap="square">
+            <a:spAutoFit/>
+          </a:bodyPr>
+          <a:lstStyle/>
+          <a:p>
+            <a:pPr algn="l"/>
+            <a:r>
+              <a:rPr lang="en-US" sz="2000" b="1" dirty="0">
+                <a:latin typeface="Times New Roman" panose="02020603050405020304" pitchFamily="18" charset="0"/>
+                <a:cs typeface="Times New Roman" panose="02020603050405020304" pitchFamily="18" charset="0"/>
+              </a:rPr>
+              <a:t>Unit testing</a:t>
+            </a:r>
+          </a:p>
+        </p:txBody>
+      </p:sp>
+      <p:pic>
+        <p:nvPicPr>
+          <p:cNvPr id="3" name="Picture 2">
+            <a:extLst>
+              <a:ext uri="{FF2B5EF4-FFF2-40B4-BE49-F238E27FC236}">
+                <a16:creationId xmlns:a16="http://schemas.microsoft.com/office/drawing/2014/main" id="{491EA7F1-D90A-C96B-3A2E-BA4BE4320084}"/>
+              </a:ext>
+            </a:extLst>
+          </p:cNvPr>
+          <p:cNvPicPr>
+            <a:picLocks noChangeAspect="1"/>
+          </p:cNvPicPr>
+          <p:nvPr/>
+        </p:nvPicPr>
+        <p:blipFill>
+          <a:blip r:embed="rId4"/>
+          <a:stretch>
+            <a:fillRect/>
+          </a:stretch>
+        </p:blipFill>
+        <p:spPr>
+          <a:xfrm>
+            <a:off x="972153" y="2202958"/>
+            <a:ext cx="9456095" cy="4345102"/>
+          </a:xfrm>
+          <a:prstGeom prst="rect">
+            <a:avLst/>
+          </a:prstGeom>
+        </p:spPr>
+      </p:pic>
+    </p:spTree>
+    <p:extLst>
+      <p:ext uri="{BB962C8B-B14F-4D97-AF65-F5344CB8AC3E}">
+        <p14:creationId xmlns:p14="http://schemas.microsoft.com/office/powerpoint/2010/main" val="3984528251"/>
+      </p:ext>
+    </p:extLst>
+  </p:cSld>
+  <p:clrMapOvr>
+    <a:masterClrMapping/>
+  </p:clrMapOvr>
+</p:sld>
+</file>
+
+<file path=ppt/slides/slide21.xml><?xml version="1.0" encoding="utf-8"?>
+<p:sld xmlns:a="http://schemas.openxmlformats.org/drawingml/2006/main" xmlns:r="http://schemas.openxmlformats.org/officeDocument/2006/relationships" xmlns:p="http://schemas.openxmlformats.org/presentationml/2006/main">
+  <p:cSld>
+    <p:spTree>
+      <p:nvGrpSpPr>
+        <p:cNvPr id="1" name=""/>
+        <p:cNvGrpSpPr/>
+        <p:nvPr/>
+      </p:nvGrpSpPr>
+      <p:grpSpPr>
+        <a:xfrm>
+          <a:off x="0" y="0"/>
+          <a:ext cx="0" cy="0"/>
+          <a:chOff x="0" y="0"/>
+          <a:chExt cx="0" cy="0"/>
+        </a:xfrm>
+      </p:grpSpPr>
+      <p:pic>
+        <p:nvPicPr>
+          <p:cNvPr id="4" name="Picture 3">
+            <a:extLst>
+              <a:ext uri="{FF2B5EF4-FFF2-40B4-BE49-F238E27FC236}">
+                <a16:creationId xmlns:a16="http://schemas.microsoft.com/office/drawing/2014/main" id="{3893C3C6-E6B4-0EAA-6168-B66B664B265B}"/>
+              </a:ext>
+            </a:extLst>
+          </p:cNvPr>
+          <p:cNvPicPr>
+            <a:picLocks noGrp="1" noRot="1" noChangeAspect="1" noMove="1" noResize="1" noEditPoints="1" noAdjustHandles="1" noChangeArrowheads="1" noChangeShapeType="1" noCrop="1"/>
+          </p:cNvPicPr>
+          <p:nvPr/>
+        </p:nvPicPr>
+        <p:blipFill>
+          <a:blip r:embed="rId2" cstate="email">
+            <a:extLst>
+              <a:ext uri="{28A0092B-C50C-407E-A947-70E740481C1C}">
+                <a14:useLocalDpi xmlns:a14="http://schemas.microsoft.com/office/drawing/2010/main"/>
+              </a:ext>
+            </a:extLst>
+          </a:blip>
+          <a:stretch>
+            <a:fillRect/>
+          </a:stretch>
+        </p:blipFill>
+        <p:spPr>
+          <a:xfrm flipH="1">
+            <a:off x="0" y="-20320"/>
+            <a:ext cx="12192000" cy="6858000"/>
+          </a:xfrm>
+          <a:prstGeom prst="rect">
+            <a:avLst/>
+          </a:prstGeom>
+        </p:spPr>
+      </p:pic>
+      <p:cxnSp>
+        <p:nvCxnSpPr>
+          <p:cNvPr id="5" name="Straight Connector 4">
+            <a:extLst>
+              <a:ext uri="{FF2B5EF4-FFF2-40B4-BE49-F238E27FC236}">
+                <a16:creationId xmlns:a16="http://schemas.microsoft.com/office/drawing/2014/main" id="{6317BEF4-F659-05B0-B884-5FBC9950BC38}"/>
+              </a:ext>
+            </a:extLst>
+          </p:cNvPr>
+          <p:cNvCxnSpPr>
+            <a:cxnSpLocks/>
+          </p:cNvCxnSpPr>
+          <p:nvPr/>
+        </p:nvCxnSpPr>
+        <p:spPr>
+          <a:xfrm>
+            <a:off x="2404113" y="383848"/>
+            <a:ext cx="0" cy="429893"/>
+          </a:xfrm>
+          <a:prstGeom prst="line">
+            <a:avLst/>
+          </a:prstGeom>
+          <a:ln w="12700">
+            <a:solidFill>
+              <a:srgbClr val="DD4F22"/>
+            </a:solidFill>
+          </a:ln>
+        </p:spPr>
+        <p:style>
+          <a:lnRef idx="1">
+            <a:schemeClr val="accent1"/>
+          </a:lnRef>
+          <a:fillRef idx="0">
+            <a:schemeClr val="accent1"/>
+          </a:fillRef>
+          <a:effectRef idx="0">
+            <a:schemeClr val="accent1"/>
+          </a:effectRef>
+          <a:fontRef idx="minor">
+            <a:schemeClr val="tx1"/>
+          </a:fontRef>
+        </p:style>
+      </p:cxnSp>
+      <p:pic>
+        <p:nvPicPr>
+          <p:cNvPr id="6" name="Picture 5">
+            <a:extLst>
+              <a:ext uri="{FF2B5EF4-FFF2-40B4-BE49-F238E27FC236}">
+                <a16:creationId xmlns:a16="http://schemas.microsoft.com/office/drawing/2014/main" id="{4C8E9BB0-02EA-460A-EDCE-9CB013DFF909}"/>
+              </a:ext>
+            </a:extLst>
+          </p:cNvPr>
+          <p:cNvPicPr>
+            <a:picLocks noGrp="1" noRot="1" noChangeAspect="1" noMove="1" noResize="1" noEditPoints="1" noAdjustHandles="1" noChangeArrowheads="1" noChangeShapeType="1" noCrop="1"/>
+          </p:cNvPicPr>
+          <p:nvPr/>
+        </p:nvPicPr>
+        <p:blipFill>
+          <a:blip r:embed="rId3">
+            <a:extLst>
+              <a:ext uri="{28A0092B-C50C-407E-A947-70E740481C1C}">
+                <a14:useLocalDpi xmlns:a14="http://schemas.microsoft.com/office/drawing/2010/main" val="0"/>
+              </a:ext>
+            </a:extLst>
+          </a:blip>
+          <a:srcRect/>
+          <a:stretch/>
+        </p:blipFill>
+        <p:spPr>
+          <a:xfrm>
+            <a:off x="217505" y="338023"/>
+            <a:ext cx="1963465" cy="521544"/>
+          </a:xfrm>
+          <a:prstGeom prst="rect">
+            <a:avLst/>
+          </a:prstGeom>
+        </p:spPr>
+      </p:pic>
+      <p:sp>
+        <p:nvSpPr>
+          <p:cNvPr id="8" name="TextBox 7">
+            <a:extLst>
+              <a:ext uri="{FF2B5EF4-FFF2-40B4-BE49-F238E27FC236}">
+                <a16:creationId xmlns:a16="http://schemas.microsoft.com/office/drawing/2014/main" id="{83A5D50A-7BF5-47B2-27E6-96AA33171B2B}"/>
+              </a:ext>
+            </a:extLst>
+          </p:cNvPr>
+          <p:cNvSpPr txBox="1">
+            <a:spLocks noGrp="1" noRot="1" noMove="1" noResize="1" noEditPoints="1" noAdjustHandles="1" noChangeArrowheads="1" noChangeShapeType="1"/>
+          </p:cNvSpPr>
+          <p:nvPr/>
+        </p:nvSpPr>
+        <p:spPr>
+          <a:xfrm>
+            <a:off x="2499360" y="383848"/>
+            <a:ext cx="8818879" cy="483017"/>
+          </a:xfrm>
+          <a:prstGeom prst="rect">
+            <a:avLst/>
+          </a:prstGeom>
+          <a:solidFill>
+            <a:srgbClr val="FF6709"/>
+          </a:solidFill>
+        </p:spPr>
+        <p:txBody>
+          <a:bodyPr wrap="square" rtlCol="0">
+            <a:spAutoFit/>
+          </a:bodyPr>
+          <a:lstStyle/>
+          <a:p>
+            <a:pPr>
+              <a:lnSpc>
+                <a:spcPct val="115000"/>
+              </a:lnSpc>
+            </a:pPr>
+            <a:r>
+              <a:rPr lang="en-IN" sz="2400" b="1" dirty="0">
+                <a:solidFill>
+                  <a:schemeClr val="bg1"/>
+                </a:solidFill>
+                <a:latin typeface="Times New Roman" panose="02020603050405020304" pitchFamily="18" charset="0"/>
+              </a:rPr>
+              <a:t>Testing</a:t>
+            </a:r>
+          </a:p>
+        </p:txBody>
+      </p:sp>
+      <p:sp>
+        <p:nvSpPr>
+          <p:cNvPr id="7" name="TextBox 6">
+            <a:extLst>
+              <a:ext uri="{FF2B5EF4-FFF2-40B4-BE49-F238E27FC236}">
+                <a16:creationId xmlns:a16="http://schemas.microsoft.com/office/drawing/2014/main" id="{7A00B694-CE8C-1B3C-6470-234A7FE34C41}"/>
+              </a:ext>
+            </a:extLst>
+          </p:cNvPr>
+          <p:cNvSpPr txBox="1"/>
+          <p:nvPr/>
+        </p:nvSpPr>
+        <p:spPr>
+          <a:xfrm>
+            <a:off x="490220" y="1349647"/>
+            <a:ext cx="5026660" cy="416204"/>
+          </a:xfrm>
+          <a:prstGeom prst="rect">
+            <a:avLst/>
+          </a:prstGeom>
+          <a:noFill/>
+        </p:spPr>
+        <p:txBody>
+          <a:bodyPr wrap="square">
+            <a:spAutoFit/>
+          </a:bodyPr>
+          <a:lstStyle/>
+          <a:p>
+            <a:pPr algn="just">
+              <a:lnSpc>
+                <a:spcPct val="115000"/>
+              </a:lnSpc>
+            </a:pPr>
+            <a:r>
+              <a:rPr lang="en-US" sz="2000" b="1" dirty="0">
+                <a:latin typeface="Times New Roman" panose="02020603050405020304" pitchFamily="18" charset="0"/>
+                <a:ea typeface="Arial" panose="020B0604020202020204" pitchFamily="34" charset="0"/>
+                <a:cs typeface="Times New Roman" panose="02020603050405020304" pitchFamily="18" charset="0"/>
+              </a:rPr>
+              <a:t>API Testing for employee web service </a:t>
+            </a:r>
+            <a:endParaRPr lang="en-IN" sz="2000" b="1" dirty="0">
+              <a:effectLst/>
+              <a:latin typeface="Times New Roman" panose="02020603050405020304" pitchFamily="18" charset="0"/>
+              <a:ea typeface="Arial" panose="020B0604020202020204" pitchFamily="34" charset="0"/>
+              <a:cs typeface="Times New Roman" panose="02020603050405020304" pitchFamily="18" charset="0"/>
+            </a:endParaRPr>
+          </a:p>
+        </p:txBody>
+      </p:sp>
+      <p:pic>
+        <p:nvPicPr>
+          <p:cNvPr id="3" name="Picture 2">
+            <a:extLst>
+              <a:ext uri="{FF2B5EF4-FFF2-40B4-BE49-F238E27FC236}">
+                <a16:creationId xmlns:a16="http://schemas.microsoft.com/office/drawing/2014/main" id="{A57761BB-DE8C-43D2-3EFA-0DB063969271}"/>
+              </a:ext>
+            </a:extLst>
+          </p:cNvPr>
+          <p:cNvPicPr>
+            <a:picLocks noChangeAspect="1"/>
+          </p:cNvPicPr>
+          <p:nvPr/>
+        </p:nvPicPr>
+        <p:blipFill>
+          <a:blip r:embed="rId4"/>
+          <a:stretch>
+            <a:fillRect/>
+          </a:stretch>
+        </p:blipFill>
+        <p:spPr>
+          <a:xfrm>
+            <a:off x="502117" y="1968503"/>
+            <a:ext cx="10574956" cy="4719804"/>
+          </a:xfrm>
+          <a:prstGeom prst="rect">
+            <a:avLst/>
+          </a:prstGeom>
+        </p:spPr>
+      </p:pic>
+    </p:spTree>
+    <p:extLst>
+      <p:ext uri="{BB962C8B-B14F-4D97-AF65-F5344CB8AC3E}">
+        <p14:creationId xmlns:p14="http://schemas.microsoft.com/office/powerpoint/2010/main" val="3480206746"/>
+      </p:ext>
+    </p:extLst>
+  </p:cSld>
+  <p:clrMapOvr>
+    <a:masterClrMapping/>
+  </p:clrMapOvr>
+</p:sld>
+</file>
+
+<file path=ppt/slides/slide22.xml><?xml version="1.0" encoding="utf-8"?>
+<p:sld xmlns:a="http://schemas.openxmlformats.org/drawingml/2006/main" xmlns:r="http://schemas.openxmlformats.org/officeDocument/2006/relationships" xmlns:p="http://schemas.openxmlformats.org/presentationml/2006/main">
+  <p:cSld>
+    <p:spTree>
+      <p:nvGrpSpPr>
+        <p:cNvPr id="1" name=""/>
+        <p:cNvGrpSpPr/>
+        <p:nvPr/>
+      </p:nvGrpSpPr>
+      <p:grpSpPr>
+        <a:xfrm>
+          <a:off x="0" y="0"/>
+          <a:ext cx="0" cy="0"/>
+          <a:chOff x="0" y="0"/>
+          <a:chExt cx="0" cy="0"/>
+        </a:xfrm>
+      </p:grpSpPr>
+      <p:pic>
+        <p:nvPicPr>
+          <p:cNvPr id="4" name="Picture 3">
+            <a:extLst>
+              <a:ext uri="{FF2B5EF4-FFF2-40B4-BE49-F238E27FC236}">
+                <a16:creationId xmlns:a16="http://schemas.microsoft.com/office/drawing/2014/main" id="{3893C3C6-E6B4-0EAA-6168-B66B664B265B}"/>
+              </a:ext>
+            </a:extLst>
+          </p:cNvPr>
+          <p:cNvPicPr>
+            <a:picLocks noGrp="1" noRot="1" noChangeAspect="1" noMove="1" noResize="1" noEditPoints="1" noAdjustHandles="1" noChangeArrowheads="1" noChangeShapeType="1" noCrop="1"/>
+          </p:cNvPicPr>
+          <p:nvPr/>
+        </p:nvPicPr>
+        <p:blipFill>
+          <a:blip r:embed="rId2" cstate="email">
+            <a:extLst>
+              <a:ext uri="{28A0092B-C50C-407E-A947-70E740481C1C}">
+                <a14:useLocalDpi xmlns:a14="http://schemas.microsoft.com/office/drawing/2010/main"/>
+              </a:ext>
+            </a:extLst>
+          </a:blip>
+          <a:stretch>
+            <a:fillRect/>
+          </a:stretch>
+        </p:blipFill>
+        <p:spPr>
+          <a:xfrm flipH="1">
+            <a:off x="0" y="-20320"/>
+            <a:ext cx="12192000" cy="6858000"/>
+          </a:xfrm>
+          <a:prstGeom prst="rect">
+            <a:avLst/>
+          </a:prstGeom>
+        </p:spPr>
+      </p:pic>
+      <p:cxnSp>
+        <p:nvCxnSpPr>
+          <p:cNvPr id="5" name="Straight Connector 4">
+            <a:extLst>
+              <a:ext uri="{FF2B5EF4-FFF2-40B4-BE49-F238E27FC236}">
+                <a16:creationId xmlns:a16="http://schemas.microsoft.com/office/drawing/2014/main" id="{6317BEF4-F659-05B0-B884-5FBC9950BC38}"/>
+              </a:ext>
+            </a:extLst>
+          </p:cNvPr>
+          <p:cNvCxnSpPr>
+            <a:cxnSpLocks/>
+          </p:cNvCxnSpPr>
+          <p:nvPr/>
+        </p:nvCxnSpPr>
+        <p:spPr>
+          <a:xfrm>
+            <a:off x="2404113" y="383848"/>
+            <a:ext cx="0" cy="429893"/>
+          </a:xfrm>
+          <a:prstGeom prst="line">
+            <a:avLst/>
+          </a:prstGeom>
+          <a:ln w="12700">
+            <a:solidFill>
+              <a:srgbClr val="DD4F22"/>
+            </a:solidFill>
+          </a:ln>
+        </p:spPr>
+        <p:style>
+          <a:lnRef idx="1">
+            <a:schemeClr val="accent1"/>
+          </a:lnRef>
+          <a:fillRef idx="0">
+            <a:schemeClr val="accent1"/>
+          </a:fillRef>
+          <a:effectRef idx="0">
+            <a:schemeClr val="accent1"/>
+          </a:effectRef>
+          <a:fontRef idx="minor">
+            <a:schemeClr val="tx1"/>
+          </a:fontRef>
+        </p:style>
+      </p:cxnSp>
+      <p:pic>
+        <p:nvPicPr>
+          <p:cNvPr id="6" name="Picture 5">
+            <a:extLst>
+              <a:ext uri="{FF2B5EF4-FFF2-40B4-BE49-F238E27FC236}">
+                <a16:creationId xmlns:a16="http://schemas.microsoft.com/office/drawing/2014/main" id="{4C8E9BB0-02EA-460A-EDCE-9CB013DFF909}"/>
+              </a:ext>
+            </a:extLst>
+          </p:cNvPr>
+          <p:cNvPicPr>
+            <a:picLocks noGrp="1" noRot="1" noChangeAspect="1" noMove="1" noResize="1" noEditPoints="1" noAdjustHandles="1" noChangeArrowheads="1" noChangeShapeType="1" noCrop="1"/>
+          </p:cNvPicPr>
+          <p:nvPr/>
+        </p:nvPicPr>
+        <p:blipFill>
+          <a:blip r:embed="rId3">
+            <a:extLst>
+              <a:ext uri="{28A0092B-C50C-407E-A947-70E740481C1C}">
+                <a14:useLocalDpi xmlns:a14="http://schemas.microsoft.com/office/drawing/2010/main" val="0"/>
+              </a:ext>
+            </a:extLst>
+          </a:blip>
+          <a:srcRect/>
+          <a:stretch/>
+        </p:blipFill>
+        <p:spPr>
+          <a:xfrm>
+            <a:off x="217505" y="338023"/>
+            <a:ext cx="1963465" cy="521544"/>
+          </a:xfrm>
+          <a:prstGeom prst="rect">
+            <a:avLst/>
+          </a:prstGeom>
+        </p:spPr>
+      </p:pic>
+      <p:sp>
+        <p:nvSpPr>
+          <p:cNvPr id="8" name="TextBox 7">
+            <a:extLst>
+              <a:ext uri="{FF2B5EF4-FFF2-40B4-BE49-F238E27FC236}">
+                <a16:creationId xmlns:a16="http://schemas.microsoft.com/office/drawing/2014/main" id="{83A5D50A-7BF5-47B2-27E6-96AA33171B2B}"/>
+              </a:ext>
+            </a:extLst>
+          </p:cNvPr>
+          <p:cNvSpPr txBox="1">
+            <a:spLocks noGrp="1" noRot="1" noMove="1" noResize="1" noEditPoints="1" noAdjustHandles="1" noChangeArrowheads="1" noChangeShapeType="1"/>
+          </p:cNvSpPr>
+          <p:nvPr/>
+        </p:nvSpPr>
+        <p:spPr>
+          <a:xfrm>
+            <a:off x="2499360" y="383848"/>
+            <a:ext cx="8818879" cy="483017"/>
+          </a:xfrm>
+          <a:prstGeom prst="rect">
+            <a:avLst/>
+          </a:prstGeom>
+          <a:solidFill>
+            <a:srgbClr val="FF6709"/>
+          </a:solidFill>
+        </p:spPr>
+        <p:txBody>
+          <a:bodyPr wrap="square" rtlCol="0">
+            <a:spAutoFit/>
+          </a:bodyPr>
+          <a:lstStyle/>
+          <a:p>
+            <a:pPr>
+              <a:lnSpc>
+                <a:spcPct val="115000"/>
+              </a:lnSpc>
+            </a:pPr>
+            <a:r>
+              <a:rPr lang="en-IN" sz="2400" b="1" dirty="0">
+                <a:solidFill>
+                  <a:schemeClr val="bg1"/>
+                </a:solidFill>
+                <a:latin typeface="Times New Roman" panose="02020603050405020304" pitchFamily="18" charset="0"/>
+              </a:rPr>
+              <a:t>Testing</a:t>
+            </a:r>
+          </a:p>
+        </p:txBody>
+      </p:sp>
+      <p:sp>
+        <p:nvSpPr>
+          <p:cNvPr id="7" name="TextBox 6">
+            <a:extLst>
+              <a:ext uri="{FF2B5EF4-FFF2-40B4-BE49-F238E27FC236}">
+                <a16:creationId xmlns:a16="http://schemas.microsoft.com/office/drawing/2014/main" id="{7A00B694-CE8C-1B3C-6470-234A7FE34C41}"/>
+              </a:ext>
+            </a:extLst>
+          </p:cNvPr>
+          <p:cNvSpPr txBox="1"/>
+          <p:nvPr/>
+        </p:nvSpPr>
+        <p:spPr>
+          <a:xfrm>
+            <a:off x="490220" y="1349647"/>
+            <a:ext cx="5026660" cy="416204"/>
+          </a:xfrm>
+          <a:prstGeom prst="rect">
+            <a:avLst/>
+          </a:prstGeom>
+          <a:noFill/>
+        </p:spPr>
+        <p:txBody>
+          <a:bodyPr wrap="square">
+            <a:spAutoFit/>
+          </a:bodyPr>
+          <a:lstStyle/>
+          <a:p>
+            <a:pPr algn="just">
+              <a:lnSpc>
+                <a:spcPct val="115000"/>
+              </a:lnSpc>
+            </a:pPr>
+            <a:r>
+              <a:rPr lang="en-US" sz="2000" b="1" dirty="0">
+                <a:latin typeface="Times New Roman" panose="02020603050405020304" pitchFamily="18" charset="0"/>
+                <a:ea typeface="Arial" panose="020B0604020202020204" pitchFamily="34" charset="0"/>
+                <a:cs typeface="Times New Roman" panose="02020603050405020304" pitchFamily="18" charset="0"/>
+              </a:rPr>
+              <a:t>API Testing for client service</a:t>
+            </a:r>
+            <a:endParaRPr lang="en-IN" sz="2000" b="1" dirty="0">
+              <a:effectLst/>
+              <a:latin typeface="Times New Roman" panose="02020603050405020304" pitchFamily="18" charset="0"/>
+              <a:ea typeface="Arial" panose="020B0604020202020204" pitchFamily="34" charset="0"/>
+              <a:cs typeface="Times New Roman" panose="02020603050405020304" pitchFamily="18" charset="0"/>
+            </a:endParaRPr>
+          </a:p>
+        </p:txBody>
+      </p:sp>
+      <p:pic>
+        <p:nvPicPr>
+          <p:cNvPr id="9" name="Picture 8">
+            <a:extLst>
+              <a:ext uri="{FF2B5EF4-FFF2-40B4-BE49-F238E27FC236}">
+                <a16:creationId xmlns:a16="http://schemas.microsoft.com/office/drawing/2014/main" id="{B3C66A7B-33EE-4852-689A-AD19E80FAA4B}"/>
+              </a:ext>
+            </a:extLst>
+          </p:cNvPr>
+          <p:cNvPicPr>
+            <a:picLocks noChangeAspect="1"/>
+          </p:cNvPicPr>
+          <p:nvPr/>
+        </p:nvPicPr>
+        <p:blipFill>
+          <a:blip r:embed="rId4"/>
+          <a:stretch>
+            <a:fillRect/>
+          </a:stretch>
+        </p:blipFill>
+        <p:spPr>
+          <a:xfrm>
+            <a:off x="603183" y="2013437"/>
+            <a:ext cx="9827394" cy="4460715"/>
+          </a:xfrm>
+          <a:prstGeom prst="rect">
+            <a:avLst/>
+          </a:prstGeom>
+        </p:spPr>
+      </p:pic>
+    </p:spTree>
+    <p:extLst>
+      <p:ext uri="{BB962C8B-B14F-4D97-AF65-F5344CB8AC3E}">
+        <p14:creationId xmlns:p14="http://schemas.microsoft.com/office/powerpoint/2010/main" val="1418233810"/>
+      </p:ext>
+    </p:extLst>
+  </p:cSld>
+  <p:clrMapOvr>
+    <a:masterClrMapping/>
+  </p:clrMapOvr>
+</p:sld>
+</file>
+
+<file path=ppt/slides/slide23.xml><?xml version="1.0" encoding="utf-8"?>
+<p:sld xmlns:a="http://schemas.openxmlformats.org/drawingml/2006/main" xmlns:r="http://schemas.openxmlformats.org/officeDocument/2006/relationships" xmlns:p="http://schemas.openxmlformats.org/presentationml/2006/main">
+  <p:cSld>
+    <p:bg>
+      <p:bgRef idx="1001">
+        <a:schemeClr val="bg1"/>
+      </p:bgRef>
+    </p:bg>
+    <p:spTree>
+      <p:nvGrpSpPr>
+        <p:cNvPr id="1" name=""/>
+        <p:cNvGrpSpPr/>
+        <p:nvPr/>
+      </p:nvGrpSpPr>
+      <p:grpSpPr>
+        <a:xfrm>
+          <a:off x="0" y="0"/>
+          <a:ext cx="0" cy="0"/>
+          <a:chOff x="0" y="0"/>
+          <a:chExt cx="0" cy="0"/>
+        </a:xfrm>
+      </p:grpSpPr>
+      <p:pic>
+        <p:nvPicPr>
+          <p:cNvPr id="4" name="Picture 3">
+            <a:extLst>
+              <a:ext uri="{FF2B5EF4-FFF2-40B4-BE49-F238E27FC236}">
+                <a16:creationId xmlns:a16="http://schemas.microsoft.com/office/drawing/2014/main" id="{3893C3C6-E6B4-0EAA-6168-B66B664B265B}"/>
+              </a:ext>
+            </a:extLst>
+          </p:cNvPr>
+          <p:cNvPicPr>
+            <a:picLocks noGrp="1" noRot="1" noChangeAspect="1" noMove="1" noResize="1" noEditPoints="1" noAdjustHandles="1" noChangeArrowheads="1" noChangeShapeType="1" noCrop="1"/>
+          </p:cNvPicPr>
+          <p:nvPr/>
+        </p:nvPicPr>
+        <p:blipFill>
+          <a:blip r:embed="rId3" cstate="email">
+            <a:extLst>
+              <a:ext uri="{28A0092B-C50C-407E-A947-70E740481C1C}">
+                <a14:useLocalDpi xmlns:a14="http://schemas.microsoft.com/office/drawing/2010/main"/>
+              </a:ext>
+            </a:extLst>
+          </a:blip>
+          <a:stretch>
+            <a:fillRect/>
+          </a:stretch>
+        </p:blipFill>
+        <p:spPr>
+          <a:xfrm flipH="1">
+            <a:off x="0" y="0"/>
+            <a:ext cx="12192000" cy="6858000"/>
+          </a:xfrm>
+          <a:prstGeom prst="rect">
+            <a:avLst/>
+          </a:prstGeom>
+        </p:spPr>
+      </p:pic>
+      <p:cxnSp>
+        <p:nvCxnSpPr>
+          <p:cNvPr id="5" name="Straight Connector 4">
+            <a:extLst>
+              <a:ext uri="{FF2B5EF4-FFF2-40B4-BE49-F238E27FC236}">
+                <a16:creationId xmlns:a16="http://schemas.microsoft.com/office/drawing/2014/main" id="{6317BEF4-F659-05B0-B884-5FBC9950BC38}"/>
+              </a:ext>
+            </a:extLst>
+          </p:cNvPr>
+          <p:cNvCxnSpPr>
+            <a:cxnSpLocks/>
+          </p:cNvCxnSpPr>
+          <p:nvPr/>
+        </p:nvCxnSpPr>
+        <p:spPr>
+          <a:xfrm>
+            <a:off x="2404113" y="383848"/>
+            <a:ext cx="0" cy="429893"/>
+          </a:xfrm>
+          <a:prstGeom prst="line">
+            <a:avLst/>
+          </a:prstGeom>
+          <a:ln w="12700">
+            <a:solidFill>
+              <a:srgbClr val="DD4F22"/>
+            </a:solidFill>
+          </a:ln>
+        </p:spPr>
+        <p:style>
+          <a:lnRef idx="1">
+            <a:schemeClr val="accent1"/>
+          </a:lnRef>
+          <a:fillRef idx="0">
+            <a:schemeClr val="accent1"/>
+          </a:fillRef>
+          <a:effectRef idx="0">
+            <a:schemeClr val="accent1"/>
+          </a:effectRef>
+          <a:fontRef idx="minor">
+            <a:schemeClr val="tx1"/>
+          </a:fontRef>
+        </p:style>
+      </p:cxnSp>
+      <p:pic>
+        <p:nvPicPr>
+          <p:cNvPr id="6" name="Picture 5">
+            <a:extLst>
+              <a:ext uri="{FF2B5EF4-FFF2-40B4-BE49-F238E27FC236}">
+                <a16:creationId xmlns:a16="http://schemas.microsoft.com/office/drawing/2014/main" id="{4C8E9BB0-02EA-460A-EDCE-9CB013DFF909}"/>
+              </a:ext>
+            </a:extLst>
+          </p:cNvPr>
+          <p:cNvPicPr>
+            <a:picLocks noGrp="1" noRot="1" noChangeAspect="1" noMove="1" noResize="1" noEditPoints="1" noAdjustHandles="1" noChangeArrowheads="1" noChangeShapeType="1" noCrop="1"/>
+          </p:cNvPicPr>
+          <p:nvPr/>
+        </p:nvPicPr>
+        <p:blipFill>
+          <a:blip r:embed="rId4">
+            <a:extLst>
+              <a:ext uri="{28A0092B-C50C-407E-A947-70E740481C1C}">
+                <a14:useLocalDpi xmlns:a14="http://schemas.microsoft.com/office/drawing/2010/main" val="0"/>
+              </a:ext>
+            </a:extLst>
+          </a:blip>
+          <a:srcRect/>
+          <a:stretch/>
+        </p:blipFill>
+        <p:spPr>
+          <a:xfrm>
+            <a:off x="217505" y="338023"/>
+            <a:ext cx="1963465" cy="521544"/>
+          </a:xfrm>
+          <a:prstGeom prst="rect">
+            <a:avLst/>
+          </a:prstGeom>
+        </p:spPr>
+      </p:pic>
+      <p:sp>
+        <p:nvSpPr>
+          <p:cNvPr id="8" name="TextBox 7">
+            <a:extLst>
+              <a:ext uri="{FF2B5EF4-FFF2-40B4-BE49-F238E27FC236}">
+                <a16:creationId xmlns:a16="http://schemas.microsoft.com/office/drawing/2014/main" id="{83A5D50A-7BF5-47B2-27E6-96AA33171B2B}"/>
+              </a:ext>
+            </a:extLst>
+          </p:cNvPr>
+          <p:cNvSpPr txBox="1">
+            <a:spLocks noGrp="1" noRot="1" noMove="1" noResize="1" noEditPoints="1" noAdjustHandles="1" noChangeArrowheads="1" noChangeShapeType="1"/>
+          </p:cNvSpPr>
+          <p:nvPr/>
+        </p:nvSpPr>
+        <p:spPr>
+          <a:xfrm>
+            <a:off x="2499360" y="383848"/>
+            <a:ext cx="8818879" cy="483017"/>
+          </a:xfrm>
+          <a:prstGeom prst="rect">
+            <a:avLst/>
+          </a:prstGeom>
+          <a:solidFill>
+            <a:srgbClr val="FF6709"/>
+          </a:solidFill>
+        </p:spPr>
+        <p:txBody>
+          <a:bodyPr wrap="square" rtlCol="0">
+            <a:spAutoFit/>
+          </a:bodyPr>
+          <a:lstStyle/>
+          <a:p>
+            <a:pPr>
+              <a:lnSpc>
+                <a:spcPct val="115000"/>
+              </a:lnSpc>
+            </a:pPr>
+            <a:r>
+              <a:rPr lang="en-IN" sz="2400" b="1" dirty="0">
+                <a:solidFill>
+                  <a:schemeClr val="bg1"/>
+                </a:solidFill>
+                <a:latin typeface="Times New Roman" panose="02020603050405020304" pitchFamily="18" charset="0"/>
+              </a:rPr>
+              <a:t>Deployment</a:t>
+            </a:r>
+          </a:p>
+        </p:txBody>
+      </p:sp>
+      <p:sp>
+        <p:nvSpPr>
+          <p:cNvPr id="7" name="TextBox 6">
+            <a:extLst>
+              <a:ext uri="{FF2B5EF4-FFF2-40B4-BE49-F238E27FC236}">
+                <a16:creationId xmlns:a16="http://schemas.microsoft.com/office/drawing/2014/main" id="{4E34D14B-9278-1F90-25E3-1FABACE2AC59}"/>
+              </a:ext>
+            </a:extLst>
+          </p:cNvPr>
+          <p:cNvSpPr txBox="1"/>
+          <p:nvPr/>
+        </p:nvSpPr>
+        <p:spPr>
+          <a:xfrm>
+            <a:off x="750102" y="1250713"/>
+            <a:ext cx="5026660" cy="417550"/>
+          </a:xfrm>
+          <a:prstGeom prst="rect">
+            <a:avLst/>
+          </a:prstGeom>
+          <a:noFill/>
+        </p:spPr>
+        <p:txBody>
+          <a:bodyPr wrap="square">
+            <a:spAutoFit/>
+          </a:bodyPr>
+          <a:lstStyle/>
+          <a:p>
+            <a:pPr algn="just">
+              <a:lnSpc>
+                <a:spcPct val="115000"/>
+              </a:lnSpc>
+            </a:pPr>
+            <a:r>
+              <a:rPr lang="en-IN" sz="2000" b="1" dirty="0">
+                <a:effectLst/>
+                <a:latin typeface="Times New Roman" panose="02020603050405020304" pitchFamily="18" charset="0"/>
+                <a:ea typeface="Arial" panose="020B0604020202020204" pitchFamily="34" charset="0"/>
+              </a:rPr>
+              <a:t>Docker Image</a:t>
+            </a:r>
+            <a:endParaRPr lang="en-IN" sz="1600" b="1" dirty="0">
+              <a:effectLst/>
+              <a:latin typeface="Arial" panose="020B0604020202020204" pitchFamily="34" charset="0"/>
+              <a:ea typeface="Arial" panose="020B0604020202020204" pitchFamily="34" charset="0"/>
+            </a:endParaRPr>
+          </a:p>
+        </p:txBody>
+      </p:sp>
+      <p:pic>
+        <p:nvPicPr>
+          <p:cNvPr id="3" name="Picture 2">
+            <a:extLst>
+              <a:ext uri="{FF2B5EF4-FFF2-40B4-BE49-F238E27FC236}">
+                <a16:creationId xmlns:a16="http://schemas.microsoft.com/office/drawing/2014/main" id="{35F90325-F1CE-CE2A-8A39-AADB388C5636}"/>
+              </a:ext>
+            </a:extLst>
+          </p:cNvPr>
+          <p:cNvPicPr>
+            <a:picLocks noChangeAspect="1"/>
+          </p:cNvPicPr>
+          <p:nvPr/>
+        </p:nvPicPr>
+        <p:blipFill>
+          <a:blip r:embed="rId5">
+            <a:extLst>
+              <a:ext uri="{28A0092B-C50C-407E-A947-70E740481C1C}">
+                <a14:useLocalDpi xmlns:a14="http://schemas.microsoft.com/office/drawing/2010/main" val="0"/>
+              </a:ext>
+            </a:extLst>
+          </a:blip>
+          <a:stretch>
+            <a:fillRect/>
+          </a:stretch>
+        </p:blipFill>
+        <p:spPr>
+          <a:xfrm>
+            <a:off x="997151" y="2052111"/>
+            <a:ext cx="8666613" cy="2548765"/>
+          </a:xfrm>
+          <a:prstGeom prst="rect">
+            <a:avLst/>
+          </a:prstGeom>
+        </p:spPr>
+      </p:pic>
+    </p:spTree>
+    <p:extLst>
+      <p:ext uri="{BB962C8B-B14F-4D97-AF65-F5344CB8AC3E}">
+        <p14:creationId xmlns:p14="http://schemas.microsoft.com/office/powerpoint/2010/main" val="294745817"/>
+      </p:ext>
+    </p:extLst>
+  </p:cSld>
+  <p:clrMapOvr>
+    <a:overrideClrMapping bg1="lt1" tx1="dk1" bg2="lt2" tx2="dk2" accent1="accent1" accent2="accent2" accent3="accent3" accent4="accent4" accent5="accent5" accent6="accent6" hlink="hlink" folHlink="folHlink"/>
+  </p:clrMapOvr>
+</p:sld>
+</file>
+
+<file path=ppt/slides/slide24.xml><?xml version="1.0" encoding="utf-8"?>
+<p:sld xmlns:a="http://schemas.openxmlformats.org/drawingml/2006/main" xmlns:r="http://schemas.openxmlformats.org/officeDocument/2006/relationships" xmlns:p="http://schemas.openxmlformats.org/presentationml/2006/main">
+  <p:cSld>
+    <p:spTree>
+      <p:nvGrpSpPr>
+        <p:cNvPr id="1" name=""/>
+        <p:cNvGrpSpPr/>
+        <p:nvPr/>
+      </p:nvGrpSpPr>
+      <p:grpSpPr>
+        <a:xfrm>
+          <a:off x="0" y="0"/>
+          <a:ext cx="0" cy="0"/>
+          <a:chOff x="0" y="0"/>
+          <a:chExt cx="0" cy="0"/>
+        </a:xfrm>
+      </p:grpSpPr>
+      <p:pic>
+        <p:nvPicPr>
+          <p:cNvPr id="4" name="Picture 3">
+            <a:extLst>
+              <a:ext uri="{FF2B5EF4-FFF2-40B4-BE49-F238E27FC236}">
+                <a16:creationId xmlns:a16="http://schemas.microsoft.com/office/drawing/2014/main" id="{3893C3C6-E6B4-0EAA-6168-B66B664B265B}"/>
+              </a:ext>
+            </a:extLst>
+          </p:cNvPr>
+          <p:cNvPicPr>
+            <a:picLocks noGrp="1" noRot="1" noChangeAspect="1" noMove="1" noResize="1" noEditPoints="1" noAdjustHandles="1" noChangeArrowheads="1" noChangeShapeType="1" noCrop="1"/>
+          </p:cNvPicPr>
+          <p:nvPr/>
+        </p:nvPicPr>
+        <p:blipFill>
+          <a:blip r:embed="rId2" cstate="email">
+            <a:extLst>
+              <a:ext uri="{28A0092B-C50C-407E-A947-70E740481C1C}">
+                <a14:useLocalDpi xmlns:a14="http://schemas.microsoft.com/office/drawing/2010/main"/>
+              </a:ext>
+            </a:extLst>
+          </a:blip>
+          <a:stretch>
+            <a:fillRect/>
+          </a:stretch>
+        </p:blipFill>
+        <p:spPr>
+          <a:xfrm flipH="1">
+            <a:off x="0" y="0"/>
+            <a:ext cx="12192000" cy="6858000"/>
+          </a:xfrm>
+          <a:prstGeom prst="rect">
+            <a:avLst/>
+          </a:prstGeom>
+        </p:spPr>
+      </p:pic>
+      <p:cxnSp>
+        <p:nvCxnSpPr>
+          <p:cNvPr id="5" name="Straight Connector 4">
+            <a:extLst>
+              <a:ext uri="{FF2B5EF4-FFF2-40B4-BE49-F238E27FC236}">
+                <a16:creationId xmlns:a16="http://schemas.microsoft.com/office/drawing/2014/main" id="{6317BEF4-F659-05B0-B884-5FBC9950BC38}"/>
+              </a:ext>
+            </a:extLst>
+          </p:cNvPr>
+          <p:cNvCxnSpPr>
+            <a:cxnSpLocks/>
+          </p:cNvCxnSpPr>
+          <p:nvPr/>
+        </p:nvCxnSpPr>
+        <p:spPr>
+          <a:xfrm>
+            <a:off x="2404113" y="383848"/>
+            <a:ext cx="0" cy="429893"/>
+          </a:xfrm>
+          <a:prstGeom prst="line">
+            <a:avLst/>
+          </a:prstGeom>
+          <a:ln w="12700">
+            <a:solidFill>
+              <a:srgbClr val="DD4F22"/>
+            </a:solidFill>
+          </a:ln>
+        </p:spPr>
+        <p:style>
+          <a:lnRef idx="1">
+            <a:schemeClr val="accent1"/>
+          </a:lnRef>
+          <a:fillRef idx="0">
+            <a:schemeClr val="accent1"/>
+          </a:fillRef>
+          <a:effectRef idx="0">
+            <a:schemeClr val="accent1"/>
+          </a:effectRef>
+          <a:fontRef idx="minor">
+            <a:schemeClr val="tx1"/>
+          </a:fontRef>
+        </p:style>
+      </p:cxnSp>
+      <p:pic>
+        <p:nvPicPr>
+          <p:cNvPr id="6" name="Picture 5">
+            <a:extLst>
+              <a:ext uri="{FF2B5EF4-FFF2-40B4-BE49-F238E27FC236}">
+                <a16:creationId xmlns:a16="http://schemas.microsoft.com/office/drawing/2014/main" id="{4C8E9BB0-02EA-460A-EDCE-9CB013DFF909}"/>
+              </a:ext>
+            </a:extLst>
+          </p:cNvPr>
+          <p:cNvPicPr>
+            <a:picLocks noGrp="1" noRot="1" noChangeAspect="1" noMove="1" noResize="1" noEditPoints="1" noAdjustHandles="1" noChangeArrowheads="1" noChangeShapeType="1" noCrop="1"/>
+          </p:cNvPicPr>
+          <p:nvPr/>
+        </p:nvPicPr>
+        <p:blipFill>
+          <a:blip r:embed="rId3">
+            <a:extLst>
+              <a:ext uri="{28A0092B-C50C-407E-A947-70E740481C1C}">
+                <a14:useLocalDpi xmlns:a14="http://schemas.microsoft.com/office/drawing/2010/main" val="0"/>
+              </a:ext>
+            </a:extLst>
+          </a:blip>
+          <a:srcRect/>
+          <a:stretch/>
+        </p:blipFill>
+        <p:spPr>
+          <a:xfrm>
+            <a:off x="217505" y="338023"/>
+            <a:ext cx="1963465" cy="521544"/>
+          </a:xfrm>
+          <a:prstGeom prst="rect">
+            <a:avLst/>
+          </a:prstGeom>
+        </p:spPr>
+      </p:pic>
+      <p:sp>
+        <p:nvSpPr>
+          <p:cNvPr id="8" name="TextBox 7">
+            <a:extLst>
+              <a:ext uri="{FF2B5EF4-FFF2-40B4-BE49-F238E27FC236}">
+                <a16:creationId xmlns:a16="http://schemas.microsoft.com/office/drawing/2014/main" id="{83A5D50A-7BF5-47B2-27E6-96AA33171B2B}"/>
+              </a:ext>
+            </a:extLst>
+          </p:cNvPr>
+          <p:cNvSpPr txBox="1">
+            <a:spLocks noGrp="1" noRot="1" noMove="1" noResize="1" noEditPoints="1" noAdjustHandles="1" noChangeArrowheads="1" noChangeShapeType="1"/>
+          </p:cNvSpPr>
+          <p:nvPr/>
+        </p:nvSpPr>
+        <p:spPr>
+          <a:xfrm>
+            <a:off x="2499360" y="383848"/>
+            <a:ext cx="8818879" cy="483017"/>
+          </a:xfrm>
+          <a:prstGeom prst="rect">
+            <a:avLst/>
+          </a:prstGeom>
+          <a:solidFill>
+            <a:srgbClr val="FF6709"/>
+          </a:solidFill>
+        </p:spPr>
+        <p:txBody>
+          <a:bodyPr wrap="square" rtlCol="0">
+            <a:spAutoFit/>
+          </a:bodyPr>
+          <a:lstStyle/>
+          <a:p>
+            <a:pPr>
+              <a:lnSpc>
+                <a:spcPct val="115000"/>
+              </a:lnSpc>
+            </a:pPr>
+            <a:r>
+              <a:rPr lang="en-IN" sz="2400" b="1" dirty="0">
+                <a:solidFill>
+                  <a:schemeClr val="bg1"/>
+                </a:solidFill>
+                <a:latin typeface="Times New Roman" panose="02020603050405020304" pitchFamily="18" charset="0"/>
+              </a:rPr>
+              <a:t>Deployment</a:t>
+            </a:r>
+          </a:p>
+        </p:txBody>
+      </p:sp>
+      <p:sp>
+        <p:nvSpPr>
+          <p:cNvPr id="7" name="TextBox 6">
+            <a:extLst>
+              <a:ext uri="{FF2B5EF4-FFF2-40B4-BE49-F238E27FC236}">
+                <a16:creationId xmlns:a16="http://schemas.microsoft.com/office/drawing/2014/main" id="{4E34D14B-9278-1F90-25E3-1FABACE2AC59}"/>
+              </a:ext>
+            </a:extLst>
+          </p:cNvPr>
+          <p:cNvSpPr txBox="1"/>
+          <p:nvPr/>
+        </p:nvSpPr>
+        <p:spPr>
+          <a:xfrm>
+            <a:off x="750102" y="1250713"/>
+            <a:ext cx="5026660" cy="417550"/>
+          </a:xfrm>
+          <a:prstGeom prst="rect">
+            <a:avLst/>
+          </a:prstGeom>
+          <a:noFill/>
+        </p:spPr>
+        <p:txBody>
+          <a:bodyPr wrap="square">
+            <a:spAutoFit/>
+          </a:bodyPr>
+          <a:lstStyle/>
+          <a:p>
+            <a:pPr algn="just">
+              <a:lnSpc>
+                <a:spcPct val="115000"/>
+              </a:lnSpc>
+            </a:pPr>
+            <a:r>
+              <a:rPr lang="en-IN" sz="2000" b="1" dirty="0">
+                <a:effectLst/>
+                <a:latin typeface="Times New Roman" panose="02020603050405020304" pitchFamily="18" charset="0"/>
+                <a:ea typeface="Arial" panose="020B0604020202020204" pitchFamily="34" charset="0"/>
+              </a:rPr>
+              <a:t>Kubernetes Instances</a:t>
+            </a:r>
+            <a:endParaRPr lang="en-IN" sz="1600" b="1" dirty="0">
+              <a:effectLst/>
+              <a:latin typeface="Arial" panose="020B0604020202020204" pitchFamily="34" charset="0"/>
+              <a:ea typeface="Arial" panose="020B0604020202020204" pitchFamily="34" charset="0"/>
+            </a:endParaRPr>
+          </a:p>
+        </p:txBody>
+      </p:sp>
+      <p:pic>
+        <p:nvPicPr>
+          <p:cNvPr id="9" name="Picture 8">
+            <a:extLst>
+              <a:ext uri="{FF2B5EF4-FFF2-40B4-BE49-F238E27FC236}">
+                <a16:creationId xmlns:a16="http://schemas.microsoft.com/office/drawing/2014/main" id="{F372EF3E-A578-B44E-6F87-A88E584B0DFD}"/>
+              </a:ext>
+            </a:extLst>
+          </p:cNvPr>
+          <p:cNvPicPr>
+            <a:picLocks noChangeAspect="1"/>
+          </p:cNvPicPr>
+          <p:nvPr/>
+        </p:nvPicPr>
+        <p:blipFill>
+          <a:blip r:embed="rId4">
+            <a:extLst>
+              <a:ext uri="{28A0092B-C50C-407E-A947-70E740481C1C}">
+                <a14:useLocalDpi xmlns:a14="http://schemas.microsoft.com/office/drawing/2010/main" val="0"/>
+              </a:ext>
+            </a:extLst>
+          </a:blip>
+          <a:stretch>
+            <a:fillRect/>
+          </a:stretch>
+        </p:blipFill>
+        <p:spPr>
+          <a:xfrm>
+            <a:off x="871135" y="2052111"/>
+            <a:ext cx="9811254" cy="3568883"/>
+          </a:xfrm>
+          <a:prstGeom prst="rect">
+            <a:avLst/>
+          </a:prstGeom>
+        </p:spPr>
+      </p:pic>
+    </p:spTree>
+    <p:extLst>
+      <p:ext uri="{BB962C8B-B14F-4D97-AF65-F5344CB8AC3E}">
+        <p14:creationId xmlns:p14="http://schemas.microsoft.com/office/powerpoint/2010/main" val="1566755304"/>
+      </p:ext>
+    </p:extLst>
+  </p:cSld>
+  <p:clrMapOvr>
+    <a:masterClrMapping/>
+  </p:clrMapOvr>
+</p:sld>
+</file>
+
+<file path=ppt/slides/slide25.xml><?xml version="1.0" encoding="utf-8"?>
+<p:sld xmlns:a="http://schemas.openxmlformats.org/drawingml/2006/main" xmlns:r="http://schemas.openxmlformats.org/officeDocument/2006/relationships" xmlns:p="http://schemas.openxmlformats.org/presentationml/2006/main">
+  <p:cSld>
+    <p:spTree>
+      <p:nvGrpSpPr>
+        <p:cNvPr id="1" name=""/>
+        <p:cNvGrpSpPr/>
+        <p:nvPr/>
+      </p:nvGrpSpPr>
+      <p:grpSpPr>
+        <a:xfrm>
+          <a:off x="0" y="0"/>
+          <a:ext cx="0" cy="0"/>
+          <a:chOff x="0" y="0"/>
+          <a:chExt cx="0" cy="0"/>
+        </a:xfrm>
+      </p:grpSpPr>
+      <p:pic>
+        <p:nvPicPr>
+          <p:cNvPr id="4" name="Picture 3">
+            <a:extLst>
+              <a:ext uri="{FF2B5EF4-FFF2-40B4-BE49-F238E27FC236}">
+                <a16:creationId xmlns:a16="http://schemas.microsoft.com/office/drawing/2014/main" id="{3893C3C6-E6B4-0EAA-6168-B66B664B265B}"/>
+              </a:ext>
+            </a:extLst>
+          </p:cNvPr>
+          <p:cNvPicPr>
+            <a:picLocks noGrp="1" noRot="1" noChangeAspect="1" noMove="1" noResize="1" noEditPoints="1" noAdjustHandles="1" noChangeArrowheads="1" noChangeShapeType="1" noCrop="1"/>
+          </p:cNvPicPr>
+          <p:nvPr/>
+        </p:nvPicPr>
+        <p:blipFill>
+          <a:blip r:embed="rId2" cstate="email">
+            <a:extLst>
+              <a:ext uri="{28A0092B-C50C-407E-A947-70E740481C1C}">
+                <a14:useLocalDpi xmlns:a14="http://schemas.microsoft.com/office/drawing/2010/main"/>
+              </a:ext>
+            </a:extLst>
+          </a:blip>
+          <a:stretch>
+            <a:fillRect/>
+          </a:stretch>
+        </p:blipFill>
+        <p:spPr>
+          <a:xfrm flipH="1">
+            <a:off x="0" y="0"/>
+            <a:ext cx="12192000" cy="6858000"/>
+          </a:xfrm>
+          <a:prstGeom prst="rect">
+            <a:avLst/>
+          </a:prstGeom>
+        </p:spPr>
+      </p:pic>
+      <p:cxnSp>
+        <p:nvCxnSpPr>
+          <p:cNvPr id="5" name="Straight Connector 4">
+            <a:extLst>
+              <a:ext uri="{FF2B5EF4-FFF2-40B4-BE49-F238E27FC236}">
+                <a16:creationId xmlns:a16="http://schemas.microsoft.com/office/drawing/2014/main" id="{6317BEF4-F659-05B0-B884-5FBC9950BC38}"/>
+              </a:ext>
+            </a:extLst>
+          </p:cNvPr>
+          <p:cNvCxnSpPr>
+            <a:cxnSpLocks/>
+          </p:cNvCxnSpPr>
+          <p:nvPr/>
+        </p:nvCxnSpPr>
+        <p:spPr>
+          <a:xfrm>
+            <a:off x="2404113" y="383848"/>
+            <a:ext cx="0" cy="429893"/>
+          </a:xfrm>
+          <a:prstGeom prst="line">
+            <a:avLst/>
+          </a:prstGeom>
+          <a:ln w="12700">
+            <a:solidFill>
+              <a:srgbClr val="DD4F22"/>
+            </a:solidFill>
+          </a:ln>
+        </p:spPr>
+        <p:style>
+          <a:lnRef idx="1">
+            <a:schemeClr val="accent1"/>
+          </a:lnRef>
+          <a:fillRef idx="0">
+            <a:schemeClr val="accent1"/>
+          </a:fillRef>
+          <a:effectRef idx="0">
+            <a:schemeClr val="accent1"/>
+          </a:effectRef>
+          <a:fontRef idx="minor">
+            <a:schemeClr val="tx1"/>
+          </a:fontRef>
+        </p:style>
+      </p:cxnSp>
+      <p:pic>
+        <p:nvPicPr>
+          <p:cNvPr id="6" name="Picture 5">
+            <a:extLst>
+              <a:ext uri="{FF2B5EF4-FFF2-40B4-BE49-F238E27FC236}">
+                <a16:creationId xmlns:a16="http://schemas.microsoft.com/office/drawing/2014/main" id="{4C8E9BB0-02EA-460A-EDCE-9CB013DFF909}"/>
+              </a:ext>
+            </a:extLst>
+          </p:cNvPr>
+          <p:cNvPicPr>
+            <a:picLocks noGrp="1" noRot="1" noChangeAspect="1" noMove="1" noResize="1" noEditPoints="1" noAdjustHandles="1" noChangeArrowheads="1" noChangeShapeType="1" noCrop="1"/>
+          </p:cNvPicPr>
+          <p:nvPr/>
+        </p:nvPicPr>
+        <p:blipFill>
+          <a:blip r:embed="rId3">
+            <a:extLst>
+              <a:ext uri="{28A0092B-C50C-407E-A947-70E740481C1C}">
+                <a14:useLocalDpi xmlns:a14="http://schemas.microsoft.com/office/drawing/2010/main" val="0"/>
+              </a:ext>
+            </a:extLst>
+          </a:blip>
+          <a:srcRect/>
+          <a:stretch/>
+        </p:blipFill>
+        <p:spPr>
+          <a:xfrm>
+            <a:off x="217505" y="338023"/>
+            <a:ext cx="1963465" cy="521544"/>
+          </a:xfrm>
+          <a:prstGeom prst="rect">
+            <a:avLst/>
+          </a:prstGeom>
+        </p:spPr>
+      </p:pic>
+      <p:sp>
+        <p:nvSpPr>
+          <p:cNvPr id="8" name="TextBox 7">
+            <a:extLst>
+              <a:ext uri="{FF2B5EF4-FFF2-40B4-BE49-F238E27FC236}">
+                <a16:creationId xmlns:a16="http://schemas.microsoft.com/office/drawing/2014/main" id="{83A5D50A-7BF5-47B2-27E6-96AA33171B2B}"/>
+              </a:ext>
+            </a:extLst>
+          </p:cNvPr>
+          <p:cNvSpPr txBox="1">
+            <a:spLocks noGrp="1" noRot="1" noMove="1" noResize="1" noEditPoints="1" noAdjustHandles="1" noChangeArrowheads="1" noChangeShapeType="1"/>
+          </p:cNvSpPr>
+          <p:nvPr/>
+        </p:nvSpPr>
+        <p:spPr>
+          <a:xfrm>
+            <a:off x="2499360" y="383848"/>
+            <a:ext cx="8818879" cy="483017"/>
+          </a:xfrm>
+          <a:prstGeom prst="rect">
+            <a:avLst/>
+          </a:prstGeom>
+          <a:solidFill>
+            <a:srgbClr val="FF6709"/>
+          </a:solidFill>
+        </p:spPr>
+        <p:txBody>
+          <a:bodyPr wrap="square" rtlCol="0">
+            <a:spAutoFit/>
+          </a:bodyPr>
+          <a:lstStyle/>
+          <a:p>
+            <a:pPr>
+              <a:lnSpc>
+                <a:spcPct val="115000"/>
+              </a:lnSpc>
+            </a:pPr>
+            <a:r>
+              <a:rPr lang="en-IN" sz="2400" b="1" dirty="0">
+                <a:solidFill>
+                  <a:schemeClr val="bg1"/>
+                </a:solidFill>
+                <a:latin typeface="Times New Roman" panose="02020603050405020304" pitchFamily="18" charset="0"/>
+              </a:rPr>
+              <a:t>Deployment</a:t>
+            </a:r>
+          </a:p>
+        </p:txBody>
+      </p:sp>
+      <p:sp>
+        <p:nvSpPr>
+          <p:cNvPr id="7" name="TextBox 6">
+            <a:extLst>
+              <a:ext uri="{FF2B5EF4-FFF2-40B4-BE49-F238E27FC236}">
+                <a16:creationId xmlns:a16="http://schemas.microsoft.com/office/drawing/2014/main" id="{4E34D14B-9278-1F90-25E3-1FABACE2AC59}"/>
+              </a:ext>
+            </a:extLst>
+          </p:cNvPr>
+          <p:cNvSpPr txBox="1"/>
+          <p:nvPr/>
+        </p:nvSpPr>
+        <p:spPr>
+          <a:xfrm>
+            <a:off x="432468" y="1182384"/>
+            <a:ext cx="5026660" cy="417550"/>
+          </a:xfrm>
+          <a:prstGeom prst="rect">
+            <a:avLst/>
+          </a:prstGeom>
+          <a:noFill/>
+        </p:spPr>
+        <p:txBody>
+          <a:bodyPr wrap="square">
+            <a:spAutoFit/>
+          </a:bodyPr>
+          <a:lstStyle/>
+          <a:p>
+            <a:pPr algn="just">
+              <a:lnSpc>
+                <a:spcPct val="115000"/>
+              </a:lnSpc>
+            </a:pPr>
+            <a:r>
+              <a:rPr lang="en-IN" sz="2000" b="1" dirty="0">
+                <a:effectLst/>
+                <a:latin typeface="Times New Roman" panose="02020603050405020304" pitchFamily="18" charset="0"/>
+                <a:ea typeface="Arial" panose="020B0604020202020204" pitchFamily="34" charset="0"/>
+              </a:rPr>
+              <a:t>Jenkins Integration</a:t>
+            </a:r>
+            <a:endParaRPr lang="en-IN" sz="1600" b="1" dirty="0">
+              <a:effectLst/>
+              <a:latin typeface="Arial" panose="020B0604020202020204" pitchFamily="34" charset="0"/>
+              <a:ea typeface="Arial" panose="020B0604020202020204" pitchFamily="34" charset="0"/>
+            </a:endParaRPr>
+          </a:p>
+        </p:txBody>
+      </p:sp>
+      <p:pic>
+        <p:nvPicPr>
+          <p:cNvPr id="3" name="Picture 2">
+            <a:extLst>
+              <a:ext uri="{FF2B5EF4-FFF2-40B4-BE49-F238E27FC236}">
+                <a16:creationId xmlns:a16="http://schemas.microsoft.com/office/drawing/2014/main" id="{BA69D759-7658-C840-020A-5BDA4E7A0147}"/>
+              </a:ext>
+            </a:extLst>
+          </p:cNvPr>
+          <p:cNvPicPr>
+            <a:picLocks noChangeAspect="1"/>
+          </p:cNvPicPr>
+          <p:nvPr/>
+        </p:nvPicPr>
+        <p:blipFill rotWithShape="1">
+          <a:blip r:embed="rId4">
+            <a:extLst>
+              <a:ext uri="{28A0092B-C50C-407E-A947-70E740481C1C}">
+                <a14:useLocalDpi xmlns:a14="http://schemas.microsoft.com/office/drawing/2010/main" val="0"/>
+              </a:ext>
+            </a:extLst>
+          </a:blip>
+          <a:srcRect l="24331" t="7860" r="2780" b="5560"/>
+          <a:stretch/>
+        </p:blipFill>
+        <p:spPr>
+          <a:xfrm>
+            <a:off x="758037" y="1876926"/>
+            <a:ext cx="6075603" cy="4811207"/>
+          </a:xfrm>
+          <a:prstGeom prst="rect">
+            <a:avLst/>
+          </a:prstGeom>
+        </p:spPr>
+      </p:pic>
+      <p:pic>
+        <p:nvPicPr>
+          <p:cNvPr id="11" name="Picture 10">
+            <a:extLst>
+              <a:ext uri="{FF2B5EF4-FFF2-40B4-BE49-F238E27FC236}">
+                <a16:creationId xmlns:a16="http://schemas.microsoft.com/office/drawing/2014/main" id="{A5ED7E96-46F3-2808-0FF3-890465C53BEC}"/>
+              </a:ext>
+            </a:extLst>
+          </p:cNvPr>
+          <p:cNvPicPr>
+            <a:picLocks noChangeAspect="1"/>
+          </p:cNvPicPr>
+          <p:nvPr/>
+        </p:nvPicPr>
+        <p:blipFill rotWithShape="1">
+          <a:blip r:embed="rId5">
+            <a:extLst>
+              <a:ext uri="{28A0092B-C50C-407E-A947-70E740481C1C}">
+                <a14:useLocalDpi xmlns:a14="http://schemas.microsoft.com/office/drawing/2010/main" val="0"/>
+              </a:ext>
+            </a:extLst>
+          </a:blip>
+          <a:srcRect l="25714" t="7068" r="19643" b="8073"/>
+          <a:stretch/>
+        </p:blipFill>
+        <p:spPr>
+          <a:xfrm>
+            <a:off x="7048753" y="1909150"/>
+            <a:ext cx="4615995" cy="4778983"/>
+          </a:xfrm>
+          <a:prstGeom prst="rect">
+            <a:avLst/>
+          </a:prstGeom>
+        </p:spPr>
+      </p:pic>
+    </p:spTree>
+    <p:extLst>
+      <p:ext uri="{BB962C8B-B14F-4D97-AF65-F5344CB8AC3E}">
+        <p14:creationId xmlns:p14="http://schemas.microsoft.com/office/powerpoint/2010/main" val="2733072219"/>
+      </p:ext>
+    </p:extLst>
+  </p:cSld>
+  <p:clrMapOvr>
+    <a:masterClrMapping/>
+  </p:clrMapOvr>
+</p:sld>
+</file>
+
+<file path=ppt/slides/slide26.xml><?xml version="1.0" encoding="utf-8"?>
+<p:sld xmlns:a="http://schemas.openxmlformats.org/drawingml/2006/main" xmlns:r="http://schemas.openxmlformats.org/officeDocument/2006/relationships" xmlns:p="http://schemas.openxmlformats.org/presentationml/2006/main">
+  <p:cSld>
+    <p:spTree>
+      <p:nvGrpSpPr>
+        <p:cNvPr id="1" name=""/>
+        <p:cNvGrpSpPr/>
+        <p:nvPr/>
+      </p:nvGrpSpPr>
+      <p:grpSpPr>
+        <a:xfrm>
+          <a:off x="0" y="0"/>
+          <a:ext cx="0" cy="0"/>
+          <a:chOff x="0" y="0"/>
+          <a:chExt cx="0" cy="0"/>
+        </a:xfrm>
+      </p:grpSpPr>
+      <p:pic>
+        <p:nvPicPr>
+          <p:cNvPr id="4" name="Picture 3">
+            <a:extLst>
+              <a:ext uri="{FF2B5EF4-FFF2-40B4-BE49-F238E27FC236}">
+                <a16:creationId xmlns:a16="http://schemas.microsoft.com/office/drawing/2014/main" id="{3893C3C6-E6B4-0EAA-6168-B66B664B265B}"/>
+              </a:ext>
+            </a:extLst>
+          </p:cNvPr>
+          <p:cNvPicPr>
+            <a:picLocks noGrp="1" noRot="1" noChangeAspect="1" noMove="1" noResize="1" noEditPoints="1" noAdjustHandles="1" noChangeArrowheads="1" noChangeShapeType="1" noCrop="1"/>
+          </p:cNvPicPr>
+          <p:nvPr/>
+        </p:nvPicPr>
+        <p:blipFill>
+          <a:blip r:embed="rId2" cstate="email">
+            <a:extLst>
+              <a:ext uri="{28A0092B-C50C-407E-A947-70E740481C1C}">
+                <a14:useLocalDpi xmlns:a14="http://schemas.microsoft.com/office/drawing/2010/main"/>
+              </a:ext>
+            </a:extLst>
+          </a:blip>
+          <a:stretch>
+            <a:fillRect/>
+          </a:stretch>
+        </p:blipFill>
+        <p:spPr>
+          <a:xfrm flipH="1">
+            <a:off x="0" y="0"/>
+            <a:ext cx="12192000" cy="6858000"/>
+          </a:xfrm>
+          <a:prstGeom prst="rect">
+            <a:avLst/>
+          </a:prstGeom>
+        </p:spPr>
+      </p:pic>
+      <p:cxnSp>
+        <p:nvCxnSpPr>
+          <p:cNvPr id="5" name="Straight Connector 4">
+            <a:extLst>
+              <a:ext uri="{FF2B5EF4-FFF2-40B4-BE49-F238E27FC236}">
+                <a16:creationId xmlns:a16="http://schemas.microsoft.com/office/drawing/2014/main" id="{6317BEF4-F659-05B0-B884-5FBC9950BC38}"/>
+              </a:ext>
+            </a:extLst>
+          </p:cNvPr>
+          <p:cNvCxnSpPr>
+            <a:cxnSpLocks/>
+          </p:cNvCxnSpPr>
+          <p:nvPr/>
+        </p:nvCxnSpPr>
+        <p:spPr>
+          <a:xfrm>
+            <a:off x="2404113" y="383848"/>
+            <a:ext cx="0" cy="429893"/>
+          </a:xfrm>
+          <a:prstGeom prst="line">
+            <a:avLst/>
+          </a:prstGeom>
+          <a:ln w="12700">
+            <a:solidFill>
+              <a:srgbClr val="DD4F22"/>
+            </a:solidFill>
+          </a:ln>
+        </p:spPr>
+        <p:style>
+          <a:lnRef idx="1">
+            <a:schemeClr val="accent1"/>
+          </a:lnRef>
+          <a:fillRef idx="0">
+            <a:schemeClr val="accent1"/>
+          </a:fillRef>
+          <a:effectRef idx="0">
+            <a:schemeClr val="accent1"/>
+          </a:effectRef>
+          <a:fontRef idx="minor">
+            <a:schemeClr val="tx1"/>
+          </a:fontRef>
+        </p:style>
+      </p:cxnSp>
+      <p:pic>
+        <p:nvPicPr>
+          <p:cNvPr id="6" name="Picture 5">
+            <a:extLst>
+              <a:ext uri="{FF2B5EF4-FFF2-40B4-BE49-F238E27FC236}">
+                <a16:creationId xmlns:a16="http://schemas.microsoft.com/office/drawing/2014/main" id="{4C8E9BB0-02EA-460A-EDCE-9CB013DFF909}"/>
+              </a:ext>
+            </a:extLst>
+          </p:cNvPr>
+          <p:cNvPicPr>
+            <a:picLocks noGrp="1" noRot="1" noChangeAspect="1" noMove="1" noResize="1" noEditPoints="1" noAdjustHandles="1" noChangeArrowheads="1" noChangeShapeType="1" noCrop="1"/>
+          </p:cNvPicPr>
+          <p:nvPr/>
+        </p:nvPicPr>
+        <p:blipFill>
+          <a:blip r:embed="rId3">
+            <a:extLst>
+              <a:ext uri="{28A0092B-C50C-407E-A947-70E740481C1C}">
+                <a14:useLocalDpi xmlns:a14="http://schemas.microsoft.com/office/drawing/2010/main" val="0"/>
+              </a:ext>
+            </a:extLst>
+          </a:blip>
+          <a:srcRect/>
+          <a:stretch/>
+        </p:blipFill>
+        <p:spPr>
+          <a:xfrm>
+            <a:off x="217505" y="338023"/>
+            <a:ext cx="1963465" cy="521544"/>
+          </a:xfrm>
+          <a:prstGeom prst="rect">
+            <a:avLst/>
+          </a:prstGeom>
+        </p:spPr>
+      </p:pic>
+      <p:sp>
+        <p:nvSpPr>
+          <p:cNvPr id="8" name="TextBox 7">
+            <a:extLst>
+              <a:ext uri="{FF2B5EF4-FFF2-40B4-BE49-F238E27FC236}">
+                <a16:creationId xmlns:a16="http://schemas.microsoft.com/office/drawing/2014/main" id="{83A5D50A-7BF5-47B2-27E6-96AA33171B2B}"/>
+              </a:ext>
+            </a:extLst>
+          </p:cNvPr>
+          <p:cNvSpPr txBox="1">
+            <a:spLocks noGrp="1" noRot="1" noMove="1" noResize="1" noEditPoints="1" noAdjustHandles="1" noChangeArrowheads="1" noChangeShapeType="1"/>
+          </p:cNvSpPr>
+          <p:nvPr/>
+        </p:nvSpPr>
+        <p:spPr>
+          <a:xfrm>
+            <a:off x="2499360" y="383848"/>
+            <a:ext cx="8818879" cy="483017"/>
+          </a:xfrm>
+          <a:prstGeom prst="rect">
+            <a:avLst/>
+          </a:prstGeom>
+          <a:solidFill>
+            <a:srgbClr val="FF6709"/>
+          </a:solidFill>
+        </p:spPr>
+        <p:txBody>
+          <a:bodyPr wrap="square" rtlCol="0">
+            <a:spAutoFit/>
+          </a:bodyPr>
+          <a:lstStyle/>
+          <a:p>
+            <a:pPr>
+              <a:lnSpc>
+                <a:spcPct val="115000"/>
+              </a:lnSpc>
+            </a:pPr>
+            <a:r>
+              <a:rPr lang="en-IN" sz="2400" b="1" dirty="0">
+                <a:solidFill>
+                  <a:schemeClr val="bg1"/>
+                </a:solidFill>
+                <a:latin typeface="Times New Roman" panose="02020603050405020304" pitchFamily="18" charset="0"/>
+              </a:rPr>
+              <a:t>Conclusion</a:t>
+            </a:r>
+          </a:p>
+        </p:txBody>
+      </p:sp>
+      <p:sp>
+        <p:nvSpPr>
+          <p:cNvPr id="7" name="TextBox 6">
+            <a:extLst>
+              <a:ext uri="{FF2B5EF4-FFF2-40B4-BE49-F238E27FC236}">
+                <a16:creationId xmlns:a16="http://schemas.microsoft.com/office/drawing/2014/main" id="{B4E07FE1-E878-E386-9DF4-34E931415690}"/>
+              </a:ext>
+            </a:extLst>
+          </p:cNvPr>
+          <p:cNvSpPr txBox="1"/>
+          <p:nvPr/>
+        </p:nvSpPr>
+        <p:spPr>
+          <a:xfrm>
+            <a:off x="490219" y="1349647"/>
+            <a:ext cx="11319977" cy="3366563"/>
+          </a:xfrm>
+          <a:prstGeom prst="rect">
+            <a:avLst/>
+          </a:prstGeom>
+          <a:noFill/>
+        </p:spPr>
+        <p:txBody>
+          <a:bodyPr wrap="square">
+            <a:spAutoFit/>
+          </a:bodyPr>
+          <a:lstStyle/>
+          <a:p>
+            <a:pPr marL="342900" indent="-342900" algn="l">
+              <a:lnSpc>
+                <a:spcPct val="150000"/>
+              </a:lnSpc>
+              <a:buFont typeface="Arial" panose="020B0604020202020204" pitchFamily="34" charset="0"/>
+              <a:buChar char="•"/>
+            </a:pPr>
+            <a:r>
+              <a:rPr lang="en-US" dirty="0">
+                <a:latin typeface="Times New Roman" panose="02020603050405020304" pitchFamily="18" charset="0"/>
+                <a:cs typeface="Times New Roman" panose="02020603050405020304" pitchFamily="18" charset="0"/>
+              </a:rPr>
+              <a:t>In conclusion, the Employee web service project is a comprehensive solution that allows users to query employee records by ID, expose the web service as an HTTPS endpoint with a self-signed certificate, encrypt sensitive data, and containerize the service for deployment on Kubernetes.</a:t>
+            </a:r>
+          </a:p>
+          <a:p>
+            <a:pPr marL="342900" indent="-342900" algn="l">
+              <a:lnSpc>
+                <a:spcPct val="150000"/>
+              </a:lnSpc>
+              <a:buFont typeface="Arial" panose="020B0604020202020204" pitchFamily="34" charset="0"/>
+              <a:buChar char="•"/>
+            </a:pPr>
+            <a:r>
+              <a:rPr lang="en-US" dirty="0">
+                <a:latin typeface="Times New Roman" panose="02020603050405020304" pitchFamily="18" charset="0"/>
+                <a:cs typeface="Times New Roman" panose="02020603050405020304" pitchFamily="18" charset="0"/>
+              </a:rPr>
+              <a:t>This project demonstrates the development of a full-stack solution using modern technologies such as Spring Boot, Java, Kubernetes, and Jenkins. It also showcases the importance of testing in the development process, including unit testing and API testing.</a:t>
+            </a:r>
+          </a:p>
+          <a:p>
+            <a:pPr marL="342900" indent="-342900" algn="l">
+              <a:lnSpc>
+                <a:spcPct val="150000"/>
+              </a:lnSpc>
+              <a:buFont typeface="Arial" panose="020B0604020202020204" pitchFamily="34" charset="0"/>
+              <a:buChar char="•"/>
+            </a:pPr>
+            <a:r>
+              <a:rPr lang="en-US" dirty="0">
+                <a:latin typeface="Times New Roman" panose="02020603050405020304" pitchFamily="18" charset="0"/>
+                <a:cs typeface="Times New Roman" panose="02020603050405020304" pitchFamily="18" charset="0"/>
+              </a:rPr>
+              <a:t>Overall, this project provides a practical example of building a robust and secure web service that can be utilized in various industries, including human resources, payroll management, and employee performance evaluation</a:t>
+            </a:r>
+          </a:p>
+        </p:txBody>
+      </p:sp>
+    </p:spTree>
+    <p:extLst>
+      <p:ext uri="{BB962C8B-B14F-4D97-AF65-F5344CB8AC3E}">
+        <p14:creationId xmlns:p14="http://schemas.microsoft.com/office/powerpoint/2010/main" val="984102935"/>
+      </p:ext>
+    </p:extLst>
+  </p:cSld>
+  <p:clrMapOvr>
+    <a:masterClrMapping/>
+  </p:clrMapOvr>
+</p:sld>
+</file>
+
+<file path=ppt/slides/slide27.xml><?xml version="1.0" encoding="utf-8"?>
+<p:sld xmlns:a="http://schemas.openxmlformats.org/drawingml/2006/main" xmlns:r="http://schemas.openxmlformats.org/officeDocument/2006/relationships" xmlns:p="http://schemas.openxmlformats.org/presentationml/2006/main">
+  <p:cSld>
+    <p:spTree>
+      <p:nvGrpSpPr>
+        <p:cNvPr id="1" name=""/>
+        <p:cNvGrpSpPr/>
+        <p:nvPr/>
+      </p:nvGrpSpPr>
+      <p:grpSpPr>
+        <a:xfrm>
+          <a:off x="0" y="0"/>
+          <a:ext cx="0" cy="0"/>
+          <a:chOff x="0" y="0"/>
+          <a:chExt cx="0" cy="0"/>
+        </a:xfrm>
+      </p:grpSpPr>
+      <p:pic>
+        <p:nvPicPr>
+          <p:cNvPr id="4" name="Picture 3">
+            <a:extLst>
+              <a:ext uri="{FF2B5EF4-FFF2-40B4-BE49-F238E27FC236}">
+                <a16:creationId xmlns:a16="http://schemas.microsoft.com/office/drawing/2014/main" id="{3893C3C6-E6B4-0EAA-6168-B66B664B265B}"/>
+              </a:ext>
+            </a:extLst>
+          </p:cNvPr>
+          <p:cNvPicPr>
+            <a:picLocks noGrp="1" noRot="1" noChangeAspect="1" noMove="1" noResize="1" noEditPoints="1" noAdjustHandles="1" noChangeArrowheads="1" noChangeShapeType="1" noCrop="1"/>
+          </p:cNvPicPr>
+          <p:nvPr/>
+        </p:nvPicPr>
+        <p:blipFill>
+          <a:blip r:embed="rId2" cstate="email">
+            <a:extLst>
+              <a:ext uri="{28A0092B-C50C-407E-A947-70E740481C1C}">
+                <a14:useLocalDpi xmlns:a14="http://schemas.microsoft.com/office/drawing/2010/main"/>
+              </a:ext>
+            </a:extLst>
+          </a:blip>
+          <a:stretch>
+            <a:fillRect/>
+          </a:stretch>
+        </p:blipFill>
+        <p:spPr>
+          <a:xfrm flipH="1">
+            <a:off x="0" y="0"/>
+            <a:ext cx="12192000" cy="6858000"/>
+          </a:xfrm>
+          <a:prstGeom prst="rect">
+            <a:avLst/>
+          </a:prstGeom>
+        </p:spPr>
+      </p:pic>
+      <p:cxnSp>
+        <p:nvCxnSpPr>
+          <p:cNvPr id="5" name="Straight Connector 4">
+            <a:extLst>
+              <a:ext uri="{FF2B5EF4-FFF2-40B4-BE49-F238E27FC236}">
+                <a16:creationId xmlns:a16="http://schemas.microsoft.com/office/drawing/2014/main" id="{6317BEF4-F659-05B0-B884-5FBC9950BC38}"/>
+              </a:ext>
+            </a:extLst>
+          </p:cNvPr>
+          <p:cNvCxnSpPr>
+            <a:cxnSpLocks/>
+          </p:cNvCxnSpPr>
+          <p:nvPr/>
+        </p:nvCxnSpPr>
+        <p:spPr>
+          <a:xfrm>
+            <a:off x="2404113" y="383848"/>
+            <a:ext cx="0" cy="429893"/>
+          </a:xfrm>
+          <a:prstGeom prst="line">
+            <a:avLst/>
+          </a:prstGeom>
+          <a:ln w="12700">
+            <a:solidFill>
+              <a:srgbClr val="DD4F22"/>
+            </a:solidFill>
+          </a:ln>
+        </p:spPr>
+        <p:style>
+          <a:lnRef idx="1">
+            <a:schemeClr val="accent1"/>
+          </a:lnRef>
+          <a:fillRef idx="0">
+            <a:schemeClr val="accent1"/>
+          </a:fillRef>
+          <a:effectRef idx="0">
+            <a:schemeClr val="accent1"/>
+          </a:effectRef>
+          <a:fontRef idx="minor">
+            <a:schemeClr val="tx1"/>
+          </a:fontRef>
+        </p:style>
+      </p:cxnSp>
+      <p:pic>
+        <p:nvPicPr>
+          <p:cNvPr id="6" name="Picture 5">
+            <a:extLst>
+              <a:ext uri="{FF2B5EF4-FFF2-40B4-BE49-F238E27FC236}">
+                <a16:creationId xmlns:a16="http://schemas.microsoft.com/office/drawing/2014/main" id="{4C8E9BB0-02EA-460A-EDCE-9CB013DFF909}"/>
+              </a:ext>
+            </a:extLst>
+          </p:cNvPr>
+          <p:cNvPicPr>
+            <a:picLocks noGrp="1" noRot="1" noChangeAspect="1" noMove="1" noResize="1" noEditPoints="1" noAdjustHandles="1" noChangeArrowheads="1" noChangeShapeType="1" noCrop="1"/>
+          </p:cNvPicPr>
+          <p:nvPr/>
+        </p:nvPicPr>
+        <p:blipFill>
+          <a:blip r:embed="rId3">
+            <a:extLst>
+              <a:ext uri="{28A0092B-C50C-407E-A947-70E740481C1C}">
+                <a14:useLocalDpi xmlns:a14="http://schemas.microsoft.com/office/drawing/2010/main" val="0"/>
+              </a:ext>
+            </a:extLst>
+          </a:blip>
+          <a:srcRect/>
+          <a:stretch/>
+        </p:blipFill>
+        <p:spPr>
+          <a:xfrm>
+            <a:off x="217505" y="338023"/>
+            <a:ext cx="1963465" cy="521544"/>
+          </a:xfrm>
+          <a:prstGeom prst="rect">
+            <a:avLst/>
+          </a:prstGeom>
+        </p:spPr>
+      </p:pic>
+      <p:sp>
+        <p:nvSpPr>
+          <p:cNvPr id="8" name="TextBox 7">
+            <a:extLst>
+              <a:ext uri="{FF2B5EF4-FFF2-40B4-BE49-F238E27FC236}">
+                <a16:creationId xmlns:a16="http://schemas.microsoft.com/office/drawing/2014/main" id="{83A5D50A-7BF5-47B2-27E6-96AA33171B2B}"/>
+              </a:ext>
+            </a:extLst>
+          </p:cNvPr>
+          <p:cNvSpPr txBox="1">
+            <a:spLocks noGrp="1" noRot="1" noMove="1" noResize="1" noEditPoints="1" noAdjustHandles="1" noChangeArrowheads="1" noChangeShapeType="1"/>
+          </p:cNvSpPr>
+          <p:nvPr/>
+        </p:nvSpPr>
+        <p:spPr>
+          <a:xfrm>
+            <a:off x="2499360" y="383848"/>
+            <a:ext cx="8818879" cy="483017"/>
+          </a:xfrm>
+          <a:prstGeom prst="rect">
+            <a:avLst/>
+          </a:prstGeom>
+          <a:solidFill>
+            <a:srgbClr val="FF6709"/>
+          </a:solidFill>
+        </p:spPr>
+        <p:txBody>
+          <a:bodyPr wrap="square" rtlCol="0">
+            <a:spAutoFit/>
+          </a:bodyPr>
+          <a:lstStyle/>
+          <a:p>
+            <a:pPr>
+              <a:lnSpc>
+                <a:spcPct val="115000"/>
+              </a:lnSpc>
+            </a:pPr>
+            <a:r>
+              <a:rPr lang="en-IN" sz="2400" b="1" dirty="0">
+                <a:solidFill>
+                  <a:schemeClr val="bg1"/>
+                </a:solidFill>
+                <a:latin typeface="Times New Roman" panose="02020603050405020304" pitchFamily="18" charset="0"/>
+              </a:rPr>
+              <a:t>Future Work</a:t>
+            </a:r>
+          </a:p>
+        </p:txBody>
+      </p:sp>
+      <p:sp>
+        <p:nvSpPr>
+          <p:cNvPr id="3" name="TextBox 2">
+            <a:extLst>
+              <a:ext uri="{FF2B5EF4-FFF2-40B4-BE49-F238E27FC236}">
+                <a16:creationId xmlns:a16="http://schemas.microsoft.com/office/drawing/2014/main" id="{0619899A-31DA-FCDF-48CA-B2A307298A93}"/>
+              </a:ext>
+            </a:extLst>
+          </p:cNvPr>
+          <p:cNvSpPr txBox="1"/>
+          <p:nvPr/>
+        </p:nvSpPr>
+        <p:spPr>
+          <a:xfrm>
+            <a:off x="490220" y="1349647"/>
+            <a:ext cx="11473982" cy="5444054"/>
+          </a:xfrm>
+          <a:prstGeom prst="rect">
+            <a:avLst/>
+          </a:prstGeom>
+          <a:noFill/>
+        </p:spPr>
+        <p:txBody>
+          <a:bodyPr wrap="square">
+            <a:spAutoFit/>
+          </a:bodyPr>
+          <a:lstStyle/>
+          <a:p>
+            <a:pPr algn="l">
+              <a:lnSpc>
+                <a:spcPct val="150000"/>
+              </a:lnSpc>
+            </a:pPr>
+            <a:r>
+              <a:rPr lang="en-US" dirty="0">
+                <a:latin typeface="Times New Roman" panose="02020603050405020304" pitchFamily="18" charset="0"/>
+                <a:cs typeface="Times New Roman" panose="02020603050405020304" pitchFamily="18" charset="0"/>
+              </a:rPr>
+              <a:t>While the Employee web service project is a comprehensive solution, there are several areas where it can be further improved and enhanced. Some of the future work that can be done on this project includes:</a:t>
+            </a:r>
+          </a:p>
+          <a:p>
+            <a:pPr algn="l">
+              <a:lnSpc>
+                <a:spcPct val="150000"/>
+              </a:lnSpc>
+            </a:pPr>
+            <a:endParaRPr lang="en-US" dirty="0">
+              <a:latin typeface="Times New Roman" panose="02020603050405020304" pitchFamily="18" charset="0"/>
+              <a:cs typeface="Times New Roman" panose="02020603050405020304" pitchFamily="18" charset="0"/>
+            </a:endParaRPr>
+          </a:p>
+          <a:p>
+            <a:pPr marL="285750" indent="-285750" algn="l">
+              <a:lnSpc>
+                <a:spcPct val="150000"/>
+              </a:lnSpc>
+              <a:buFont typeface="Wingdings" panose="05000000000000000000" pitchFamily="2" charset="2"/>
+              <a:buChar char="§"/>
+            </a:pPr>
+            <a:r>
+              <a:rPr lang="en-US" b="1" dirty="0">
+                <a:latin typeface="Times New Roman" panose="02020603050405020304" pitchFamily="18" charset="0"/>
+                <a:cs typeface="Times New Roman" panose="02020603050405020304" pitchFamily="18" charset="0"/>
+              </a:rPr>
+              <a:t>Authorization and Authentication</a:t>
+            </a:r>
+            <a:r>
+              <a:rPr lang="en-US" dirty="0">
+                <a:latin typeface="Times New Roman" panose="02020603050405020304" pitchFamily="18" charset="0"/>
+                <a:cs typeface="Times New Roman" panose="02020603050405020304" pitchFamily="18" charset="0"/>
+              </a:rPr>
+              <a:t>: Currently, the web service does not have any authorization or authentication mechanisms in place. Implementing authentication and authorization would improve the security of the service by ensuring that only authorized users can access sensitive employee data.</a:t>
+            </a:r>
+          </a:p>
+          <a:p>
+            <a:pPr marL="285750" indent="-285750" algn="l">
+              <a:lnSpc>
+                <a:spcPct val="150000"/>
+              </a:lnSpc>
+              <a:buFont typeface="Wingdings" panose="05000000000000000000" pitchFamily="2" charset="2"/>
+              <a:buChar char="§"/>
+            </a:pPr>
+            <a:r>
+              <a:rPr lang="en-US" b="1" dirty="0">
+                <a:latin typeface="Times New Roman" panose="02020603050405020304" pitchFamily="18" charset="0"/>
+                <a:cs typeface="Times New Roman" panose="02020603050405020304" pitchFamily="18" charset="0"/>
+              </a:rPr>
+              <a:t>Caching</a:t>
+            </a:r>
+            <a:r>
+              <a:rPr lang="en-US" dirty="0">
+                <a:latin typeface="Times New Roman" panose="02020603050405020304" pitchFamily="18" charset="0"/>
+                <a:cs typeface="Times New Roman" panose="02020603050405020304" pitchFamily="18" charset="0"/>
+              </a:rPr>
+              <a:t>: Caching can be added to the web service to improve the performance by reducing the number of database queries. This would help to reduce the response time and improve the scalability of the service.</a:t>
+            </a:r>
+          </a:p>
+          <a:p>
+            <a:pPr marL="285750" indent="-285750" algn="l">
+              <a:lnSpc>
+                <a:spcPct val="150000"/>
+              </a:lnSpc>
+              <a:buFont typeface="Wingdings" panose="05000000000000000000" pitchFamily="2" charset="2"/>
+              <a:buChar char="§"/>
+            </a:pPr>
+            <a:r>
+              <a:rPr lang="en-US" b="1" dirty="0">
+                <a:latin typeface="Times New Roman" panose="02020603050405020304" pitchFamily="18" charset="0"/>
+                <a:cs typeface="Times New Roman" panose="02020603050405020304" pitchFamily="18" charset="0"/>
+              </a:rPr>
+              <a:t>UI Development</a:t>
+            </a:r>
+            <a:r>
+              <a:rPr lang="en-US" dirty="0">
+                <a:latin typeface="Times New Roman" panose="02020603050405020304" pitchFamily="18" charset="0"/>
+                <a:cs typeface="Times New Roman" panose="02020603050405020304" pitchFamily="18" charset="0"/>
+              </a:rPr>
+              <a:t>: A user interface can be developed to provide a better user experience for querying employee data. This would allow users to interact with the web service more easily and efficiently.</a:t>
+            </a:r>
+          </a:p>
+          <a:p>
+            <a:pPr marL="285750" indent="-285750">
+              <a:lnSpc>
+                <a:spcPct val="150000"/>
+              </a:lnSpc>
+              <a:buFont typeface="Wingdings" panose="05000000000000000000" pitchFamily="2" charset="2"/>
+              <a:buChar char="§"/>
+            </a:pPr>
+            <a:r>
+              <a:rPr lang="en-US" b="1" dirty="0">
+                <a:latin typeface="Times New Roman" panose="02020603050405020304" pitchFamily="18" charset="0"/>
+                <a:cs typeface="Times New Roman" panose="02020603050405020304" pitchFamily="18" charset="0"/>
+              </a:rPr>
+              <a:t>More Advanced Encryption Techniques: </a:t>
+            </a:r>
+            <a:r>
+              <a:rPr lang="en-US" dirty="0">
+                <a:latin typeface="Times New Roman" panose="02020603050405020304" pitchFamily="18" charset="0"/>
+                <a:cs typeface="Times New Roman" panose="02020603050405020304" pitchFamily="18" charset="0"/>
+              </a:rPr>
+              <a:t>Currently, the web service encrypts sensitive data using AES-256. However, more advanced encryption techniques can be explored to improve the security of the service even further.</a:t>
+            </a:r>
+          </a:p>
+          <a:p>
+            <a:pPr marL="285750" indent="-285750" algn="l">
+              <a:lnSpc>
+                <a:spcPct val="150000"/>
+              </a:lnSpc>
+              <a:buFont typeface="Wingdings" panose="05000000000000000000" pitchFamily="2" charset="2"/>
+              <a:buChar char="§"/>
+            </a:pPr>
+            <a:endParaRPr lang="en-US" dirty="0">
+              <a:latin typeface="Times New Roman" panose="02020603050405020304" pitchFamily="18" charset="0"/>
+              <a:cs typeface="Times New Roman" panose="02020603050405020304" pitchFamily="18" charset="0"/>
+            </a:endParaRPr>
+          </a:p>
+        </p:txBody>
+      </p:sp>
+    </p:spTree>
+    <p:extLst>
+      <p:ext uri="{BB962C8B-B14F-4D97-AF65-F5344CB8AC3E}">
+        <p14:creationId xmlns:p14="http://schemas.microsoft.com/office/powerpoint/2010/main" val="2343796108"/>
+      </p:ext>
+    </p:extLst>
+  </p:cSld>
+  <p:clrMapOvr>
+    <a:masterClrMapping/>
+  </p:clrMapOvr>
+</p:sld>
+</file>
+
+<file path=ppt/slides/slide28.xml><?xml version="1.0" encoding="utf-8"?>
+<p:sld xmlns:a="http://schemas.openxmlformats.org/drawingml/2006/main" xmlns:r="http://schemas.openxmlformats.org/officeDocument/2006/relationships" xmlns:p="http://schemas.openxmlformats.org/presentationml/2006/main">
+  <p:cSld>
+    <p:spTree>
+      <p:nvGrpSpPr>
+        <p:cNvPr id="1" name=""/>
+        <p:cNvGrpSpPr/>
+        <p:nvPr/>
+      </p:nvGrpSpPr>
+      <p:grpSpPr>
+        <a:xfrm>
+          <a:off x="0" y="0"/>
+          <a:ext cx="0" cy="0"/>
+          <a:chOff x="0" y="0"/>
+          <a:chExt cx="0" cy="0"/>
+        </a:xfrm>
+      </p:grpSpPr>
+      <p:pic>
+        <p:nvPicPr>
+          <p:cNvPr id="4" name="Picture 3">
+            <a:extLst>
+              <a:ext uri="{FF2B5EF4-FFF2-40B4-BE49-F238E27FC236}">
+                <a16:creationId xmlns:a16="http://schemas.microsoft.com/office/drawing/2014/main" id="{3893C3C6-E6B4-0EAA-6168-B66B664B265B}"/>
+              </a:ext>
+            </a:extLst>
+          </p:cNvPr>
+          <p:cNvPicPr>
+            <a:picLocks noGrp="1" noRot="1" noChangeAspect="1" noMove="1" noResize="1" noEditPoints="1" noAdjustHandles="1" noChangeArrowheads="1" noChangeShapeType="1" noCrop="1"/>
+          </p:cNvPicPr>
+          <p:nvPr/>
+        </p:nvPicPr>
+        <p:blipFill>
+          <a:blip r:embed="rId2" cstate="email">
+            <a:extLst>
+              <a:ext uri="{28A0092B-C50C-407E-A947-70E740481C1C}">
+                <a14:useLocalDpi xmlns:a14="http://schemas.microsoft.com/office/drawing/2010/main"/>
+              </a:ext>
+            </a:extLst>
+          </a:blip>
+          <a:stretch>
+            <a:fillRect/>
+          </a:stretch>
+        </p:blipFill>
+        <p:spPr>
+          <a:xfrm flipH="1">
+            <a:off x="0" y="0"/>
+            <a:ext cx="12192000" cy="6858000"/>
+          </a:xfrm>
+          <a:prstGeom prst="rect">
+            <a:avLst/>
+          </a:prstGeom>
+        </p:spPr>
+      </p:pic>
+      <p:cxnSp>
+        <p:nvCxnSpPr>
+          <p:cNvPr id="5" name="Straight Connector 4">
+            <a:extLst>
+              <a:ext uri="{FF2B5EF4-FFF2-40B4-BE49-F238E27FC236}">
+                <a16:creationId xmlns:a16="http://schemas.microsoft.com/office/drawing/2014/main" id="{6317BEF4-F659-05B0-B884-5FBC9950BC38}"/>
+              </a:ext>
+            </a:extLst>
+          </p:cNvPr>
+          <p:cNvCxnSpPr>
+            <a:cxnSpLocks/>
+          </p:cNvCxnSpPr>
+          <p:nvPr/>
+        </p:nvCxnSpPr>
+        <p:spPr>
+          <a:xfrm>
+            <a:off x="2404113" y="383848"/>
+            <a:ext cx="0" cy="429893"/>
+          </a:xfrm>
+          <a:prstGeom prst="line">
+            <a:avLst/>
+          </a:prstGeom>
+          <a:ln w="12700">
+            <a:solidFill>
+              <a:srgbClr val="DD4F22"/>
+            </a:solidFill>
+          </a:ln>
+        </p:spPr>
+        <p:style>
+          <a:lnRef idx="1">
+            <a:schemeClr val="accent1"/>
+          </a:lnRef>
+          <a:fillRef idx="0">
+            <a:schemeClr val="accent1"/>
+          </a:fillRef>
+          <a:effectRef idx="0">
+            <a:schemeClr val="accent1"/>
+          </a:effectRef>
+          <a:fontRef idx="minor">
+            <a:schemeClr val="tx1"/>
+          </a:fontRef>
+        </p:style>
+      </p:cxnSp>
+      <p:pic>
+        <p:nvPicPr>
+          <p:cNvPr id="6" name="Picture 5">
+            <a:extLst>
+              <a:ext uri="{FF2B5EF4-FFF2-40B4-BE49-F238E27FC236}">
+                <a16:creationId xmlns:a16="http://schemas.microsoft.com/office/drawing/2014/main" id="{4C8E9BB0-02EA-460A-EDCE-9CB013DFF909}"/>
+              </a:ext>
+            </a:extLst>
+          </p:cNvPr>
+          <p:cNvPicPr>
+            <a:picLocks noGrp="1" noRot="1" noChangeAspect="1" noMove="1" noResize="1" noEditPoints="1" noAdjustHandles="1" noChangeArrowheads="1" noChangeShapeType="1" noCrop="1"/>
+          </p:cNvPicPr>
+          <p:nvPr/>
+        </p:nvPicPr>
+        <p:blipFill>
+          <a:blip r:embed="rId3">
+            <a:extLst>
+              <a:ext uri="{28A0092B-C50C-407E-A947-70E740481C1C}">
+                <a14:useLocalDpi xmlns:a14="http://schemas.microsoft.com/office/drawing/2010/main" val="0"/>
+              </a:ext>
+            </a:extLst>
+          </a:blip>
+          <a:srcRect/>
+          <a:stretch/>
+        </p:blipFill>
+        <p:spPr>
+          <a:xfrm>
+            <a:off x="217505" y="338023"/>
+            <a:ext cx="1963465" cy="521544"/>
+          </a:xfrm>
+          <a:prstGeom prst="rect">
+            <a:avLst/>
+          </a:prstGeom>
+        </p:spPr>
+      </p:pic>
+      <p:sp>
+        <p:nvSpPr>
+          <p:cNvPr id="8" name="TextBox 7">
+            <a:extLst>
+              <a:ext uri="{FF2B5EF4-FFF2-40B4-BE49-F238E27FC236}">
+                <a16:creationId xmlns:a16="http://schemas.microsoft.com/office/drawing/2014/main" id="{83A5D50A-7BF5-47B2-27E6-96AA33171B2B}"/>
+              </a:ext>
+            </a:extLst>
+          </p:cNvPr>
+          <p:cNvSpPr txBox="1">
+            <a:spLocks noGrp="1" noRot="1" noMove="1" noResize="1" noEditPoints="1" noAdjustHandles="1" noChangeArrowheads="1" noChangeShapeType="1"/>
+          </p:cNvSpPr>
+          <p:nvPr/>
+        </p:nvSpPr>
+        <p:spPr>
+          <a:xfrm>
+            <a:off x="2499360" y="383848"/>
+            <a:ext cx="8818879" cy="483017"/>
+          </a:xfrm>
+          <a:prstGeom prst="rect">
+            <a:avLst/>
+          </a:prstGeom>
+          <a:solidFill>
+            <a:srgbClr val="FF6709"/>
+          </a:solidFill>
+        </p:spPr>
+        <p:txBody>
+          <a:bodyPr wrap="square" rtlCol="0">
+            <a:spAutoFit/>
+          </a:bodyPr>
+          <a:lstStyle/>
+          <a:p>
+            <a:pPr>
+              <a:lnSpc>
+                <a:spcPct val="115000"/>
+              </a:lnSpc>
+            </a:pPr>
+            <a:r>
+              <a:rPr lang="en-IN" sz="2400" b="1" dirty="0">
+                <a:solidFill>
+                  <a:schemeClr val="bg1"/>
+                </a:solidFill>
+                <a:latin typeface="Times New Roman" panose="02020603050405020304" pitchFamily="18" charset="0"/>
+              </a:rPr>
+              <a:t>Future Work</a:t>
+            </a:r>
+          </a:p>
+        </p:txBody>
+      </p:sp>
+      <p:sp>
+        <p:nvSpPr>
+          <p:cNvPr id="3" name="TextBox 2">
+            <a:extLst>
+              <a:ext uri="{FF2B5EF4-FFF2-40B4-BE49-F238E27FC236}">
+                <a16:creationId xmlns:a16="http://schemas.microsoft.com/office/drawing/2014/main" id="{0619899A-31DA-FCDF-48CA-B2A307298A93}"/>
+              </a:ext>
+            </a:extLst>
+          </p:cNvPr>
+          <p:cNvSpPr txBox="1"/>
+          <p:nvPr/>
+        </p:nvSpPr>
+        <p:spPr>
+          <a:xfrm>
+            <a:off x="490220" y="1349647"/>
+            <a:ext cx="11473982" cy="3371885"/>
+          </a:xfrm>
+          <a:prstGeom prst="rect">
+            <a:avLst/>
+          </a:prstGeom>
+          <a:noFill/>
+        </p:spPr>
+        <p:txBody>
+          <a:bodyPr wrap="square">
+            <a:spAutoFit/>
+          </a:bodyPr>
+          <a:lstStyle/>
+          <a:p>
+            <a:pPr marL="285750" indent="-285750" algn="l">
+              <a:lnSpc>
+                <a:spcPct val="150000"/>
+              </a:lnSpc>
+              <a:buFont typeface="Wingdings" panose="05000000000000000000" pitchFamily="2" charset="2"/>
+              <a:buChar char="§"/>
+            </a:pPr>
+            <a:r>
+              <a:rPr lang="en-US" b="1" dirty="0">
+                <a:latin typeface="Times New Roman" panose="02020603050405020304" pitchFamily="18" charset="0"/>
+                <a:cs typeface="Times New Roman" panose="02020603050405020304" pitchFamily="18" charset="0"/>
+              </a:rPr>
+              <a:t>API Documentation</a:t>
+            </a:r>
+            <a:r>
+              <a:rPr lang="en-US" dirty="0">
+                <a:latin typeface="Times New Roman" panose="02020603050405020304" pitchFamily="18" charset="0"/>
+                <a:cs typeface="Times New Roman" panose="02020603050405020304" pitchFamily="18" charset="0"/>
+              </a:rPr>
+              <a:t>: Providing comprehensive documentation for the web service API can make it easier for developers to understand and utilize the service. This can improve </a:t>
+            </a:r>
+          </a:p>
+          <a:p>
+            <a:pPr marL="285750" indent="-285750">
+              <a:lnSpc>
+                <a:spcPct val="150000"/>
+              </a:lnSpc>
+              <a:buFont typeface="Wingdings" panose="05000000000000000000" pitchFamily="2" charset="2"/>
+              <a:buChar char="§"/>
+            </a:pPr>
+            <a:r>
+              <a:rPr lang="en-US" b="1" dirty="0">
+                <a:latin typeface="Times New Roman" panose="02020603050405020304" pitchFamily="18" charset="0"/>
+                <a:cs typeface="Times New Roman" panose="02020603050405020304" pitchFamily="18" charset="0"/>
+              </a:rPr>
+              <a:t>Public key infrastructure (PKI) and digital certificates</a:t>
+            </a:r>
+            <a:r>
+              <a:rPr lang="en-US" dirty="0">
+                <a:latin typeface="Times New Roman" panose="02020603050405020304" pitchFamily="18" charset="0"/>
+                <a:cs typeface="Times New Roman" panose="02020603050405020304" pitchFamily="18" charset="0"/>
+              </a:rPr>
+              <a:t>: An alternative for SSL which can provide more robust and scalable security mechanisms. PKI can enable secure authentication and encryption of data in transit, and it can also provide a mechanism for verifying the identity of the server and clients.</a:t>
+            </a:r>
+          </a:p>
+          <a:p>
+            <a:pPr marL="285750" indent="-285750">
+              <a:lnSpc>
+                <a:spcPct val="150000"/>
+              </a:lnSpc>
+              <a:buFont typeface="Wingdings" panose="05000000000000000000" pitchFamily="2" charset="2"/>
+              <a:buChar char="§"/>
+            </a:pPr>
+            <a:endParaRPr lang="en-US" dirty="0">
+              <a:latin typeface="Times New Roman" panose="02020603050405020304" pitchFamily="18" charset="0"/>
+              <a:cs typeface="Times New Roman" panose="02020603050405020304" pitchFamily="18" charset="0"/>
+            </a:endParaRPr>
+          </a:p>
+          <a:p>
+            <a:pPr>
+              <a:lnSpc>
+                <a:spcPct val="150000"/>
+              </a:lnSpc>
+            </a:pPr>
+            <a:r>
+              <a:rPr lang="en-US" dirty="0">
+                <a:latin typeface="Times New Roman" panose="02020603050405020304" pitchFamily="18" charset="0"/>
+                <a:cs typeface="Times New Roman" panose="02020603050405020304" pitchFamily="18" charset="0"/>
+              </a:rPr>
+              <a:t>Overall, these future work areas can enhance the functionality, usability, and scalability of the Employee web service, making it a more valuable tool for businesses and organizations.</a:t>
+            </a:r>
+          </a:p>
+        </p:txBody>
+      </p:sp>
+    </p:spTree>
+    <p:extLst>
+      <p:ext uri="{BB962C8B-B14F-4D97-AF65-F5344CB8AC3E}">
+        <p14:creationId xmlns:p14="http://schemas.microsoft.com/office/powerpoint/2010/main" val="2980498123"/>
+      </p:ext>
+    </p:extLst>
+  </p:cSld>
+  <p:clrMapOvr>
+    <a:masterClrMapping/>
+  </p:clrMapOvr>
+</p:sld>
+</file>
+
+<file path=ppt/slides/slide29.xml><?xml version="1.0" encoding="utf-8"?>
+<p:sld xmlns:a="http://schemas.openxmlformats.org/drawingml/2006/main" xmlns:r="http://schemas.openxmlformats.org/officeDocument/2006/relationships" xmlns:p="http://schemas.openxmlformats.org/presentationml/2006/main">
+  <p:cSld>
+    <p:spTree>
+      <p:nvGrpSpPr>
+        <p:cNvPr id="1" name=""/>
+        <p:cNvGrpSpPr/>
+        <p:nvPr/>
+      </p:nvGrpSpPr>
+      <p:grpSpPr>
+        <a:xfrm>
+          <a:off x="0" y="0"/>
+          <a:ext cx="0" cy="0"/>
+          <a:chOff x="0" y="0"/>
+          <a:chExt cx="0" cy="0"/>
+        </a:xfrm>
+      </p:grpSpPr>
+      <p:pic>
+        <p:nvPicPr>
+          <p:cNvPr id="4" name="Picture 3">
+            <a:extLst>
+              <a:ext uri="{FF2B5EF4-FFF2-40B4-BE49-F238E27FC236}">
+                <a16:creationId xmlns:a16="http://schemas.microsoft.com/office/drawing/2014/main" id="{3893C3C6-E6B4-0EAA-6168-B66B664B265B}"/>
+              </a:ext>
+            </a:extLst>
+          </p:cNvPr>
+          <p:cNvPicPr>
+            <a:picLocks noGrp="1" noRot="1" noChangeAspect="1" noMove="1" noResize="1" noEditPoints="1" noAdjustHandles="1" noChangeArrowheads="1" noChangeShapeType="1" noCrop="1"/>
+          </p:cNvPicPr>
+          <p:nvPr/>
+        </p:nvPicPr>
+        <p:blipFill>
+          <a:blip r:embed="rId2" cstate="email">
+            <a:extLst>
+              <a:ext uri="{28A0092B-C50C-407E-A947-70E740481C1C}">
+                <a14:useLocalDpi xmlns:a14="http://schemas.microsoft.com/office/drawing/2010/main"/>
+              </a:ext>
+            </a:extLst>
+          </a:blip>
+          <a:stretch>
+            <a:fillRect/>
+          </a:stretch>
+        </p:blipFill>
+        <p:spPr>
+          <a:xfrm flipH="1">
+            <a:off x="0" y="0"/>
+            <a:ext cx="12192000" cy="6858000"/>
+          </a:xfrm>
+          <a:prstGeom prst="rect">
+            <a:avLst/>
+          </a:prstGeom>
+        </p:spPr>
+      </p:pic>
+      <p:cxnSp>
+        <p:nvCxnSpPr>
+          <p:cNvPr id="5" name="Straight Connector 4">
+            <a:extLst>
+              <a:ext uri="{FF2B5EF4-FFF2-40B4-BE49-F238E27FC236}">
+                <a16:creationId xmlns:a16="http://schemas.microsoft.com/office/drawing/2014/main" id="{6317BEF4-F659-05B0-B884-5FBC9950BC38}"/>
+              </a:ext>
+            </a:extLst>
+          </p:cNvPr>
+          <p:cNvCxnSpPr>
+            <a:cxnSpLocks/>
+          </p:cNvCxnSpPr>
+          <p:nvPr/>
+        </p:nvCxnSpPr>
+        <p:spPr>
+          <a:xfrm>
+            <a:off x="2404113" y="383848"/>
+            <a:ext cx="0" cy="429893"/>
+          </a:xfrm>
+          <a:prstGeom prst="line">
+            <a:avLst/>
+          </a:prstGeom>
+          <a:ln w="12700">
+            <a:solidFill>
+              <a:srgbClr val="DD4F22"/>
+            </a:solidFill>
+          </a:ln>
+        </p:spPr>
+        <p:style>
+          <a:lnRef idx="1">
+            <a:schemeClr val="accent1"/>
+          </a:lnRef>
+          <a:fillRef idx="0">
+            <a:schemeClr val="accent1"/>
+          </a:fillRef>
+          <a:effectRef idx="0">
+            <a:schemeClr val="accent1"/>
+          </a:effectRef>
+          <a:fontRef idx="minor">
+            <a:schemeClr val="tx1"/>
+          </a:fontRef>
+        </p:style>
+      </p:cxnSp>
+      <p:pic>
+        <p:nvPicPr>
+          <p:cNvPr id="6" name="Picture 5">
+            <a:extLst>
+              <a:ext uri="{FF2B5EF4-FFF2-40B4-BE49-F238E27FC236}">
+                <a16:creationId xmlns:a16="http://schemas.microsoft.com/office/drawing/2014/main" id="{4C8E9BB0-02EA-460A-EDCE-9CB013DFF909}"/>
+              </a:ext>
+            </a:extLst>
+          </p:cNvPr>
+          <p:cNvPicPr>
+            <a:picLocks noGrp="1" noRot="1" noChangeAspect="1" noMove="1" noResize="1" noEditPoints="1" noAdjustHandles="1" noChangeArrowheads="1" noChangeShapeType="1" noCrop="1"/>
+          </p:cNvPicPr>
+          <p:nvPr/>
+        </p:nvPicPr>
+        <p:blipFill>
+          <a:blip r:embed="rId3">
+            <a:extLst>
+              <a:ext uri="{28A0092B-C50C-407E-A947-70E740481C1C}">
+                <a14:useLocalDpi xmlns:a14="http://schemas.microsoft.com/office/drawing/2010/main" val="0"/>
+              </a:ext>
+            </a:extLst>
+          </a:blip>
+          <a:srcRect/>
+          <a:stretch/>
+        </p:blipFill>
+        <p:spPr>
+          <a:xfrm>
+            <a:off x="217505" y="338023"/>
+            <a:ext cx="1963465" cy="521544"/>
+          </a:xfrm>
+          <a:prstGeom prst="rect">
+            <a:avLst/>
+          </a:prstGeom>
+        </p:spPr>
+      </p:pic>
+      <p:sp>
+        <p:nvSpPr>
+          <p:cNvPr id="8" name="TextBox 7">
+            <a:extLst>
+              <a:ext uri="{FF2B5EF4-FFF2-40B4-BE49-F238E27FC236}">
+                <a16:creationId xmlns:a16="http://schemas.microsoft.com/office/drawing/2014/main" id="{83A5D50A-7BF5-47B2-27E6-96AA33171B2B}"/>
+              </a:ext>
+            </a:extLst>
+          </p:cNvPr>
+          <p:cNvSpPr txBox="1">
+            <a:spLocks noGrp="1" noRot="1" noMove="1" noResize="1" noEditPoints="1" noAdjustHandles="1" noChangeArrowheads="1" noChangeShapeType="1"/>
+          </p:cNvSpPr>
+          <p:nvPr/>
+        </p:nvSpPr>
+        <p:spPr>
+          <a:xfrm>
+            <a:off x="2499360" y="383848"/>
+            <a:ext cx="8818879" cy="483017"/>
+          </a:xfrm>
+          <a:prstGeom prst="rect">
+            <a:avLst/>
+          </a:prstGeom>
+          <a:solidFill>
+            <a:srgbClr val="FF6709"/>
+          </a:solidFill>
+        </p:spPr>
+        <p:txBody>
+          <a:bodyPr wrap="square" rtlCol="0">
+            <a:spAutoFit/>
+          </a:bodyPr>
+          <a:lstStyle/>
+          <a:p>
+            <a:pPr>
+              <a:lnSpc>
+                <a:spcPct val="115000"/>
+              </a:lnSpc>
+            </a:pPr>
+            <a:r>
+              <a:rPr lang="en-IN" sz="2400" b="1" dirty="0">
+                <a:solidFill>
+                  <a:schemeClr val="bg1"/>
+                </a:solidFill>
+                <a:latin typeface="Times New Roman" panose="02020603050405020304" pitchFamily="18" charset="0"/>
+              </a:rPr>
+              <a:t>References</a:t>
+            </a:r>
+          </a:p>
+        </p:txBody>
+      </p:sp>
+      <p:sp>
+        <p:nvSpPr>
+          <p:cNvPr id="10" name="TextBox 9">
+            <a:extLst>
+              <a:ext uri="{FF2B5EF4-FFF2-40B4-BE49-F238E27FC236}">
+                <a16:creationId xmlns:a16="http://schemas.microsoft.com/office/drawing/2014/main" id="{61206C2F-BDF5-071B-EC7C-A93066E34658}"/>
+              </a:ext>
+            </a:extLst>
+          </p:cNvPr>
+          <p:cNvSpPr txBox="1"/>
+          <p:nvPr/>
+        </p:nvSpPr>
+        <p:spPr>
+          <a:xfrm>
+            <a:off x="480593" y="1537969"/>
+            <a:ext cx="11579857" cy="4197559"/>
+          </a:xfrm>
+          <a:prstGeom prst="rect">
+            <a:avLst/>
+          </a:prstGeom>
+          <a:noFill/>
+        </p:spPr>
+        <p:txBody>
+          <a:bodyPr wrap="square">
+            <a:spAutoFit/>
+          </a:bodyPr>
+          <a:lstStyle>
+            <a:defPPr>
+              <a:defRPr lang="en-US"/>
+            </a:defPPr>
+            <a:lvl1pPr>
+              <a:lnSpc>
+                <a:spcPct val="150000"/>
+              </a:lnSpc>
+              <a:defRPr>
+                <a:latin typeface="Times New Roman" panose="02020603050405020304" pitchFamily="18" charset="0"/>
+                <a:cs typeface="Times New Roman" panose="02020603050405020304" pitchFamily="18" charset="0"/>
+              </a:defRPr>
+            </a:lvl1pPr>
+          </a:lstStyle>
+          <a:p>
+            <a:pPr marL="342900" indent="-342900">
+              <a:buFont typeface="+mj-lt"/>
+              <a:buAutoNum type="arabicPeriod"/>
+            </a:pPr>
+            <a:r>
+              <a:rPr lang="en-IN" dirty="0"/>
+              <a:t>Spring Boot Documentation: </a:t>
+            </a:r>
+            <a:r>
+              <a:rPr lang="en-IN" dirty="0">
+                <a:hlinkClick r:id="rId4"/>
+              </a:rPr>
+              <a:t>https://spring.io/projects/spring-boot</a:t>
+            </a:r>
+            <a:endParaRPr lang="en-IN" dirty="0"/>
+          </a:p>
+          <a:p>
+            <a:pPr marL="342900" indent="-342900">
+              <a:buFont typeface="+mj-lt"/>
+              <a:buAutoNum type="arabicPeriod"/>
+            </a:pPr>
+            <a:r>
+              <a:rPr lang="en-IN" dirty="0"/>
+              <a:t>Kubernetes Documentation: </a:t>
+            </a:r>
+            <a:r>
+              <a:rPr lang="en-IN" dirty="0">
+                <a:hlinkClick r:id="rId5"/>
+              </a:rPr>
+              <a:t>https://kubernetes.io/docs/home/</a:t>
+            </a:r>
+            <a:endParaRPr lang="en-IN" dirty="0"/>
+          </a:p>
+          <a:p>
+            <a:pPr marL="342900" indent="-342900">
+              <a:buFont typeface="+mj-lt"/>
+              <a:buAutoNum type="arabicPeriod"/>
+            </a:pPr>
+            <a:r>
+              <a:rPr lang="en-IN" dirty="0"/>
+              <a:t>Docker Documentation: </a:t>
+            </a:r>
+            <a:r>
+              <a:rPr lang="en-IN" dirty="0">
+                <a:hlinkClick r:id="rId6"/>
+              </a:rPr>
+              <a:t>https://docs.docker.com/</a:t>
+            </a:r>
+            <a:endParaRPr lang="en-IN" dirty="0"/>
+          </a:p>
+          <a:p>
+            <a:pPr marL="342900" indent="-342900">
+              <a:buFont typeface="+mj-lt"/>
+              <a:buAutoNum type="arabicPeriod"/>
+            </a:pPr>
+            <a:r>
+              <a:rPr lang="en-IN" dirty="0"/>
+              <a:t>OpenSSL Documentation: </a:t>
+            </a:r>
+            <a:r>
+              <a:rPr lang="en-IN" dirty="0">
+                <a:hlinkClick r:id="rId7"/>
+              </a:rPr>
+              <a:t>https://www.openssl.org/docs/</a:t>
+            </a:r>
+            <a:endParaRPr lang="en-IN" dirty="0"/>
+          </a:p>
+          <a:p>
+            <a:pPr marL="342900" indent="-342900">
+              <a:buFont typeface="+mj-lt"/>
+              <a:buAutoNum type="arabicPeriod"/>
+            </a:pPr>
+            <a:r>
+              <a:rPr lang="en-IN" dirty="0"/>
+              <a:t>Jenkins Documentation: </a:t>
+            </a:r>
+            <a:r>
+              <a:rPr lang="en-IN" dirty="0">
+                <a:hlinkClick r:id="rId8"/>
+              </a:rPr>
+              <a:t>https://www.jenkins.io/doc/</a:t>
+            </a:r>
+            <a:endParaRPr lang="en-IN" dirty="0"/>
+          </a:p>
+          <a:p>
+            <a:pPr marL="342900" indent="-342900">
+              <a:buFont typeface="+mj-lt"/>
+              <a:buAutoNum type="arabicPeriod"/>
+            </a:pPr>
+            <a:r>
+              <a:rPr lang="en-IN" dirty="0"/>
+              <a:t>Git Documentation: </a:t>
+            </a:r>
+            <a:r>
+              <a:rPr lang="en-IN" dirty="0">
+                <a:hlinkClick r:id="rId9"/>
+              </a:rPr>
+              <a:t>https://git-scm.com/doc</a:t>
+            </a:r>
+            <a:endParaRPr lang="en-IN" dirty="0"/>
+          </a:p>
+          <a:p>
+            <a:pPr algn="l">
+              <a:buFont typeface="+mj-lt"/>
+              <a:buAutoNum type="arabicPeriod"/>
+            </a:pPr>
+            <a:r>
+              <a:rPr lang="fr-FR" dirty="0"/>
+              <a:t>   MySQL Documentation: </a:t>
+            </a:r>
+            <a:r>
+              <a:rPr lang="fr-FR" b="0" i="0" u="sng" dirty="0">
+                <a:solidFill>
+                  <a:srgbClr val="D1D5DB"/>
+                </a:solidFill>
+                <a:effectLst/>
+                <a:hlinkClick r:id="rId10"/>
+              </a:rPr>
+              <a:t>https://dev.mysql.com/doc/</a:t>
+            </a:r>
+            <a:endParaRPr lang="fr-FR" b="0" i="0" dirty="0">
+              <a:solidFill>
+                <a:srgbClr val="D1D5DB"/>
+              </a:solidFill>
+              <a:effectLst/>
+            </a:endParaRPr>
+          </a:p>
+          <a:p>
+            <a:pPr marL="342900" indent="-342900">
+              <a:buFont typeface="+mj-lt"/>
+              <a:buAutoNum type="arabicPeriod"/>
+            </a:pPr>
+            <a:r>
+              <a:rPr lang="en-IN" dirty="0"/>
+              <a:t>Postman Documentation: </a:t>
+            </a:r>
+            <a:r>
+              <a:rPr lang="en-IN" dirty="0">
+                <a:hlinkClick r:id="rId11"/>
+              </a:rPr>
+              <a:t>https://learning.postman.com/docs/getting-started/introduction/</a:t>
+            </a:r>
+            <a:endParaRPr lang="en-IN" dirty="0"/>
+          </a:p>
+          <a:p>
+            <a:pPr marL="342900" indent="-342900">
+              <a:buFont typeface="+mj-lt"/>
+              <a:buAutoNum type="arabicPeriod"/>
+            </a:pPr>
+            <a:r>
+              <a:rPr lang="en-IN" dirty="0" err="1"/>
+              <a:t>cURL</a:t>
+            </a:r>
+            <a:r>
+              <a:rPr lang="en-IN" dirty="0"/>
+              <a:t> Documentation</a:t>
+            </a:r>
+            <a:r>
+              <a:rPr lang="en-IN" b="0" i="0" dirty="0">
+                <a:solidFill>
+                  <a:srgbClr val="D1D5DB"/>
+                </a:solidFill>
+                <a:effectLst/>
+              </a:rPr>
+              <a:t>: </a:t>
+            </a:r>
+            <a:r>
+              <a:rPr lang="en-IN" b="0" i="0" u="sng" dirty="0">
+                <a:solidFill>
+                  <a:srgbClr val="D1D5DB"/>
+                </a:solidFill>
+                <a:effectLst/>
+                <a:hlinkClick r:id="rId12"/>
+              </a:rPr>
+              <a:t>https://curl.se/docs/</a:t>
+            </a:r>
+            <a:endParaRPr lang="en-IN" dirty="0"/>
+          </a:p>
+          <a:p>
+            <a:pPr marL="342900" indent="-342900">
+              <a:buFont typeface="+mj-lt"/>
+              <a:buAutoNum type="arabicPeriod"/>
+            </a:pPr>
+            <a:r>
+              <a:rPr lang="en-IN" dirty="0"/>
+              <a:t>Apache Tomcat Documentation: </a:t>
+            </a:r>
+            <a:r>
+              <a:rPr lang="en-IN" dirty="0">
+                <a:hlinkClick r:id="rId13"/>
+              </a:rPr>
+              <a:t>https://tomcat.apache.org/tomcat-9.0-doc/index.html</a:t>
+            </a:r>
+            <a:endParaRPr lang="en-IN" dirty="0"/>
+          </a:p>
+        </p:txBody>
+      </p:sp>
+    </p:spTree>
+    <p:extLst>
+      <p:ext uri="{BB962C8B-B14F-4D97-AF65-F5344CB8AC3E}">
+        <p14:creationId xmlns:p14="http://schemas.microsoft.com/office/powerpoint/2010/main" val="1694362061"/>
       </p:ext>
     </p:extLst>
   </p:cSld>
@@ -5439,8 +11022,8 @@
         </p:nvSpPr>
         <p:spPr>
           <a:xfrm>
-            <a:off x="490220" y="1349647"/>
-            <a:ext cx="5026660" cy="1340688"/>
+            <a:off x="449580" y="1262329"/>
+            <a:ext cx="10716260" cy="4197559"/>
           </a:xfrm>
           <a:prstGeom prst="rect">
             <a:avLst/>
@@ -5453,6 +11036,353 @@
           </a:bodyPr>
           <a:lstStyle/>
           <a:p>
+            <a:pPr marL="285750" indent="-285750" algn="l">
+              <a:lnSpc>
+                <a:spcPct val="150000"/>
+              </a:lnSpc>
+              <a:buFont typeface="Arial" panose="020B0604020202020204" pitchFamily="34" charset="0"/>
+              <a:buChar char="•"/>
+            </a:pPr>
+            <a:r>
+              <a:rPr lang="en-US" dirty="0">
+                <a:latin typeface="Times New Roman" panose="02020603050405020304" pitchFamily="18" charset="0"/>
+                <a:cs typeface="Times New Roman" panose="02020603050405020304" pitchFamily="18" charset="0"/>
+              </a:rPr>
+              <a:t>The project is designed to demonstrate the development and deployment of a secure web service that queries employee data from a database. The primary goal is to develop a web service that can retrieve employee data based on the employee ID, while also ensuring the security of the data through encryption and HTTPS.</a:t>
+            </a:r>
+          </a:p>
+          <a:p>
+            <a:pPr marL="285750" indent="-285750" algn="l">
+              <a:lnSpc>
+                <a:spcPct val="150000"/>
+              </a:lnSpc>
+              <a:buFont typeface="Arial" panose="020B0604020202020204" pitchFamily="34" charset="0"/>
+              <a:buChar char="•"/>
+            </a:pPr>
+            <a:endParaRPr lang="en-US" dirty="0">
+              <a:latin typeface="Times New Roman" panose="02020603050405020304" pitchFamily="18" charset="0"/>
+              <a:cs typeface="Times New Roman" panose="02020603050405020304" pitchFamily="18" charset="0"/>
+            </a:endParaRPr>
+          </a:p>
+          <a:p>
+            <a:pPr marL="285750" indent="-285750" algn="l">
+              <a:lnSpc>
+                <a:spcPct val="150000"/>
+              </a:lnSpc>
+              <a:buFont typeface="Arial" panose="020B0604020202020204" pitchFamily="34" charset="0"/>
+              <a:buChar char="•"/>
+            </a:pPr>
+            <a:r>
+              <a:rPr lang="en-US" dirty="0">
+                <a:latin typeface="Times New Roman" panose="02020603050405020304" pitchFamily="18" charset="0"/>
+                <a:cs typeface="Times New Roman" panose="02020603050405020304" pitchFamily="18" charset="0"/>
+              </a:rPr>
+              <a:t>In the organizations often need to retrieve employee data from a database, but doing so securely can be challenging. Accessing employee data through a web service is a common solution, but it requires careful consideration of security measures to prevent unauthorized access to sensitive information.</a:t>
+            </a:r>
+          </a:p>
+          <a:p>
+            <a:pPr marL="285750" indent="-285750" algn="l">
+              <a:lnSpc>
+                <a:spcPct val="150000"/>
+              </a:lnSpc>
+              <a:buFont typeface="Arial" panose="020B0604020202020204" pitchFamily="34" charset="0"/>
+              <a:buChar char="•"/>
+            </a:pPr>
+            <a:endParaRPr lang="en-US" dirty="0">
+              <a:latin typeface="Times New Roman" panose="02020603050405020304" pitchFamily="18" charset="0"/>
+              <a:cs typeface="Times New Roman" panose="02020603050405020304" pitchFamily="18" charset="0"/>
+            </a:endParaRPr>
+          </a:p>
+          <a:p>
+            <a:pPr marL="285750" indent="-285750" algn="l">
+              <a:lnSpc>
+                <a:spcPct val="150000"/>
+              </a:lnSpc>
+              <a:buFont typeface="Arial" panose="020B0604020202020204" pitchFamily="34" charset="0"/>
+              <a:buChar char="•"/>
+            </a:pPr>
+            <a:r>
+              <a:rPr lang="en-US" dirty="0">
+                <a:latin typeface="Times New Roman" panose="02020603050405020304" pitchFamily="18" charset="0"/>
+                <a:cs typeface="Times New Roman" panose="02020603050405020304" pitchFamily="18" charset="0"/>
+              </a:rPr>
+              <a:t>In this project we are developing a secure web service for retrieving employee data that ensures confidentiality and integrity of the data while maintaining availability to authorized users.</a:t>
+            </a:r>
+          </a:p>
+        </p:txBody>
+      </p:sp>
+      <p:sp>
+        <p:nvSpPr>
+          <p:cNvPr id="8" name="TextBox 7">
+            <a:extLst>
+              <a:ext uri="{FF2B5EF4-FFF2-40B4-BE49-F238E27FC236}">
+                <a16:creationId xmlns:a16="http://schemas.microsoft.com/office/drawing/2014/main" id="{83A5D50A-7BF5-47B2-27E6-96AA33171B2B}"/>
+              </a:ext>
+            </a:extLst>
+          </p:cNvPr>
+          <p:cNvSpPr txBox="1">
+            <a:spLocks noGrp="1" noRot="1" noMove="1" noResize="1" noEditPoints="1" noAdjustHandles="1" noChangeArrowheads="1" noChangeShapeType="1"/>
+          </p:cNvSpPr>
+          <p:nvPr/>
+        </p:nvSpPr>
+        <p:spPr>
+          <a:xfrm>
+            <a:off x="2499360" y="383848"/>
+            <a:ext cx="8818879" cy="461665"/>
+          </a:xfrm>
+          <a:prstGeom prst="rect">
+            <a:avLst/>
+          </a:prstGeom>
+          <a:solidFill>
+            <a:srgbClr val="FF6709"/>
+          </a:solidFill>
+        </p:spPr>
+        <p:txBody>
+          <a:bodyPr wrap="square" rtlCol="0">
+            <a:spAutoFit/>
+          </a:bodyPr>
+          <a:lstStyle/>
+          <a:p>
+            <a:r>
+              <a:rPr lang="en-IN" sz="2400" b="1" dirty="0">
+                <a:solidFill>
+                  <a:schemeClr val="bg1"/>
+                </a:solidFill>
+                <a:effectLst/>
+                <a:latin typeface="Times New Roman" panose="02020603050405020304" pitchFamily="18" charset="0"/>
+                <a:ea typeface="Arial" panose="020B0604020202020204" pitchFamily="34" charset="0"/>
+              </a:rPr>
+              <a:t>Introduction</a:t>
+            </a:r>
+            <a:endParaRPr lang="en-IN" sz="2400" dirty="0">
+              <a:solidFill>
+                <a:schemeClr val="bg1"/>
+              </a:solidFill>
+            </a:endParaRPr>
+          </a:p>
+        </p:txBody>
+      </p:sp>
+    </p:spTree>
+    <p:extLst>
+      <p:ext uri="{BB962C8B-B14F-4D97-AF65-F5344CB8AC3E}">
+        <p14:creationId xmlns:p14="http://schemas.microsoft.com/office/powerpoint/2010/main" val="902511292"/>
+      </p:ext>
+    </p:extLst>
+  </p:cSld>
+  <p:clrMapOvr>
+    <a:masterClrMapping/>
+  </p:clrMapOvr>
+</p:sld>
+</file>
+
+<file path=ppt/slides/slide30.xml><?xml version="1.0" encoding="utf-8"?>
+<p:sld xmlns:a="http://schemas.openxmlformats.org/drawingml/2006/main" xmlns:r="http://schemas.openxmlformats.org/officeDocument/2006/relationships" xmlns:p="http://schemas.openxmlformats.org/presentationml/2006/main">
+  <p:cSld>
+    <p:spTree>
+      <p:nvGrpSpPr>
+        <p:cNvPr id="1" name=""/>
+        <p:cNvGrpSpPr/>
+        <p:nvPr/>
+      </p:nvGrpSpPr>
+      <p:grpSpPr>
+        <a:xfrm>
+          <a:off x="0" y="0"/>
+          <a:ext cx="0" cy="0"/>
+          <a:chOff x="0" y="0"/>
+          <a:chExt cx="0" cy="0"/>
+        </a:xfrm>
+      </p:grpSpPr>
+      <p:pic>
+        <p:nvPicPr>
+          <p:cNvPr id="4" name="Picture 3">
+            <a:extLst>
+              <a:ext uri="{FF2B5EF4-FFF2-40B4-BE49-F238E27FC236}">
+                <a16:creationId xmlns:a16="http://schemas.microsoft.com/office/drawing/2014/main" id="{3893C3C6-E6B4-0EAA-6168-B66B664B265B}"/>
+              </a:ext>
+            </a:extLst>
+          </p:cNvPr>
+          <p:cNvPicPr>
+            <a:picLocks noGrp="1" noRot="1" noChangeAspect="1" noMove="1" noResize="1" noEditPoints="1" noAdjustHandles="1" noChangeArrowheads="1" noChangeShapeType="1" noCrop="1"/>
+          </p:cNvPicPr>
+          <p:nvPr/>
+        </p:nvPicPr>
+        <p:blipFill>
+          <a:blip r:embed="rId2" cstate="email">
+            <a:extLst>
+              <a:ext uri="{28A0092B-C50C-407E-A947-70E740481C1C}">
+                <a14:useLocalDpi xmlns:a14="http://schemas.microsoft.com/office/drawing/2010/main"/>
+              </a:ext>
+            </a:extLst>
+          </a:blip>
+          <a:stretch>
+            <a:fillRect/>
+          </a:stretch>
+        </p:blipFill>
+        <p:spPr>
+          <a:xfrm flipH="1">
+            <a:off x="0" y="0"/>
+            <a:ext cx="12192000" cy="6858000"/>
+          </a:xfrm>
+          <a:prstGeom prst="rect">
+            <a:avLst/>
+          </a:prstGeom>
+        </p:spPr>
+      </p:pic>
+      <p:cxnSp>
+        <p:nvCxnSpPr>
+          <p:cNvPr id="5" name="Straight Connector 4">
+            <a:extLst>
+              <a:ext uri="{FF2B5EF4-FFF2-40B4-BE49-F238E27FC236}">
+                <a16:creationId xmlns:a16="http://schemas.microsoft.com/office/drawing/2014/main" id="{6317BEF4-F659-05B0-B884-5FBC9950BC38}"/>
+              </a:ext>
+            </a:extLst>
+          </p:cNvPr>
+          <p:cNvCxnSpPr>
+            <a:cxnSpLocks/>
+          </p:cNvCxnSpPr>
+          <p:nvPr/>
+        </p:nvCxnSpPr>
+        <p:spPr>
+          <a:xfrm>
+            <a:off x="2404113" y="383848"/>
+            <a:ext cx="0" cy="429893"/>
+          </a:xfrm>
+          <a:prstGeom prst="line">
+            <a:avLst/>
+          </a:prstGeom>
+          <a:ln w="12700">
+            <a:solidFill>
+              <a:srgbClr val="DD4F22"/>
+            </a:solidFill>
+          </a:ln>
+        </p:spPr>
+        <p:style>
+          <a:lnRef idx="1">
+            <a:schemeClr val="accent1"/>
+          </a:lnRef>
+          <a:fillRef idx="0">
+            <a:schemeClr val="accent1"/>
+          </a:fillRef>
+          <a:effectRef idx="0">
+            <a:schemeClr val="accent1"/>
+          </a:effectRef>
+          <a:fontRef idx="minor">
+            <a:schemeClr val="tx1"/>
+          </a:fontRef>
+        </p:style>
+      </p:cxnSp>
+      <p:pic>
+        <p:nvPicPr>
+          <p:cNvPr id="6" name="Picture 5">
+            <a:extLst>
+              <a:ext uri="{FF2B5EF4-FFF2-40B4-BE49-F238E27FC236}">
+                <a16:creationId xmlns:a16="http://schemas.microsoft.com/office/drawing/2014/main" id="{4C8E9BB0-02EA-460A-EDCE-9CB013DFF909}"/>
+              </a:ext>
+            </a:extLst>
+          </p:cNvPr>
+          <p:cNvPicPr>
+            <a:picLocks noGrp="1" noRot="1" noChangeAspect="1" noMove="1" noResize="1" noEditPoints="1" noAdjustHandles="1" noChangeArrowheads="1" noChangeShapeType="1" noCrop="1"/>
+          </p:cNvPicPr>
+          <p:nvPr/>
+        </p:nvPicPr>
+        <p:blipFill>
+          <a:blip r:embed="rId3">
+            <a:extLst>
+              <a:ext uri="{28A0092B-C50C-407E-A947-70E740481C1C}">
+                <a14:useLocalDpi xmlns:a14="http://schemas.microsoft.com/office/drawing/2010/main" val="0"/>
+              </a:ext>
+            </a:extLst>
+          </a:blip>
+          <a:srcRect/>
+          <a:stretch/>
+        </p:blipFill>
+        <p:spPr>
+          <a:xfrm>
+            <a:off x="217505" y="338023"/>
+            <a:ext cx="1963465" cy="521544"/>
+          </a:xfrm>
+          <a:prstGeom prst="rect">
+            <a:avLst/>
+          </a:prstGeom>
+        </p:spPr>
+      </p:pic>
+      <p:sp>
+        <p:nvSpPr>
+          <p:cNvPr id="8" name="TextBox 7">
+            <a:extLst>
+              <a:ext uri="{FF2B5EF4-FFF2-40B4-BE49-F238E27FC236}">
+                <a16:creationId xmlns:a16="http://schemas.microsoft.com/office/drawing/2014/main" id="{83A5D50A-7BF5-47B2-27E6-96AA33171B2B}"/>
+              </a:ext>
+            </a:extLst>
+          </p:cNvPr>
+          <p:cNvSpPr txBox="1">
+            <a:spLocks noGrp="1" noRot="1" noMove="1" noResize="1" noEditPoints="1" noAdjustHandles="1" noChangeArrowheads="1" noChangeShapeType="1"/>
+          </p:cNvSpPr>
+          <p:nvPr/>
+        </p:nvSpPr>
+        <p:spPr>
+          <a:xfrm>
+            <a:off x="2499360" y="383848"/>
+            <a:ext cx="8818879" cy="483017"/>
+          </a:xfrm>
+          <a:prstGeom prst="rect">
+            <a:avLst/>
+          </a:prstGeom>
+          <a:solidFill>
+            <a:srgbClr val="FF6709"/>
+          </a:solidFill>
+        </p:spPr>
+        <p:txBody>
+          <a:bodyPr wrap="square" rtlCol="0">
+            <a:spAutoFit/>
+          </a:bodyPr>
+          <a:lstStyle/>
+          <a:p>
+            <a:pPr>
+              <a:lnSpc>
+                <a:spcPct val="115000"/>
+              </a:lnSpc>
+            </a:pPr>
+            <a:r>
+              <a:rPr lang="en-IN" sz="2400" b="1" dirty="0">
+                <a:solidFill>
+                  <a:schemeClr val="bg1"/>
+                </a:solidFill>
+                <a:latin typeface="Times New Roman" panose="02020603050405020304" pitchFamily="18" charset="0"/>
+              </a:rPr>
+              <a:t>Appendices</a:t>
+            </a:r>
+          </a:p>
+        </p:txBody>
+      </p:sp>
+      <p:sp>
+        <p:nvSpPr>
+          <p:cNvPr id="7" name="TextBox 6">
+            <a:extLst>
+              <a:ext uri="{FF2B5EF4-FFF2-40B4-BE49-F238E27FC236}">
+                <a16:creationId xmlns:a16="http://schemas.microsoft.com/office/drawing/2014/main" id="{1A521886-A1DC-C1EC-6392-5263384F6C69}"/>
+              </a:ext>
+            </a:extLst>
+          </p:cNvPr>
+          <p:cNvSpPr txBox="1"/>
+          <p:nvPr/>
+        </p:nvSpPr>
+        <p:spPr>
+          <a:xfrm>
+            <a:off x="490220" y="1349647"/>
+            <a:ext cx="5026660" cy="1022139"/>
+          </a:xfrm>
+          <a:prstGeom prst="rect">
+            <a:avLst/>
+          </a:prstGeom>
+          <a:noFill/>
+        </p:spPr>
+        <p:txBody>
+          <a:bodyPr wrap="square">
+            <a:spAutoFit/>
+          </a:bodyPr>
+          <a:lstStyle/>
+          <a:p>
             <a:pPr algn="just">
               <a:lnSpc>
                 <a:spcPct val="115000"/>
@@ -5464,7 +11394,7 @@
                 <a:latin typeface="Times New Roman" panose="02020603050405020304" pitchFamily="18" charset="0"/>
                 <a:ea typeface="Arial" panose="020B0604020202020204" pitchFamily="34" charset="0"/>
               </a:rPr>
-              <a:t>This section provides background information on the project, including the problem statement, research question, and objectives. It should also explain why the project is important and relevant.</a:t>
+              <a:t>This section includes any additional materials that support the project, such as screenshots, code snippets, or diagrams.</a:t>
             </a:r>
             <a:endParaRPr lang="en-IN" sz="1400" dirty="0">
               <a:effectLst/>
@@ -5474,6 +11404,150 @@
           </a:p>
         </p:txBody>
       </p:sp>
+    </p:spTree>
+    <p:extLst>
+      <p:ext uri="{BB962C8B-B14F-4D97-AF65-F5344CB8AC3E}">
+        <p14:creationId xmlns:p14="http://schemas.microsoft.com/office/powerpoint/2010/main" val="2714149063"/>
+      </p:ext>
+    </p:extLst>
+  </p:cSld>
+  <p:clrMapOvr>
+    <a:masterClrMapping/>
+  </p:clrMapOvr>
+</p:sld>
+</file>
+
+<file path=ppt/slides/slide31.xml><?xml version="1.0" encoding="utf-8"?>
+<p:sld xmlns:a="http://schemas.openxmlformats.org/drawingml/2006/main" xmlns:r="http://schemas.openxmlformats.org/officeDocument/2006/relationships" xmlns:p="http://schemas.openxmlformats.org/presentationml/2006/main">
+  <p:cSld>
+    <p:spTree>
+      <p:nvGrpSpPr>
+        <p:cNvPr id="1" name=""/>
+        <p:cNvGrpSpPr/>
+        <p:nvPr/>
+      </p:nvGrpSpPr>
+      <p:grpSpPr>
+        <a:xfrm>
+          <a:off x="0" y="0"/>
+          <a:ext cx="0" cy="0"/>
+          <a:chOff x="0" y="0"/>
+          <a:chExt cx="0" cy="0"/>
+        </a:xfrm>
+      </p:grpSpPr>
+      <p:pic>
+        <p:nvPicPr>
+          <p:cNvPr id="4" name="Picture 3">
+            <a:extLst>
+              <a:ext uri="{FF2B5EF4-FFF2-40B4-BE49-F238E27FC236}">
+                <a16:creationId xmlns:a16="http://schemas.microsoft.com/office/drawing/2014/main" id="{3893C3C6-E6B4-0EAA-6168-B66B664B265B}"/>
+              </a:ext>
+            </a:extLst>
+          </p:cNvPr>
+          <p:cNvPicPr>
+            <a:picLocks noGrp="1" noRot="1" noChangeAspect="1" noMove="1" noResize="1" noEditPoints="1" noAdjustHandles="1" noChangeArrowheads="1" noChangeShapeType="1" noCrop="1"/>
+          </p:cNvPicPr>
+          <p:nvPr/>
+        </p:nvPicPr>
+        <p:blipFill>
+          <a:blip r:embed="rId2" cstate="email">
+            <a:extLst>
+              <a:ext uri="{28A0092B-C50C-407E-A947-70E740481C1C}">
+                <a14:useLocalDpi xmlns:a14="http://schemas.microsoft.com/office/drawing/2010/main"/>
+              </a:ext>
+            </a:extLst>
+          </a:blip>
+          <a:stretch>
+            <a:fillRect/>
+          </a:stretch>
+        </p:blipFill>
+        <p:spPr>
+          <a:xfrm flipH="1">
+            <a:off x="0" y="0"/>
+            <a:ext cx="12192000" cy="6858000"/>
+          </a:xfrm>
+          <a:prstGeom prst="rect">
+            <a:avLst/>
+          </a:prstGeom>
+        </p:spPr>
+      </p:pic>
+      <p:cxnSp>
+        <p:nvCxnSpPr>
+          <p:cNvPr id="5" name="Straight Connector 4">
+            <a:extLst>
+              <a:ext uri="{FF2B5EF4-FFF2-40B4-BE49-F238E27FC236}">
+                <a16:creationId xmlns:a16="http://schemas.microsoft.com/office/drawing/2014/main" id="{6317BEF4-F659-05B0-B884-5FBC9950BC38}"/>
+              </a:ext>
+            </a:extLst>
+          </p:cNvPr>
+          <p:cNvCxnSpPr>
+            <a:cxnSpLocks/>
+          </p:cNvCxnSpPr>
+          <p:nvPr/>
+        </p:nvCxnSpPr>
+        <p:spPr>
+          <a:xfrm>
+            <a:off x="2404113" y="383848"/>
+            <a:ext cx="0" cy="429893"/>
+          </a:xfrm>
+          <a:prstGeom prst="line">
+            <a:avLst/>
+          </a:prstGeom>
+          <a:ln w="12700">
+            <a:solidFill>
+              <a:srgbClr val="DD4F22"/>
+            </a:solidFill>
+          </a:ln>
+        </p:spPr>
+        <p:style>
+          <a:lnRef idx="1">
+            <a:schemeClr val="accent1"/>
+          </a:lnRef>
+          <a:fillRef idx="0">
+            <a:schemeClr val="accent1"/>
+          </a:fillRef>
+          <a:effectRef idx="0">
+            <a:schemeClr val="accent1"/>
+          </a:effectRef>
+          <a:fontRef idx="minor">
+            <a:schemeClr val="tx1"/>
+          </a:fontRef>
+        </p:style>
+      </p:cxnSp>
+      <p:pic>
+        <p:nvPicPr>
+          <p:cNvPr id="6" name="Picture 5">
+            <a:extLst>
+              <a:ext uri="{FF2B5EF4-FFF2-40B4-BE49-F238E27FC236}">
+                <a16:creationId xmlns:a16="http://schemas.microsoft.com/office/drawing/2014/main" id="{4C8E9BB0-02EA-460A-EDCE-9CB013DFF909}"/>
+              </a:ext>
+            </a:extLst>
+          </p:cNvPr>
+          <p:cNvPicPr>
+            <a:picLocks noGrp="1" noRot="1" noChangeAspect="1" noMove="1" noResize="1" noEditPoints="1" noAdjustHandles="1" noChangeArrowheads="1" noChangeShapeType="1" noCrop="1"/>
+          </p:cNvPicPr>
+          <p:nvPr/>
+        </p:nvPicPr>
+        <p:blipFill>
+          <a:blip r:embed="rId3">
+            <a:extLst>
+              <a:ext uri="{28A0092B-C50C-407E-A947-70E740481C1C}">
+                <a14:useLocalDpi xmlns:a14="http://schemas.microsoft.com/office/drawing/2010/main" val="0"/>
+              </a:ext>
+            </a:extLst>
+          </a:blip>
+          <a:srcRect/>
+          <a:stretch/>
+        </p:blipFill>
+        <p:spPr>
+          <a:xfrm>
+            <a:off x="217505" y="338023"/>
+            <a:ext cx="1963465" cy="521544"/>
+          </a:xfrm>
+          <a:prstGeom prst="rect">
+            <a:avLst/>
+          </a:prstGeom>
+        </p:spPr>
+      </p:pic>
       <p:sp>
         <p:nvSpPr>
           <p:cNvPr id="8" name="TextBox 7">
@@ -5491,7 +11565,7 @@
         <p:spPr>
           <a:xfrm>
             <a:off x="2499360" y="383848"/>
-            <a:ext cx="8818879" cy="461665"/>
+            <a:ext cx="8818879" cy="483017"/>
           </a:xfrm>
           <a:prstGeom prst="rect">
             <a:avLst/>
@@ -5506,21 +11580,65 @@
           </a:bodyPr>
           <a:lstStyle/>
           <a:p>
-            <a:r>
-              <a:rPr lang="en-IN" sz="2400" b="1" dirty="0">
-                <a:solidFill>
-                  <a:schemeClr val="bg1"/>
-                </a:solidFill>
-                <a:effectLst/>
-                <a:latin typeface="Times New Roman" panose="02020603050405020304" pitchFamily="18" charset="0"/>
-                <a:ea typeface="Arial" panose="020B0604020202020204" pitchFamily="34" charset="0"/>
-              </a:rPr>
-              <a:t>Introduction</a:t>
-            </a:r>
-            <a:endParaRPr lang="en-IN" sz="2400" dirty="0">
+            <a:pPr>
+              <a:lnSpc>
+                <a:spcPct val="115000"/>
+              </a:lnSpc>
+            </a:pPr>
+            <a:endParaRPr lang="en-IN" sz="2400" b="1" dirty="0">
               <a:solidFill>
                 <a:schemeClr val="bg1"/>
               </a:solidFill>
+              <a:latin typeface="Times New Roman" panose="02020603050405020304" pitchFamily="18" charset="0"/>
+            </a:endParaRPr>
+          </a:p>
+        </p:txBody>
+      </p:sp>
+      <p:sp>
+        <p:nvSpPr>
+          <p:cNvPr id="7" name="TextBox 6">
+            <a:extLst>
+              <a:ext uri="{FF2B5EF4-FFF2-40B4-BE49-F238E27FC236}">
+                <a16:creationId xmlns:a16="http://schemas.microsoft.com/office/drawing/2014/main" id="{1A521886-A1DC-C1EC-6392-5263384F6C69}"/>
+              </a:ext>
+            </a:extLst>
+          </p:cNvPr>
+          <p:cNvSpPr txBox="1"/>
+          <p:nvPr/>
+        </p:nvSpPr>
+        <p:spPr>
+          <a:xfrm>
+            <a:off x="95586" y="2667317"/>
+            <a:ext cx="11493232" cy="1523366"/>
+          </a:xfrm>
+          <a:prstGeom prst="rect">
+            <a:avLst/>
+          </a:prstGeom>
+          <a:noFill/>
+        </p:spPr>
+        <p:txBody>
+          <a:bodyPr wrap="square">
+            <a:spAutoFit/>
+          </a:bodyPr>
+          <a:lstStyle/>
+          <a:p>
+            <a:pPr algn="ctr">
+              <a:lnSpc>
+                <a:spcPct val="115000"/>
+              </a:lnSpc>
+            </a:pPr>
+            <a:r>
+              <a:rPr lang="en-IN" sz="8800" dirty="0">
+                <a:effectLst/>
+                <a:latin typeface="Times New Roman" panose="02020603050405020304" pitchFamily="18" charset="0"/>
+                <a:ea typeface="Arial" panose="020B0604020202020204" pitchFamily="34" charset="0"/>
+              </a:rPr>
+              <a:t>Thank You</a:t>
+            </a:r>
+            <a:endParaRPr lang="en-IN" sz="7200" dirty="0">
+              <a:effectLst/>
+              <a:latin typeface="Arial" panose="020B0604020202020204" pitchFamily="34" charset="0"/>
+              <a:ea typeface="Arial" panose="020B0604020202020204" pitchFamily="34" charset="0"/>
             </a:endParaRPr>
           </a:p>
         </p:txBody>
@@ -5528,7 +11646,7 @@
     </p:spTree>
     <p:extLst>
       <p:ext uri="{BB962C8B-B14F-4D97-AF65-F5344CB8AC3E}">
-        <p14:creationId xmlns:p14="http://schemas.microsoft.com/office/powerpoint/2010/main" val="3066299370"/>
+        <p14:creationId xmlns:p14="http://schemas.microsoft.com/office/powerpoint/2010/main" val="3609295929"/>
       </p:ext>
     </p:extLst>
   </p:cSld>
@@ -5671,6 +11789,167 @@
       </p:pic>
       <p:sp>
         <p:nvSpPr>
+          <p:cNvPr id="7" name="TextBox 6">
+            <a:extLst>
+              <a:ext uri="{FF2B5EF4-FFF2-40B4-BE49-F238E27FC236}">
+                <a16:creationId xmlns:a16="http://schemas.microsoft.com/office/drawing/2014/main" id="{4EA6B4E1-DB62-ABC8-9376-891CD4ACDF4E}"/>
+              </a:ext>
+            </a:extLst>
+          </p:cNvPr>
+          <p:cNvSpPr txBox="1"/>
+          <p:nvPr/>
+        </p:nvSpPr>
+        <p:spPr>
+          <a:xfrm>
+            <a:off x="449580" y="1262329"/>
+            <a:ext cx="10716260" cy="3787383"/>
+          </a:xfrm>
+          <a:prstGeom prst="rect">
+            <a:avLst/>
+          </a:prstGeom>
+          <a:noFill/>
+        </p:spPr>
+        <p:txBody>
+          <a:bodyPr wrap="square">
+            <a:spAutoFit/>
+          </a:bodyPr>
+          <a:lstStyle/>
+          <a:p>
+            <a:pPr marL="285750" indent="-285750" algn="l">
+              <a:lnSpc>
+                <a:spcPct val="150000"/>
+              </a:lnSpc>
+              <a:buFont typeface="Arial" panose="020B0604020202020204" pitchFamily="34" charset="0"/>
+              <a:buChar char="•"/>
+            </a:pPr>
+            <a:r>
+              <a:rPr lang="en-US" dirty="0">
+                <a:latin typeface="Times New Roman" panose="02020603050405020304" pitchFamily="18" charset="0"/>
+                <a:cs typeface="Times New Roman" panose="02020603050405020304" pitchFamily="18" charset="0"/>
+              </a:rPr>
+              <a:t>The objectives of the project are to:</a:t>
+            </a:r>
+          </a:p>
+          <a:p>
+            <a:pPr marL="742950" lvl="2" indent="-285750">
+              <a:lnSpc>
+                <a:spcPct val="150000"/>
+              </a:lnSpc>
+              <a:buFont typeface="Wingdings" panose="05000000000000000000" pitchFamily="2" charset="2"/>
+              <a:buChar char="Ø"/>
+            </a:pPr>
+            <a:r>
+              <a:rPr lang="en-US" dirty="0">
+                <a:latin typeface="Times New Roman" panose="02020603050405020304" pitchFamily="18" charset="0"/>
+                <a:cs typeface="Times New Roman" panose="02020603050405020304" pitchFamily="18" charset="0"/>
+              </a:rPr>
+              <a:t>Develop a web service that queries employee data from a database</a:t>
+            </a:r>
+          </a:p>
+          <a:p>
+            <a:pPr marL="742950" lvl="2" indent="-285750">
+              <a:lnSpc>
+                <a:spcPct val="150000"/>
+              </a:lnSpc>
+              <a:buFont typeface="Wingdings" panose="05000000000000000000" pitchFamily="2" charset="2"/>
+              <a:buChar char="Ø"/>
+            </a:pPr>
+            <a:r>
+              <a:rPr lang="en-US" dirty="0">
+                <a:latin typeface="Times New Roman" panose="02020603050405020304" pitchFamily="18" charset="0"/>
+                <a:cs typeface="Times New Roman" panose="02020603050405020304" pitchFamily="18" charset="0"/>
+              </a:rPr>
+              <a:t>Securely transmit the data using HTTPS</a:t>
+            </a:r>
+          </a:p>
+          <a:p>
+            <a:pPr marL="742950" lvl="2" indent="-285750">
+              <a:lnSpc>
+                <a:spcPct val="150000"/>
+              </a:lnSpc>
+              <a:buFont typeface="Wingdings" panose="05000000000000000000" pitchFamily="2" charset="2"/>
+              <a:buChar char="Ø"/>
+            </a:pPr>
+            <a:r>
+              <a:rPr lang="en-US" dirty="0">
+                <a:latin typeface="Times New Roman" panose="02020603050405020304" pitchFamily="18" charset="0"/>
+                <a:cs typeface="Times New Roman" panose="02020603050405020304" pitchFamily="18" charset="0"/>
+              </a:rPr>
+              <a:t>Encrypt sensitive data to prevent unauthorized access</a:t>
+            </a:r>
+          </a:p>
+          <a:p>
+            <a:pPr marL="742950" lvl="2" indent="-285750">
+              <a:lnSpc>
+                <a:spcPct val="150000"/>
+              </a:lnSpc>
+              <a:buFont typeface="Wingdings" panose="05000000000000000000" pitchFamily="2" charset="2"/>
+              <a:buChar char="Ø"/>
+            </a:pPr>
+            <a:r>
+              <a:rPr lang="en-US" dirty="0">
+                <a:latin typeface="Times New Roman" panose="02020603050405020304" pitchFamily="18" charset="0"/>
+                <a:cs typeface="Times New Roman" panose="02020603050405020304" pitchFamily="18" charset="0"/>
+              </a:rPr>
+              <a:t>Implement logging functionality for tracking web service usage</a:t>
+            </a:r>
+          </a:p>
+          <a:p>
+            <a:pPr marL="742950" lvl="2" indent="-285750">
+              <a:lnSpc>
+                <a:spcPct val="150000"/>
+              </a:lnSpc>
+              <a:buFont typeface="Wingdings" panose="05000000000000000000" pitchFamily="2" charset="2"/>
+              <a:buChar char="Ø"/>
+            </a:pPr>
+            <a:r>
+              <a:rPr lang="en-US" dirty="0">
+                <a:latin typeface="Times New Roman" panose="02020603050405020304" pitchFamily="18" charset="0"/>
+                <a:cs typeface="Times New Roman" panose="02020603050405020304" pitchFamily="18" charset="0"/>
+              </a:rPr>
+              <a:t>Containerize the web service and deploy it on Kubernetes for scalability and availability</a:t>
+            </a:r>
+          </a:p>
+          <a:p>
+            <a:pPr marL="742950" lvl="2" indent="-285750">
+              <a:lnSpc>
+                <a:spcPct val="150000"/>
+              </a:lnSpc>
+              <a:buFont typeface="Arial" panose="020B0604020202020204" pitchFamily="34" charset="0"/>
+              <a:buChar char="•"/>
+            </a:pPr>
+            <a:endParaRPr lang="en-US" dirty="0">
+              <a:latin typeface="Times New Roman" panose="02020603050405020304" pitchFamily="18" charset="0"/>
+              <a:cs typeface="Times New Roman" panose="02020603050405020304" pitchFamily="18" charset="0"/>
+            </a:endParaRPr>
+          </a:p>
+          <a:p>
+            <a:pPr marL="285750" indent="-285750" algn="l">
+              <a:lnSpc>
+                <a:spcPct val="150000"/>
+              </a:lnSpc>
+              <a:buFont typeface="Arial" panose="020B0604020202020204" pitchFamily="34" charset="0"/>
+              <a:buChar char="•"/>
+            </a:pPr>
+            <a:r>
+              <a:rPr lang="en-US" sz="1800" dirty="0">
+                <a:latin typeface="Times New Roman" panose="02020603050405020304" pitchFamily="18" charset="0"/>
+                <a:cs typeface="Times New Roman" panose="02020603050405020304" pitchFamily="18" charset="0"/>
+              </a:rPr>
+              <a:t>In this project we have learned how to resolve </a:t>
+            </a:r>
+            <a:r>
+              <a:rPr lang="en-US" dirty="0">
+                <a:latin typeface="Times New Roman" panose="02020603050405020304" pitchFamily="18" charset="0"/>
+                <a:cs typeface="Times New Roman" panose="02020603050405020304" pitchFamily="18" charset="0"/>
+              </a:rPr>
+              <a:t>issues while demonstrating the use of popular software development tools such as Spring Boot, Jenkins, docker and Kubernetes.</a:t>
+            </a:r>
+          </a:p>
+        </p:txBody>
+      </p:sp>
+      <p:sp>
+        <p:nvSpPr>
           <p:cNvPr id="8" name="TextBox 7">
             <a:extLst>
               <a:ext uri="{FF2B5EF4-FFF2-40B4-BE49-F238E27FC236}">
@@ -5710,64 +11989,12 @@
                 <a:latin typeface="Times New Roman" panose="02020603050405020304" pitchFamily="18" charset="0"/>
                 <a:ea typeface="Arial" panose="020B0604020202020204" pitchFamily="34" charset="0"/>
               </a:rPr>
-              <a:t>Project Overview</a:t>
-            </a:r>
-            <a:endParaRPr lang="en-IN" sz="1400" dirty="0">
+              <a:t>Introduction</a:t>
+            </a:r>
+            <a:endParaRPr lang="en-IN" sz="2400" dirty="0">
               <a:solidFill>
                 <a:schemeClr val="bg1"/>
               </a:solidFill>
-              <a:effectLst/>
-              <a:latin typeface="Arial" panose="020B0604020202020204" pitchFamily="34" charset="0"/>
-              <a:ea typeface="Arial" panose="020B0604020202020204" pitchFamily="34" charset="0"/>
-            </a:endParaRPr>
-          </a:p>
-        </p:txBody>
-      </p:sp>
-      <p:sp>
-        <p:nvSpPr>
-          <p:cNvPr id="9" name="TextBox 8">
-            <a:extLst>
-              <a:ext uri="{FF2B5EF4-FFF2-40B4-BE49-F238E27FC236}">
-                <a16:creationId xmlns:a16="http://schemas.microsoft.com/office/drawing/2014/main" id="{9E6CB871-F71A-0AA9-2DC6-C9AA195CBD29}"/>
-              </a:ext>
-            </a:extLst>
-          </p:cNvPr>
-          <p:cNvSpPr txBox="1"/>
-          <p:nvPr/>
-        </p:nvSpPr>
-        <p:spPr>
-          <a:xfrm>
-            <a:off x="490220" y="1349647"/>
-            <a:ext cx="5026660" cy="1022139"/>
-          </a:xfrm>
-          <a:prstGeom prst="rect">
-            <a:avLst/>
-          </a:prstGeom>
-          <a:noFill/>
-        </p:spPr>
-        <p:txBody>
-          <a:bodyPr wrap="square">
-            <a:spAutoFit/>
-          </a:bodyPr>
-          <a:lstStyle/>
-          <a:p>
-            <a:pPr>
-              <a:lnSpc>
-                <a:spcPct val="115000"/>
-              </a:lnSpc>
-            </a:pPr>
-            <a:r>
-              <a:rPr lang="en-IN" sz="1800" dirty="0">
-                <a:effectLst/>
-                <a:latin typeface="Times New Roman" panose="02020603050405020304" pitchFamily="18" charset="0"/>
-                <a:ea typeface="Arial" panose="020B0604020202020204" pitchFamily="34" charset="0"/>
-              </a:rPr>
-              <a:t>This section provides a general overview of the project, including the features, functionality, and technology stack used.</a:t>
-            </a:r>
-            <a:endParaRPr lang="en-IN" sz="1400" dirty="0">
-              <a:effectLst/>
-              <a:latin typeface="Arial" panose="020B0604020202020204" pitchFamily="34" charset="0"/>
-              <a:ea typeface="Arial" panose="020B0604020202020204" pitchFamily="34" charset="0"/>
             </a:endParaRPr>
           </a:p>
         </p:txBody>
@@ -5775,7 +12002,7 @@
     </p:spTree>
     <p:extLst>
       <p:ext uri="{BB962C8B-B14F-4D97-AF65-F5344CB8AC3E}">
-        <p14:creationId xmlns:p14="http://schemas.microsoft.com/office/powerpoint/2010/main" val="4078025115"/>
+        <p14:creationId xmlns:p14="http://schemas.microsoft.com/office/powerpoint/2010/main" val="2598385153"/>
       </p:ext>
     </p:extLst>
   </p:cSld>
@@ -5957,7 +12184,7 @@
                 <a:latin typeface="Times New Roman" panose="02020603050405020304" pitchFamily="18" charset="0"/>
                 <a:ea typeface="Arial" panose="020B0604020202020204" pitchFamily="34" charset="0"/>
               </a:rPr>
-              <a:t>Architecture Design</a:t>
+              <a:t>Project Overview</a:t>
             </a:r>
             <a:endParaRPr lang="en-IN" sz="1400" dirty="0">
               <a:solidFill>
@@ -5972,10 +12199,10 @@
       </p:sp>
       <p:sp>
         <p:nvSpPr>
-          <p:cNvPr id="10" name="TextBox 9">
-            <a:extLst>
-              <a:ext uri="{FF2B5EF4-FFF2-40B4-BE49-F238E27FC236}">
-                <a16:creationId xmlns:a16="http://schemas.microsoft.com/office/drawing/2014/main" id="{F71EEDC0-3CC6-66B5-D744-43E72A9CA66B}"/>
+          <p:cNvPr id="9" name="TextBox 8">
+            <a:extLst>
+              <a:ext uri="{FF2B5EF4-FFF2-40B4-BE49-F238E27FC236}">
+                <a16:creationId xmlns:a16="http://schemas.microsoft.com/office/drawing/2014/main" id="{9E6CB871-F71A-0AA9-2DC6-C9AA195CBD29}"/>
               </a:ext>
             </a:extLst>
           </p:cNvPr>
@@ -5984,8 +12211,8 @@
         </p:nvSpPr>
         <p:spPr>
           <a:xfrm>
-            <a:off x="490220" y="1349647"/>
-            <a:ext cx="5026660" cy="1022139"/>
+            <a:off x="490219" y="1349647"/>
+            <a:ext cx="11295379" cy="5444054"/>
           </a:xfrm>
           <a:prstGeom prst="rect">
             <a:avLst/>
@@ -5998,23 +12225,189 @@
           </a:bodyPr>
           <a:lstStyle/>
           <a:p>
-            <a:pPr algn="just">
-              <a:lnSpc>
-                <a:spcPct val="115000"/>
-              </a:lnSpc>
-            </a:pPr>
-            <a:r>
-              <a:rPr lang="en-IN" sz="1800" dirty="0">
-                <a:effectLst/>
-                <a:latin typeface="Times New Roman" panose="02020603050405020304" pitchFamily="18" charset="0"/>
-                <a:ea typeface="Arial" panose="020B0604020202020204" pitchFamily="34" charset="0"/>
-              </a:rPr>
-              <a:t>This section explains the overall architecture of the application, including the design of the front-end, back-end, and database components.</a:t>
-            </a:r>
-            <a:endParaRPr lang="en-IN" sz="1400" dirty="0">
-              <a:effectLst/>
-              <a:latin typeface="Arial" panose="020B0604020202020204" pitchFamily="34" charset="0"/>
-              <a:ea typeface="Arial" panose="020B0604020202020204" pitchFamily="34" charset="0"/>
+            <a:pPr marL="285750" indent="-285750">
+              <a:lnSpc>
+                <a:spcPct val="150000"/>
+              </a:lnSpc>
+              <a:buFont typeface="Arial" panose="020B0604020202020204" pitchFamily="34" charset="0"/>
+              <a:buChar char="•"/>
+            </a:pPr>
+            <a:r>
+              <a:rPr lang="en-US" dirty="0">
+                <a:latin typeface="Times New Roman" panose="02020603050405020304" pitchFamily="18" charset="0"/>
+                <a:cs typeface="Times New Roman" panose="02020603050405020304" pitchFamily="18" charset="0"/>
+              </a:rPr>
+              <a:t>The project involves the development and deployment of a secure web service that retrieves employee data from a database. The web service is implemented using Java and Spring Boot, and can be accessed through an HTTP request that takes an Employee ID as a parameter and returns the corresponding </a:t>
+            </a:r>
+            <a:r>
+              <a:rPr lang="en-US" dirty="0" err="1">
+                <a:latin typeface="Times New Roman" panose="02020603050405020304" pitchFamily="18" charset="0"/>
+                <a:cs typeface="Times New Roman" panose="02020603050405020304" pitchFamily="18" charset="0"/>
+              </a:rPr>
+              <a:t>EmployeeName</a:t>
+            </a:r>
+            <a:r>
+              <a:rPr lang="en-US" dirty="0">
+                <a:latin typeface="Times New Roman" panose="02020603050405020304" pitchFamily="18" charset="0"/>
+                <a:cs typeface="Times New Roman" panose="02020603050405020304" pitchFamily="18" charset="0"/>
+              </a:rPr>
+              <a:t> and </a:t>
+            </a:r>
+            <a:r>
+              <a:rPr lang="en-US" dirty="0" err="1">
+                <a:latin typeface="Times New Roman" panose="02020603050405020304" pitchFamily="18" charset="0"/>
+                <a:cs typeface="Times New Roman" panose="02020603050405020304" pitchFamily="18" charset="0"/>
+              </a:rPr>
+              <a:t>DateOfBirth</a:t>
+            </a:r>
+            <a:r>
+              <a:rPr lang="en-US" dirty="0">
+                <a:latin typeface="Times New Roman" panose="02020603050405020304" pitchFamily="18" charset="0"/>
+                <a:cs typeface="Times New Roman" panose="02020603050405020304" pitchFamily="18" charset="0"/>
+              </a:rPr>
+              <a:t>.</a:t>
+            </a:r>
+          </a:p>
+          <a:p>
+            <a:pPr marL="285750" indent="-285750">
+              <a:lnSpc>
+                <a:spcPct val="150000"/>
+              </a:lnSpc>
+              <a:buFont typeface="Arial" panose="020B0604020202020204" pitchFamily="34" charset="0"/>
+              <a:buChar char="•"/>
+            </a:pPr>
+            <a:endParaRPr lang="en-US" dirty="0">
+              <a:latin typeface="Times New Roman" panose="02020603050405020304" pitchFamily="18" charset="0"/>
+              <a:cs typeface="Times New Roman" panose="02020603050405020304" pitchFamily="18" charset="0"/>
+            </a:endParaRPr>
+          </a:p>
+          <a:p>
+            <a:pPr>
+              <a:lnSpc>
+                <a:spcPct val="150000"/>
+              </a:lnSpc>
+            </a:pPr>
+            <a:r>
+              <a:rPr lang="en-US" b="1" dirty="0">
+                <a:latin typeface="Times New Roman" panose="02020603050405020304" pitchFamily="18" charset="0"/>
+                <a:cs typeface="Times New Roman" panose="02020603050405020304" pitchFamily="18" charset="0"/>
+              </a:rPr>
+              <a:t>The key features of the web service:</a:t>
+            </a:r>
+          </a:p>
+          <a:p>
+            <a:pPr>
+              <a:lnSpc>
+                <a:spcPct val="150000"/>
+              </a:lnSpc>
+            </a:pPr>
+            <a:endParaRPr lang="en-US" b="1" dirty="0">
+              <a:latin typeface="Times New Roman" panose="02020603050405020304" pitchFamily="18" charset="0"/>
+              <a:cs typeface="Times New Roman" panose="02020603050405020304" pitchFamily="18" charset="0"/>
+            </a:endParaRPr>
+          </a:p>
+          <a:p>
+            <a:pPr algn="l">
+              <a:lnSpc>
+                <a:spcPct val="150000"/>
+              </a:lnSpc>
+              <a:buFont typeface="Arial" panose="020B0604020202020204" pitchFamily="34" charset="0"/>
+              <a:buChar char="•"/>
+            </a:pPr>
+            <a:r>
+              <a:rPr lang="en-US" dirty="0">
+                <a:latin typeface="Times New Roman" panose="02020603050405020304" pitchFamily="18" charset="0"/>
+                <a:cs typeface="Times New Roman" panose="02020603050405020304" pitchFamily="18" charset="0"/>
+              </a:rPr>
+              <a:t>Secure access to employee data through HTTPS</a:t>
+            </a:r>
+          </a:p>
+          <a:p>
+            <a:pPr algn="l">
+              <a:lnSpc>
+                <a:spcPct val="150000"/>
+              </a:lnSpc>
+              <a:buFont typeface="Arial" panose="020B0604020202020204" pitchFamily="34" charset="0"/>
+              <a:buChar char="•"/>
+            </a:pPr>
+            <a:r>
+              <a:rPr lang="en-US" dirty="0">
+                <a:latin typeface="Times New Roman" panose="02020603050405020304" pitchFamily="18" charset="0"/>
+                <a:cs typeface="Times New Roman" panose="02020603050405020304" pitchFamily="18" charset="0"/>
+              </a:rPr>
+              <a:t>Encryption of sensitive data using AES-256</a:t>
+            </a:r>
+          </a:p>
+          <a:p>
+            <a:pPr algn="l">
+              <a:lnSpc>
+                <a:spcPct val="150000"/>
+              </a:lnSpc>
+              <a:buFont typeface="Arial" panose="020B0604020202020204" pitchFamily="34" charset="0"/>
+              <a:buChar char="•"/>
+            </a:pPr>
+            <a:r>
+              <a:rPr lang="en-US" dirty="0">
+                <a:latin typeface="Times New Roman" panose="02020603050405020304" pitchFamily="18" charset="0"/>
+                <a:cs typeface="Times New Roman" panose="02020603050405020304" pitchFamily="18" charset="0"/>
+              </a:rPr>
+              <a:t>Logging of web service usage to track access to employee data</a:t>
+            </a:r>
+          </a:p>
+          <a:p>
+            <a:pPr algn="l">
+              <a:lnSpc>
+                <a:spcPct val="150000"/>
+              </a:lnSpc>
+              <a:buFont typeface="Arial" panose="020B0604020202020204" pitchFamily="34" charset="0"/>
+              <a:buChar char="•"/>
+            </a:pPr>
+            <a:r>
+              <a:rPr lang="en-US" dirty="0">
+                <a:latin typeface="Times New Roman" panose="02020603050405020304" pitchFamily="18" charset="0"/>
+                <a:cs typeface="Times New Roman" panose="02020603050405020304" pitchFamily="18" charset="0"/>
+              </a:rPr>
+              <a:t>Containerization of the web service for scalability and availability</a:t>
+            </a:r>
+          </a:p>
+          <a:p>
+            <a:pPr algn="l">
+              <a:lnSpc>
+                <a:spcPct val="150000"/>
+              </a:lnSpc>
+              <a:buFont typeface="Arial" panose="020B0604020202020204" pitchFamily="34" charset="0"/>
+              <a:buChar char="•"/>
+            </a:pPr>
+            <a:r>
+              <a:rPr lang="en-US" dirty="0">
+                <a:latin typeface="Times New Roman" panose="02020603050405020304" pitchFamily="18" charset="0"/>
+                <a:cs typeface="Times New Roman" panose="02020603050405020304" pitchFamily="18" charset="0"/>
+              </a:rPr>
+              <a:t>Deployment on Kubernetes for automated scaling and management</a:t>
+            </a:r>
+          </a:p>
+          <a:p>
+            <a:pPr>
+              <a:lnSpc>
+                <a:spcPct val="150000"/>
+              </a:lnSpc>
+            </a:pPr>
+            <a:endParaRPr lang="en-US" b="1" dirty="0">
+              <a:latin typeface="Times New Roman" panose="02020603050405020304" pitchFamily="18" charset="0"/>
+              <a:cs typeface="Times New Roman" panose="02020603050405020304" pitchFamily="18" charset="0"/>
+            </a:endParaRPr>
+          </a:p>
+          <a:p>
+            <a:pPr marL="285750" indent="-285750">
+              <a:lnSpc>
+                <a:spcPct val="150000"/>
+              </a:lnSpc>
+              <a:buFont typeface="Arial" panose="020B0604020202020204" pitchFamily="34" charset="0"/>
+              <a:buChar char="•"/>
+            </a:pPr>
+            <a:endParaRPr lang="en-IN" dirty="0">
+              <a:latin typeface="Times New Roman" panose="02020603050405020304" pitchFamily="18" charset="0"/>
+              <a:cs typeface="Times New Roman" panose="02020603050405020304" pitchFamily="18" charset="0"/>
             </a:endParaRPr>
           </a:p>
         </p:txBody>
@@ -6022,7 +12415,7 @@
     </p:spTree>
     <p:extLst>
       <p:ext uri="{BB962C8B-B14F-4D97-AF65-F5344CB8AC3E}">
-        <p14:creationId xmlns:p14="http://schemas.microsoft.com/office/powerpoint/2010/main" val="503207019"/>
+        <p14:creationId xmlns:p14="http://schemas.microsoft.com/office/powerpoint/2010/main" val="3549916448"/>
       </p:ext>
     </p:extLst>
   </p:cSld>
@@ -6180,7 +12573,7 @@
         <p:spPr>
           <a:xfrm>
             <a:off x="2499360" y="383848"/>
-            <a:ext cx="8818879" cy="482633"/>
+            <a:ext cx="8818879" cy="461665"/>
           </a:xfrm>
           <a:prstGeom prst="rect">
             <a:avLst/>
@@ -6195,11 +12588,6 @@
           </a:bodyPr>
           <a:lstStyle/>
           <a:p>
-            <a:pPr>
-              <a:lnSpc>
-                <a:spcPct val="115000"/>
-              </a:lnSpc>
-            </a:pPr>
             <a:r>
               <a:rPr lang="en-IN" sz="2400" b="1" dirty="0">
                 <a:solidFill>
@@ -6209,7 +12597,7 @@
                 <a:latin typeface="Times New Roman" panose="02020603050405020304" pitchFamily="18" charset="0"/>
                 <a:ea typeface="Arial" panose="020B0604020202020204" pitchFamily="34" charset="0"/>
               </a:rPr>
-              <a:t>User Interface Design</a:t>
+              <a:t>Project Overview</a:t>
             </a:r>
             <a:endParaRPr lang="en-IN" sz="1400" dirty="0">
               <a:solidFill>
@@ -6224,10 +12612,10 @@
       </p:sp>
       <p:sp>
         <p:nvSpPr>
-          <p:cNvPr id="7" name="TextBox 6">
-            <a:extLst>
-              <a:ext uri="{FF2B5EF4-FFF2-40B4-BE49-F238E27FC236}">
-                <a16:creationId xmlns:a16="http://schemas.microsoft.com/office/drawing/2014/main" id="{665F3BBB-36FE-E6E4-6217-C50A5E5EF88B}"/>
+          <p:cNvPr id="9" name="TextBox 8">
+            <a:extLst>
+              <a:ext uri="{FF2B5EF4-FFF2-40B4-BE49-F238E27FC236}">
+                <a16:creationId xmlns:a16="http://schemas.microsoft.com/office/drawing/2014/main" id="{9E6CB871-F71A-0AA9-2DC6-C9AA195CBD29}"/>
               </a:ext>
             </a:extLst>
           </p:cNvPr>
@@ -6236,8 +12624,8 @@
         </p:nvSpPr>
         <p:spPr>
           <a:xfrm>
-            <a:off x="490220" y="1349647"/>
-            <a:ext cx="5026660" cy="1022139"/>
+            <a:off x="500519" y="1019940"/>
+            <a:ext cx="11502183" cy="5915915"/>
           </a:xfrm>
           <a:prstGeom prst="rect">
             <a:avLst/>
@@ -6256,29 +12644,123 @@
               </a:lnSpc>
             </a:pPr>
             <a:r>
-              <a:rPr lang="en-IN" sz="1800" dirty="0">
+              <a:rPr lang="en-IN" sz="2000" b="1" dirty="0">
                 <a:effectLst/>
                 <a:latin typeface="Times New Roman" panose="02020603050405020304" pitchFamily="18" charset="0"/>
                 <a:ea typeface="Arial" panose="020B0604020202020204" pitchFamily="34" charset="0"/>
               </a:rPr>
-              <a:t>This section explains the design of the user interface, including wireframes, </a:t>
-            </a:r>
-            <a:r>
-              <a:rPr lang="en-IN" sz="1800" dirty="0" err="1">
+              <a:t>Functionalities of </a:t>
+            </a:r>
+            <a:r>
+              <a:rPr lang="en-IN" sz="2000" b="1" dirty="0">
+                <a:latin typeface="Times New Roman" panose="02020603050405020304" pitchFamily="18" charset="0"/>
+                <a:ea typeface="Arial" panose="020B0604020202020204" pitchFamily="34" charset="0"/>
+              </a:rPr>
+              <a:t>the </a:t>
+            </a:r>
+            <a:r>
+              <a:rPr lang="en-IN" sz="2000" b="1" dirty="0">
                 <a:effectLst/>
                 <a:latin typeface="Times New Roman" panose="02020603050405020304" pitchFamily="18" charset="0"/>
                 <a:ea typeface="Arial" panose="020B0604020202020204" pitchFamily="34" charset="0"/>
               </a:rPr>
-              <a:t>mockups</a:t>
-            </a:r>
-            <a:r>
-              <a:rPr lang="en-IN" sz="1800" dirty="0">
-                <a:effectLst/>
-                <a:latin typeface="Times New Roman" panose="02020603050405020304" pitchFamily="18" charset="0"/>
-                <a:ea typeface="Arial" panose="020B0604020202020204" pitchFamily="34" charset="0"/>
-              </a:rPr>
-              <a:t>, and user flows.</a:t>
-            </a:r>
+              <a:t>web Service</a:t>
+            </a:r>
+          </a:p>
+          <a:p>
+            <a:pPr>
+              <a:lnSpc>
+                <a:spcPct val="115000"/>
+              </a:lnSpc>
+            </a:pPr>
+            <a:endParaRPr lang="en-IN" sz="2000" b="1" dirty="0">
+              <a:effectLst/>
+              <a:latin typeface="Times New Roman" panose="02020603050405020304" pitchFamily="18" charset="0"/>
+              <a:ea typeface="Arial" panose="020B0604020202020204" pitchFamily="34" charset="0"/>
+            </a:endParaRPr>
+          </a:p>
+          <a:p>
+            <a:pPr marL="285750" indent="-285750" algn="l">
+              <a:lnSpc>
+                <a:spcPct val="150000"/>
+              </a:lnSpc>
+              <a:buFont typeface="Arial" panose="020B0604020202020204" pitchFamily="34" charset="0"/>
+              <a:buChar char="•"/>
+            </a:pPr>
+            <a:r>
+              <a:rPr lang="en-US" dirty="0">
+                <a:latin typeface="Times New Roman" panose="02020603050405020304" pitchFamily="18" charset="0"/>
+                <a:cs typeface="Times New Roman" panose="02020603050405020304" pitchFamily="18" charset="0"/>
+              </a:rPr>
+              <a:t>One of the key features of the web service is its secure access to employee data through HTTPS. This ensures that sensitive employee data is encrypted during transmission over the network, preventing unauthorized access to the data. In addition to HTTPS, the project also uses self-signed certificates for testing purposes.</a:t>
+            </a:r>
+          </a:p>
+          <a:p>
+            <a:pPr marL="285750" indent="-285750" algn="l">
+              <a:lnSpc>
+                <a:spcPct val="150000"/>
+              </a:lnSpc>
+              <a:buFont typeface="Arial" panose="020B0604020202020204" pitchFamily="34" charset="0"/>
+              <a:buChar char="•"/>
+            </a:pPr>
+            <a:endParaRPr lang="en-US" dirty="0">
+              <a:latin typeface="Times New Roman" panose="02020603050405020304" pitchFamily="18" charset="0"/>
+              <a:cs typeface="Times New Roman" panose="02020603050405020304" pitchFamily="18" charset="0"/>
+            </a:endParaRPr>
+          </a:p>
+          <a:p>
+            <a:pPr marL="285750" indent="-285750" algn="l">
+              <a:lnSpc>
+                <a:spcPct val="150000"/>
+              </a:lnSpc>
+              <a:buFont typeface="Arial" panose="020B0604020202020204" pitchFamily="34" charset="0"/>
+              <a:buChar char="•"/>
+            </a:pPr>
+            <a:r>
+              <a:rPr lang="en-US" dirty="0">
+                <a:latin typeface="Times New Roman" panose="02020603050405020304" pitchFamily="18" charset="0"/>
+                <a:cs typeface="Times New Roman" panose="02020603050405020304" pitchFamily="18" charset="0"/>
+              </a:rPr>
+              <a:t>Another important functionality of the web service is the encryption of sensitive data using AES-256. This ensures that even if an attacker gains access to the data, they will not be able to read it without the encryption key. This provides an additional layer of security for the employee data being retrieved.</a:t>
+            </a:r>
+          </a:p>
+          <a:p>
+            <a:pPr>
+              <a:lnSpc>
+                <a:spcPct val="115000"/>
+              </a:lnSpc>
+            </a:pPr>
+            <a:endParaRPr lang="en-IN" dirty="0">
+              <a:latin typeface="Times New Roman" panose="02020603050405020304" pitchFamily="18" charset="0"/>
+              <a:ea typeface="Arial" panose="020B0604020202020204" pitchFamily="34" charset="0"/>
+            </a:endParaRPr>
+          </a:p>
+          <a:p>
+            <a:pPr marL="285750" indent="-285750">
+              <a:lnSpc>
+                <a:spcPct val="150000"/>
+              </a:lnSpc>
+              <a:buFont typeface="Arial" panose="020B0604020202020204" pitchFamily="34" charset="0"/>
+              <a:buChar char="•"/>
+            </a:pPr>
+            <a:r>
+              <a:rPr lang="en-US" dirty="0">
+                <a:latin typeface="Times New Roman" panose="02020603050405020304" pitchFamily="18" charset="0"/>
+                <a:cs typeface="Times New Roman" panose="02020603050405020304" pitchFamily="18" charset="0"/>
+              </a:rPr>
+              <a:t>The project also includes logging functionality for tracking web service usage. Each time the web service is called, a log entry is created that includes a date-timestamp. If the log file exceeds 1 MB in size, the existing file is backed up and a new log file is utilized. This ensures that the usage of the web service can be tracked and monitored for security purposes.</a:t>
+            </a:r>
+            <a:endParaRPr lang="en-IN" dirty="0">
+              <a:latin typeface="Times New Roman" panose="02020603050405020304" pitchFamily="18" charset="0"/>
+              <a:cs typeface="Times New Roman" panose="02020603050405020304" pitchFamily="18" charset="0"/>
+            </a:endParaRPr>
+          </a:p>
+          <a:p>
+            <a:pPr>
+              <a:lnSpc>
+                <a:spcPct val="115000"/>
+              </a:lnSpc>
+            </a:pPr>
             <a:endParaRPr lang="en-IN" sz="1400" dirty="0">
               <a:effectLst/>
               <a:latin typeface="Arial" panose="020B0604020202020204" pitchFamily="34" charset="0"/>
@@ -6290,7 +12772,7 @@
     </p:spTree>
     <p:extLst>
       <p:ext uri="{BB962C8B-B14F-4D97-AF65-F5344CB8AC3E}">
-        <p14:creationId xmlns:p14="http://schemas.microsoft.com/office/powerpoint/2010/main" val="1207346346"/>
+        <p14:creationId xmlns:p14="http://schemas.microsoft.com/office/powerpoint/2010/main" val="1080485625"/>
       </p:ext>
     </p:extLst>
   </p:cSld>
@@ -6345,7 +12827,7 @@
         </p:blipFill>
         <p:spPr>
           <a:xfrm flipH="1">
-            <a:off x="0" y="18088"/>
+            <a:off x="0" y="0"/>
             <a:ext cx="12192000" cy="6858000"/>
           </a:xfrm>
           <a:prstGeom prst="rect">
@@ -6448,7 +12930,7 @@
         <p:spPr>
           <a:xfrm>
             <a:off x="2499360" y="383848"/>
-            <a:ext cx="8818879" cy="482633"/>
+            <a:ext cx="8818879" cy="461665"/>
           </a:xfrm>
           <a:prstGeom prst="rect">
             <a:avLst/>
@@ -6463,11 +12945,6 @@
           </a:bodyPr>
           <a:lstStyle/>
           <a:p>
-            <a:pPr>
-              <a:lnSpc>
-                <a:spcPct val="115000"/>
-              </a:lnSpc>
-            </a:pPr>
             <a:r>
               <a:rPr lang="en-IN" sz="2400" b="1" dirty="0">
                 <a:solidFill>
@@ -6477,7 +12954,7 @@
                 <a:latin typeface="Times New Roman" panose="02020603050405020304" pitchFamily="18" charset="0"/>
                 <a:ea typeface="Arial" panose="020B0604020202020204" pitchFamily="34" charset="0"/>
               </a:rPr>
-              <a:t>Back-end Development</a:t>
+              <a:t>Project Overview</a:t>
             </a:r>
             <a:endParaRPr lang="en-IN" sz="1400" dirty="0">
               <a:solidFill>
@@ -6492,10 +12969,10 @@
       </p:sp>
       <p:sp>
         <p:nvSpPr>
-          <p:cNvPr id="7" name="TextBox 6">
-            <a:extLst>
-              <a:ext uri="{FF2B5EF4-FFF2-40B4-BE49-F238E27FC236}">
-                <a16:creationId xmlns:a16="http://schemas.microsoft.com/office/drawing/2014/main" id="{02FB6A81-F334-0D76-10FC-F69162C07E4E}"/>
+          <p:cNvPr id="9" name="TextBox 8">
+            <a:extLst>
+              <a:ext uri="{FF2B5EF4-FFF2-40B4-BE49-F238E27FC236}">
+                <a16:creationId xmlns:a16="http://schemas.microsoft.com/office/drawing/2014/main" id="{9E6CB871-F71A-0AA9-2DC6-C9AA195CBD29}"/>
               </a:ext>
             </a:extLst>
           </p:cNvPr>
@@ -6504,8 +12981,8 @@
         </p:nvSpPr>
         <p:spPr>
           <a:xfrm>
-            <a:off x="490220" y="1349647"/>
-            <a:ext cx="5026660" cy="1022139"/>
+            <a:off x="490219" y="1349647"/>
+            <a:ext cx="11011967" cy="5028556"/>
           </a:xfrm>
           <a:prstGeom prst="rect">
             <a:avLst/>
@@ -6518,23 +12995,104 @@
           </a:bodyPr>
           <a:lstStyle/>
           <a:p>
-            <a:pPr algn="just">
-              <a:lnSpc>
-                <a:spcPct val="115000"/>
-              </a:lnSpc>
-            </a:pPr>
-            <a:r>
-              <a:rPr lang="en-IN" sz="1800" dirty="0">
-                <a:effectLst/>
-                <a:latin typeface="Times New Roman" panose="02020603050405020304" pitchFamily="18" charset="0"/>
-                <a:ea typeface="Arial" panose="020B0604020202020204" pitchFamily="34" charset="0"/>
-              </a:rPr>
-              <a:t>This section explains the development of the back-end of the application, including the programming language used, the database schema, and the APIs.</a:t>
-            </a:r>
-            <a:endParaRPr lang="en-IN" sz="1400" dirty="0">
-              <a:effectLst/>
-              <a:latin typeface="Arial" panose="020B0604020202020204" pitchFamily="34" charset="0"/>
-              <a:ea typeface="Arial" panose="020B0604020202020204" pitchFamily="34" charset="0"/>
+            <a:pPr marL="285750" indent="-285750">
+              <a:lnSpc>
+                <a:spcPct val="150000"/>
+              </a:lnSpc>
+              <a:buFont typeface="Arial" panose="020B0604020202020204" pitchFamily="34" charset="0"/>
+              <a:buChar char="•"/>
+            </a:pPr>
+            <a:r>
+              <a:rPr lang="en-US" dirty="0">
+                <a:latin typeface="Times New Roman" panose="02020603050405020304" pitchFamily="18" charset="0"/>
+                <a:cs typeface="Times New Roman" panose="02020603050405020304" pitchFamily="18" charset="0"/>
+              </a:rPr>
+              <a:t>The web service is containerized using Docker, which allows it to be easily deployed and managed on any platform that supports Docker. The use of containers also provides scalability, allowing multiple instances of the web service to be deployed and managed on a single machine or across multiple machines.</a:t>
+            </a:r>
+          </a:p>
+          <a:p>
+            <a:pPr marL="285750" indent="-285750">
+              <a:lnSpc>
+                <a:spcPct val="150000"/>
+              </a:lnSpc>
+              <a:buFont typeface="Arial" panose="020B0604020202020204" pitchFamily="34" charset="0"/>
+              <a:buChar char="•"/>
+            </a:pPr>
+            <a:endParaRPr lang="en-US" dirty="0">
+              <a:latin typeface="Times New Roman" panose="02020603050405020304" pitchFamily="18" charset="0"/>
+              <a:cs typeface="Times New Roman" panose="02020603050405020304" pitchFamily="18" charset="0"/>
+            </a:endParaRPr>
+          </a:p>
+          <a:p>
+            <a:pPr marL="285750" indent="-285750">
+              <a:lnSpc>
+                <a:spcPct val="150000"/>
+              </a:lnSpc>
+              <a:buFont typeface="Arial" panose="020B0604020202020204" pitchFamily="34" charset="0"/>
+              <a:buChar char="•"/>
+            </a:pPr>
+            <a:r>
+              <a:rPr lang="en-US" dirty="0">
+                <a:latin typeface="Times New Roman" panose="02020603050405020304" pitchFamily="18" charset="0"/>
+                <a:cs typeface="Times New Roman" panose="02020603050405020304" pitchFamily="18" charset="0"/>
+              </a:rPr>
+              <a:t>The deployment of the web service is managed using Kubernetes, a popular container orchestration platform. Kubernetes will create 3 instances of web service Kubernetes allows the web service to be automatically scaled up or down based on demand, ensuring that the web service remains available and responsive to user requests.</a:t>
+            </a:r>
+          </a:p>
+          <a:p>
+            <a:pPr marL="285750" indent="-285750">
+              <a:lnSpc>
+                <a:spcPct val="150000"/>
+              </a:lnSpc>
+              <a:buFont typeface="Arial" panose="020B0604020202020204" pitchFamily="34" charset="0"/>
+              <a:buChar char="•"/>
+            </a:pPr>
+            <a:endParaRPr lang="en-US" dirty="0">
+              <a:latin typeface="Times New Roman" panose="02020603050405020304" pitchFamily="18" charset="0"/>
+              <a:cs typeface="Times New Roman" panose="02020603050405020304" pitchFamily="18" charset="0"/>
+            </a:endParaRPr>
+          </a:p>
+          <a:p>
+            <a:pPr marL="285750" indent="-285750">
+              <a:lnSpc>
+                <a:spcPct val="150000"/>
+              </a:lnSpc>
+              <a:buFont typeface="Arial" panose="020B0604020202020204" pitchFamily="34" charset="0"/>
+              <a:buChar char="•"/>
+            </a:pPr>
+            <a:r>
+              <a:rPr lang="en-US" dirty="0">
+                <a:latin typeface="Times New Roman" panose="02020603050405020304" pitchFamily="18" charset="0"/>
+                <a:cs typeface="Times New Roman" panose="02020603050405020304" pitchFamily="18" charset="0"/>
+              </a:rPr>
+              <a:t>In addition to the web service, the project includes a Java client program that can be used to call the web service and retrieve employee data. The client program is also responsible for decrypting the encrypted </a:t>
+            </a:r>
+            <a:r>
+              <a:rPr lang="en-US" dirty="0" err="1">
+                <a:latin typeface="Times New Roman" panose="02020603050405020304" pitchFamily="18" charset="0"/>
+                <a:cs typeface="Times New Roman" panose="02020603050405020304" pitchFamily="18" charset="0"/>
+              </a:rPr>
+              <a:t>DateOfBirth</a:t>
+            </a:r>
+            <a:r>
+              <a:rPr lang="en-US" dirty="0">
+                <a:latin typeface="Times New Roman" panose="02020603050405020304" pitchFamily="18" charset="0"/>
+                <a:cs typeface="Times New Roman" panose="02020603050405020304" pitchFamily="18" charset="0"/>
+              </a:rPr>
+              <a:t> field, which is encrypted using the AES-256 encryption algorithm.</a:t>
+            </a:r>
+          </a:p>
+          <a:p>
+            <a:pPr marL="285750" indent="-285750">
+              <a:lnSpc>
+                <a:spcPct val="150000"/>
+              </a:lnSpc>
+              <a:buFont typeface="Arial" panose="020B0604020202020204" pitchFamily="34" charset="0"/>
+              <a:buChar char="•"/>
+            </a:pPr>
+            <a:endParaRPr lang="en-IN" dirty="0">
+              <a:latin typeface="Times New Roman" panose="02020603050405020304" pitchFamily="18" charset="0"/>
+              <a:cs typeface="Times New Roman" panose="02020603050405020304" pitchFamily="18" charset="0"/>
             </a:endParaRPr>
           </a:p>
         </p:txBody>
@@ -6542,7 +13100,7 @@
     </p:spTree>
     <p:extLst>
       <p:ext uri="{BB962C8B-B14F-4D97-AF65-F5344CB8AC3E}">
-        <p14:creationId xmlns:p14="http://schemas.microsoft.com/office/powerpoint/2010/main" val="41928864"/>
+        <p14:creationId xmlns:p14="http://schemas.microsoft.com/office/powerpoint/2010/main" val="1637907297"/>
       </p:ext>
     </p:extLst>
   </p:cSld>
@@ -6700,7 +13258,7 @@
         <p:spPr>
           <a:xfrm>
             <a:off x="2499360" y="383848"/>
-            <a:ext cx="8818879" cy="483017"/>
+            <a:ext cx="8818879" cy="461665"/>
           </a:xfrm>
           <a:prstGeom prst="rect">
             <a:avLst/>
@@ -6715,11 +13273,6 @@
           </a:bodyPr>
           <a:lstStyle/>
           <a:p>
-            <a:pPr>
-              <a:lnSpc>
-                <a:spcPct val="115000"/>
-              </a:lnSpc>
-            </a:pPr>
             <a:r>
               <a:rPr lang="en-IN" sz="2400" b="1" dirty="0">
                 <a:solidFill>
@@ -6729,28 +13282,25 @@
                 <a:latin typeface="Times New Roman" panose="02020603050405020304" pitchFamily="18" charset="0"/>
                 <a:ea typeface="Arial" panose="020B0604020202020204" pitchFamily="34" charset="0"/>
               </a:rPr>
-              <a:t>Front-end Development</a:t>
-            </a:r>
-            <a:r>
-              <a:rPr lang="en-IN" sz="1400" dirty="0">
-                <a:solidFill>
-                  <a:schemeClr val="bg1"/>
-                </a:solidFill>
-                <a:effectLst/>
-                <a:latin typeface="Arial" panose="020B0604020202020204" pitchFamily="34" charset="0"/>
-                <a:ea typeface="Arial" panose="020B0604020202020204" pitchFamily="34" charset="0"/>
-              </a:rPr>
-              <a:t> </a:t>
-            </a:r>
+              <a:t>Project Overview</a:t>
+            </a:r>
+            <a:endParaRPr lang="en-IN" sz="1400" dirty="0">
+              <a:solidFill>
+                <a:schemeClr val="bg1"/>
+              </a:solidFill>
+              <a:effectLst/>
+              <a:latin typeface="Arial" panose="020B0604020202020204" pitchFamily="34" charset="0"/>
+              <a:ea typeface="Arial" panose="020B0604020202020204" pitchFamily="34" charset="0"/>
+            </a:endParaRPr>
           </a:p>
         </p:txBody>
       </p:sp>
       <p:sp>
         <p:nvSpPr>
-          <p:cNvPr id="7" name="TextBox 6">
-            <a:extLst>
-              <a:ext uri="{FF2B5EF4-FFF2-40B4-BE49-F238E27FC236}">
-                <a16:creationId xmlns:a16="http://schemas.microsoft.com/office/drawing/2014/main" id="{42C9D8A8-1C42-C2FD-EA56-C22FFDE8AF0E}"/>
+          <p:cNvPr id="9" name="TextBox 8">
+            <a:extLst>
+              <a:ext uri="{FF2B5EF4-FFF2-40B4-BE49-F238E27FC236}">
+                <a16:creationId xmlns:a16="http://schemas.microsoft.com/office/drawing/2014/main" id="{9E6CB871-F71A-0AA9-2DC6-C9AA195CBD29}"/>
               </a:ext>
             </a:extLst>
           </p:cNvPr>
@@ -6759,8 +13309,8 @@
         </p:nvSpPr>
         <p:spPr>
           <a:xfrm>
-            <a:off x="490220" y="1349647"/>
-            <a:ext cx="5026660" cy="1340688"/>
+            <a:off x="490219" y="1349647"/>
+            <a:ext cx="11435479" cy="5561972"/>
           </a:xfrm>
           <a:prstGeom prst="rect">
             <a:avLst/>
@@ -6773,19 +13323,215 @@
           </a:bodyPr>
           <a:lstStyle/>
           <a:p>
-            <a:pPr algn="just">
+            <a:pPr>
               <a:lnSpc>
                 <a:spcPct val="115000"/>
               </a:lnSpc>
             </a:pPr>
             <a:r>
-              <a:rPr lang="en-IN" sz="1800" dirty="0">
-                <a:effectLst/>
-                <a:latin typeface="Times New Roman" panose="02020603050405020304" pitchFamily="18" charset="0"/>
-                <a:ea typeface="Arial" panose="020B0604020202020204" pitchFamily="34" charset="0"/>
-              </a:rPr>
-              <a:t>This section explains the development of the front-end of the application, including the programming language used, the framework or library used, and the user interface components.</a:t>
-            </a:r>
+              <a:rPr lang="en-US" sz="2000" b="1" dirty="0">
+                <a:latin typeface="Times New Roman" panose="02020603050405020304" pitchFamily="18" charset="0"/>
+                <a:cs typeface="Times New Roman" panose="02020603050405020304" pitchFamily="18" charset="0"/>
+              </a:rPr>
+              <a:t>The project is implemented using a technology stack that includes :</a:t>
+            </a:r>
+          </a:p>
+          <a:p>
+            <a:pPr>
+              <a:lnSpc>
+                <a:spcPct val="115000"/>
+              </a:lnSpc>
+            </a:pPr>
+            <a:endParaRPr lang="en-US" b="0" i="0" dirty="0">
+              <a:solidFill>
+                <a:srgbClr val="D1D5DB"/>
+              </a:solidFill>
+              <a:effectLst/>
+              <a:latin typeface="Söhne"/>
+            </a:endParaRPr>
+          </a:p>
+          <a:p>
+            <a:pPr algn="l">
+              <a:lnSpc>
+                <a:spcPct val="150000"/>
+              </a:lnSpc>
+              <a:buFont typeface="Arial" panose="020B0604020202020204" pitchFamily="34" charset="0"/>
+              <a:buChar char="•"/>
+            </a:pPr>
+            <a:r>
+              <a:rPr lang="en-US" dirty="0">
+                <a:latin typeface="Times New Roman" panose="02020603050405020304" pitchFamily="18" charset="0"/>
+                <a:cs typeface="Times New Roman" panose="02020603050405020304" pitchFamily="18" charset="0"/>
+              </a:rPr>
+              <a:t>Java for programming the web service and client program</a:t>
+            </a:r>
+          </a:p>
+          <a:p>
+            <a:pPr algn="l">
+              <a:lnSpc>
+                <a:spcPct val="150000"/>
+              </a:lnSpc>
+              <a:buFont typeface="Arial" panose="020B0604020202020204" pitchFamily="34" charset="0"/>
+              <a:buChar char="•"/>
+            </a:pPr>
+            <a:r>
+              <a:rPr lang="en-US" dirty="0">
+                <a:latin typeface="Times New Roman" panose="02020603050405020304" pitchFamily="18" charset="0"/>
+                <a:cs typeface="Times New Roman" panose="02020603050405020304" pitchFamily="18" charset="0"/>
+              </a:rPr>
+              <a:t>MySQL for storing data in database</a:t>
+            </a:r>
+          </a:p>
+          <a:p>
+            <a:pPr algn="l">
+              <a:lnSpc>
+                <a:spcPct val="150000"/>
+              </a:lnSpc>
+              <a:buFont typeface="Arial" panose="020B0604020202020204" pitchFamily="34" charset="0"/>
+              <a:buChar char="•"/>
+            </a:pPr>
+            <a:r>
+              <a:rPr lang="en-US" dirty="0">
+                <a:latin typeface="Times New Roman" panose="02020603050405020304" pitchFamily="18" charset="0"/>
+                <a:cs typeface="Times New Roman" panose="02020603050405020304" pitchFamily="18" charset="0"/>
+              </a:rPr>
+              <a:t>Spring Boot for creating a RESTful web service</a:t>
+            </a:r>
+          </a:p>
+          <a:p>
+            <a:pPr algn="l">
+              <a:lnSpc>
+                <a:spcPct val="150000"/>
+              </a:lnSpc>
+              <a:buFont typeface="Arial" panose="020B0604020202020204" pitchFamily="34" charset="0"/>
+              <a:buChar char="•"/>
+            </a:pPr>
+            <a:r>
+              <a:rPr lang="en-US" dirty="0">
+                <a:latin typeface="Times New Roman" panose="02020603050405020304" pitchFamily="18" charset="0"/>
+                <a:cs typeface="Times New Roman" panose="02020603050405020304" pitchFamily="18" charset="0"/>
+              </a:rPr>
+              <a:t>Git for version control and source code management</a:t>
+            </a:r>
+          </a:p>
+          <a:p>
+            <a:pPr algn="l">
+              <a:lnSpc>
+                <a:spcPct val="150000"/>
+              </a:lnSpc>
+              <a:buFont typeface="Arial" panose="020B0604020202020204" pitchFamily="34" charset="0"/>
+              <a:buChar char="•"/>
+            </a:pPr>
+            <a:r>
+              <a:rPr lang="en-US" dirty="0">
+                <a:latin typeface="Times New Roman" panose="02020603050405020304" pitchFamily="18" charset="0"/>
+                <a:cs typeface="Times New Roman" panose="02020603050405020304" pitchFamily="18" charset="0"/>
+              </a:rPr>
+              <a:t>Jenkins for continuous integration and deployment</a:t>
+            </a:r>
+          </a:p>
+          <a:p>
+            <a:pPr algn="l">
+              <a:lnSpc>
+                <a:spcPct val="150000"/>
+              </a:lnSpc>
+              <a:buFont typeface="Arial" panose="020B0604020202020204" pitchFamily="34" charset="0"/>
+              <a:buChar char="•"/>
+            </a:pPr>
+            <a:r>
+              <a:rPr lang="en-US" dirty="0">
+                <a:latin typeface="Times New Roman" panose="02020603050405020304" pitchFamily="18" charset="0"/>
+                <a:cs typeface="Times New Roman" panose="02020603050405020304" pitchFamily="18" charset="0"/>
+              </a:rPr>
+              <a:t>AES-256 encryption for securing sensitive data</a:t>
+            </a:r>
+          </a:p>
+          <a:p>
+            <a:pPr algn="l">
+              <a:lnSpc>
+                <a:spcPct val="150000"/>
+              </a:lnSpc>
+              <a:buFont typeface="Arial" panose="020B0604020202020204" pitchFamily="34" charset="0"/>
+              <a:buChar char="•"/>
+            </a:pPr>
+            <a:r>
+              <a:rPr lang="en-US" dirty="0">
+                <a:latin typeface="Times New Roman" panose="02020603050405020304" pitchFamily="18" charset="0"/>
+                <a:cs typeface="Times New Roman" panose="02020603050405020304" pitchFamily="18" charset="0"/>
+              </a:rPr>
+              <a:t>HTTPS for secure transmission of data over the network</a:t>
+            </a:r>
+          </a:p>
+          <a:p>
+            <a:pPr algn="l">
+              <a:lnSpc>
+                <a:spcPct val="150000"/>
+              </a:lnSpc>
+              <a:buFont typeface="Arial" panose="020B0604020202020204" pitchFamily="34" charset="0"/>
+              <a:buChar char="•"/>
+            </a:pPr>
+            <a:r>
+              <a:rPr lang="en-US" dirty="0">
+                <a:latin typeface="Times New Roman" panose="02020603050405020304" pitchFamily="18" charset="0"/>
+                <a:cs typeface="Times New Roman" panose="02020603050405020304" pitchFamily="18" charset="0"/>
+              </a:rPr>
+              <a:t>Self-signed certificates for testing purposes</a:t>
+            </a:r>
+          </a:p>
+          <a:p>
+            <a:pPr algn="l">
+              <a:lnSpc>
+                <a:spcPct val="150000"/>
+              </a:lnSpc>
+              <a:buFont typeface="Arial" panose="020B0604020202020204" pitchFamily="34" charset="0"/>
+              <a:buChar char="•"/>
+            </a:pPr>
+            <a:r>
+              <a:rPr lang="en-US" dirty="0">
+                <a:latin typeface="Times New Roman" panose="02020603050405020304" pitchFamily="18" charset="0"/>
+                <a:cs typeface="Times New Roman" panose="02020603050405020304" pitchFamily="18" charset="0"/>
+              </a:rPr>
+              <a:t>Postman for API testing</a:t>
+            </a:r>
+          </a:p>
+          <a:p>
+            <a:pPr algn="l">
+              <a:lnSpc>
+                <a:spcPct val="150000"/>
+              </a:lnSpc>
+              <a:buFont typeface="Arial" panose="020B0604020202020204" pitchFamily="34" charset="0"/>
+              <a:buChar char="•"/>
+            </a:pPr>
+            <a:r>
+              <a:rPr lang="en-US" dirty="0">
+                <a:latin typeface="Times New Roman" panose="02020603050405020304" pitchFamily="18" charset="0"/>
+                <a:cs typeface="Times New Roman" panose="02020603050405020304" pitchFamily="18" charset="0"/>
+              </a:rPr>
+              <a:t>Docker for containerization of the web service</a:t>
+            </a:r>
+          </a:p>
+          <a:p>
+            <a:pPr algn="l">
+              <a:lnSpc>
+                <a:spcPct val="150000"/>
+              </a:lnSpc>
+              <a:buFont typeface="Arial" panose="020B0604020202020204" pitchFamily="34" charset="0"/>
+              <a:buChar char="•"/>
+            </a:pPr>
+            <a:r>
+              <a:rPr lang="en-US" dirty="0">
+                <a:latin typeface="Times New Roman" panose="02020603050405020304" pitchFamily="18" charset="0"/>
+                <a:cs typeface="Times New Roman" panose="02020603050405020304" pitchFamily="18" charset="0"/>
+              </a:rPr>
+              <a:t>Kubernetes for container orchestration and management</a:t>
+            </a:r>
+          </a:p>
+          <a:p>
+            <a:pPr>
+              <a:lnSpc>
+                <a:spcPct val="115000"/>
+              </a:lnSpc>
+            </a:pPr>
             <a:endParaRPr lang="en-IN" sz="1400" dirty="0">
               <a:effectLst/>
               <a:latin typeface="Arial" panose="020B0604020202020204" pitchFamily="34" charset="0"/>
@@ -6797,7 +13543,7 @@
     </p:spTree>
     <p:extLst>
       <p:ext uri="{BB962C8B-B14F-4D97-AF65-F5344CB8AC3E}">
-        <p14:creationId xmlns:p14="http://schemas.microsoft.com/office/powerpoint/2010/main" val="3755091390"/>
+        <p14:creationId xmlns:p14="http://schemas.microsoft.com/office/powerpoint/2010/main" val="2683072327"/>
       </p:ext>
     </p:extLst>
   </p:cSld>
@@ -6852,7 +13598,7 @@
         </p:blipFill>
         <p:spPr>
           <a:xfrm flipH="1">
-            <a:off x="0" y="-20320"/>
+            <a:off x="0" y="0"/>
             <a:ext cx="12192000" cy="6858000"/>
           </a:xfrm>
           <a:prstGeom prst="rect">
@@ -6955,7 +13701,7 @@
         <p:spPr>
           <a:xfrm>
             <a:off x="2499360" y="383848"/>
-            <a:ext cx="8818879" cy="483017"/>
+            <a:ext cx="8818879" cy="461665"/>
           </a:xfrm>
           <a:prstGeom prst="rect">
             <a:avLst/>
@@ -6970,29 +13716,34 @@
           </a:bodyPr>
           <a:lstStyle/>
           <a:p>
-            <a:pPr>
-              <a:lnSpc>
-                <a:spcPct val="115000"/>
-              </a:lnSpc>
-            </a:pPr>
             <a:r>
               <a:rPr lang="en-IN" sz="2400" b="1" dirty="0">
                 <a:solidFill>
                   <a:schemeClr val="bg1"/>
                 </a:solidFill>
-                <a:latin typeface="Times New Roman" panose="02020603050405020304" pitchFamily="18" charset="0"/>
-              </a:rPr>
-              <a:t>Integration and Testing</a:t>
-            </a:r>
+                <a:effectLst/>
+                <a:latin typeface="Times New Roman" panose="02020603050405020304" pitchFamily="18" charset="0"/>
+                <a:ea typeface="Arial" panose="020B0604020202020204" pitchFamily="34" charset="0"/>
+              </a:rPr>
+              <a:t>Project Overview</a:t>
+            </a:r>
+            <a:endParaRPr lang="en-IN" sz="1400" dirty="0">
+              <a:solidFill>
+                <a:schemeClr val="bg1"/>
+              </a:solidFill>
+              <a:effectLst/>
+              <a:latin typeface="Arial" panose="020B0604020202020204" pitchFamily="34" charset="0"/>
+              <a:ea typeface="Arial" panose="020B0604020202020204" pitchFamily="34" charset="0"/>
+            </a:endParaRPr>
           </a:p>
         </p:txBody>
       </p:sp>
       <p:sp>
         <p:nvSpPr>
-          <p:cNvPr id="7" name="TextBox 6">
-            <a:extLst>
-              <a:ext uri="{FF2B5EF4-FFF2-40B4-BE49-F238E27FC236}">
-                <a16:creationId xmlns:a16="http://schemas.microsoft.com/office/drawing/2014/main" id="{7A00B694-CE8C-1B3C-6470-234A7FE34C41}"/>
+          <p:cNvPr id="9" name="TextBox 8">
+            <a:extLst>
+              <a:ext uri="{FF2B5EF4-FFF2-40B4-BE49-F238E27FC236}">
+                <a16:creationId xmlns:a16="http://schemas.microsoft.com/office/drawing/2014/main" id="{9E6CB871-F71A-0AA9-2DC6-C9AA195CBD29}"/>
               </a:ext>
             </a:extLst>
           </p:cNvPr>
@@ -7001,8 +13752,8 @@
         </p:nvSpPr>
         <p:spPr>
           <a:xfrm>
-            <a:off x="490220" y="1349647"/>
-            <a:ext cx="5026660" cy="1340688"/>
+            <a:off x="490219" y="1349647"/>
+            <a:ext cx="11252601" cy="1289071"/>
           </a:xfrm>
           <a:prstGeom prst="rect">
             <a:avLst/>
@@ -7015,23 +13766,23 @@
           </a:bodyPr>
           <a:lstStyle/>
           <a:p>
-            <a:pPr algn="just">
-              <a:lnSpc>
-                <a:spcPct val="115000"/>
-              </a:lnSpc>
-            </a:pPr>
-            <a:r>
-              <a:rPr lang="en-IN" sz="1800" dirty="0">
-                <a:effectLst/>
-                <a:latin typeface="Times New Roman" panose="02020603050405020304" pitchFamily="18" charset="0"/>
-                <a:ea typeface="Arial" panose="020B0604020202020204" pitchFamily="34" charset="0"/>
-              </a:rPr>
-              <a:t>This section explains the testing methodology used to ensure that the application works as expected, including unit tests, integration tests, and end-to-end tests.</a:t>
-            </a:r>
-            <a:endParaRPr lang="en-IN" sz="1400" dirty="0">
-              <a:effectLst/>
-              <a:latin typeface="Arial" panose="020B0604020202020204" pitchFamily="34" charset="0"/>
-              <a:ea typeface="Arial" panose="020B0604020202020204" pitchFamily="34" charset="0"/>
+            <a:pPr marL="285750" indent="-285750">
+              <a:lnSpc>
+                <a:spcPct val="150000"/>
+              </a:lnSpc>
+              <a:buFont typeface="Arial" panose="020B0604020202020204" pitchFamily="34" charset="0"/>
+              <a:buChar char="•"/>
+            </a:pPr>
+            <a:r>
+              <a:rPr lang="en-US" dirty="0">
+                <a:latin typeface="Times New Roman" panose="02020603050405020304" pitchFamily="18" charset="0"/>
+                <a:cs typeface="Times New Roman" panose="02020603050405020304" pitchFamily="18" charset="0"/>
+              </a:rPr>
+              <a:t>Overall, the project provides a comprehensive solution for securely retrieving employee data through a web service. By using a combination of technologies such as Java, Spring Boot, Git, Jenkins, Docker, and Kubernetes, the project demonstrates a modern and scalable approach to secure web service development and deployment.</a:t>
+            </a:r>
+            <a:endParaRPr lang="en-IN" dirty="0">
+              <a:latin typeface="Times New Roman" panose="02020603050405020304" pitchFamily="18" charset="0"/>
+              <a:cs typeface="Times New Roman" panose="02020603050405020304" pitchFamily="18" charset="0"/>
             </a:endParaRPr>
           </a:p>
         </p:txBody>
@@ -7039,7 +13790,7 @@
     </p:spTree>
     <p:extLst>
       <p:ext uri="{BB962C8B-B14F-4D97-AF65-F5344CB8AC3E}">
-        <p14:creationId xmlns:p14="http://schemas.microsoft.com/office/powerpoint/2010/main" val="3984528251"/>
+        <p14:creationId xmlns:p14="http://schemas.microsoft.com/office/powerpoint/2010/main" val="3181238936"/>
       </p:ext>
     </p:extLst>
   </p:cSld>
